--- a/ワイヤーフレーム.pptx
+++ b/ワイヤーフレーム.pptx
@@ -7,7 +7,7 @@
   <p:sldIdLst>
     <p:sldId id="257" r:id="rId2"/>
   </p:sldIdLst>
-  <p:sldSz cx="6858000" cy="12192000"/>
+  <p:sldSz cx="6858000" cy="16200438"/>
   <p:notesSz cx="6858000" cy="9144000"/>
   <p:defaultTextStyle>
     <a:defPPr>
@@ -142,8 +142,8 @@
         </p:nvSpPr>
         <p:spPr>
           <a:xfrm>
-            <a:off x="857250" y="1995312"/>
-            <a:ext cx="5143500" cy="4244622"/>
+            <a:off x="857250" y="2651323"/>
+            <a:ext cx="5143500" cy="5640152"/>
           </a:xfrm>
         </p:spPr>
         <p:txBody>
@@ -179,8 +179,8 @@
         </p:nvSpPr>
         <p:spPr>
           <a:xfrm>
-            <a:off x="857250" y="6403623"/>
-            <a:ext cx="5143500" cy="2943577"/>
+            <a:off x="857250" y="8508982"/>
+            <a:ext cx="5143500" cy="3911355"/>
           </a:xfrm>
         </p:spPr>
         <p:txBody>
@@ -592,8 +592,8 @@
         </p:nvSpPr>
         <p:spPr>
           <a:xfrm>
-            <a:off x="4907756" y="649111"/>
-            <a:ext cx="1478756" cy="10332156"/>
+            <a:off x="4907756" y="862523"/>
+            <a:ext cx="1478756" cy="13729122"/>
           </a:xfrm>
         </p:spPr>
         <p:txBody>
@@ -625,8 +625,8 @@
         </p:nvSpPr>
         <p:spPr>
           <a:xfrm>
-            <a:off x="471487" y="649111"/>
-            <a:ext cx="4350544" cy="10332156"/>
+            <a:off x="471487" y="862523"/>
+            <a:ext cx="4350544" cy="13729122"/>
           </a:xfrm>
         </p:spPr>
         <p:txBody>
@@ -1062,8 +1062,8 @@
         </p:nvSpPr>
         <p:spPr>
           <a:xfrm>
-            <a:off x="467916" y="3039535"/>
-            <a:ext cx="5915025" cy="5071532"/>
+            <a:off x="467917" y="4038862"/>
+            <a:ext cx="5915025" cy="6738930"/>
           </a:xfrm>
         </p:spPr>
         <p:txBody>
@@ -1099,8 +1099,8 @@
         </p:nvSpPr>
         <p:spPr>
           <a:xfrm>
-            <a:off x="467916" y="8159046"/>
-            <a:ext cx="5915025" cy="2666999"/>
+            <a:off x="467917" y="10841546"/>
+            <a:ext cx="5915025" cy="3543844"/>
           </a:xfrm>
         </p:spPr>
         <p:txBody>
@@ -1365,8 +1365,8 @@
         </p:nvSpPr>
         <p:spPr>
           <a:xfrm>
-            <a:off x="471488" y="3245556"/>
-            <a:ext cx="2914650" cy="7735712"/>
+            <a:off x="471488" y="4312617"/>
+            <a:ext cx="2914650" cy="10279029"/>
           </a:xfrm>
         </p:spPr>
         <p:txBody>
@@ -1459,8 +1459,8 @@
         </p:nvSpPr>
         <p:spPr>
           <a:xfrm>
-            <a:off x="3471863" y="3245556"/>
-            <a:ext cx="2914650" cy="7735712"/>
+            <a:off x="3471863" y="4312617"/>
+            <a:ext cx="2914650" cy="10279029"/>
           </a:xfrm>
         </p:spPr>
         <p:txBody>
@@ -1666,8 +1666,8 @@
         </p:nvSpPr>
         <p:spPr>
           <a:xfrm>
-            <a:off x="472381" y="649112"/>
-            <a:ext cx="5915025" cy="2356556"/>
+            <a:off x="472382" y="862525"/>
+            <a:ext cx="5915025" cy="3131335"/>
           </a:xfrm>
         </p:spPr>
         <p:txBody>
@@ -1699,8 +1699,8 @@
         </p:nvSpPr>
         <p:spPr>
           <a:xfrm>
-            <a:off x="472381" y="2988734"/>
-            <a:ext cx="2901255" cy="1464732"/>
+            <a:off x="472381" y="3971358"/>
+            <a:ext cx="2901255" cy="1946301"/>
           </a:xfrm>
         </p:spPr>
         <p:txBody>
@@ -1770,8 +1770,8 @@
         </p:nvSpPr>
         <p:spPr>
           <a:xfrm>
-            <a:off x="472381" y="4453467"/>
-            <a:ext cx="2901255" cy="6550379"/>
+            <a:off x="472381" y="5917661"/>
+            <a:ext cx="2901255" cy="8703987"/>
           </a:xfrm>
         </p:spPr>
         <p:txBody>
@@ -1864,8 +1864,8 @@
         </p:nvSpPr>
         <p:spPr>
           <a:xfrm>
-            <a:off x="3471863" y="2988734"/>
-            <a:ext cx="2915543" cy="1464732"/>
+            <a:off x="3471864" y="3971358"/>
+            <a:ext cx="2915543" cy="1946301"/>
           </a:xfrm>
         </p:spPr>
         <p:txBody>
@@ -1935,8 +1935,8 @@
         </p:nvSpPr>
         <p:spPr>
           <a:xfrm>
-            <a:off x="3471863" y="4453467"/>
-            <a:ext cx="2915543" cy="6550379"/>
+            <a:off x="3471864" y="5917661"/>
+            <a:ext cx="2915543" cy="8703987"/>
           </a:xfrm>
         </p:spPr>
         <p:txBody>
@@ -2396,8 +2396,8 @@
         </p:nvSpPr>
         <p:spPr>
           <a:xfrm>
-            <a:off x="472381" y="812800"/>
-            <a:ext cx="2211883" cy="2844800"/>
+            <a:off x="472382" y="1080029"/>
+            <a:ext cx="2211883" cy="3780102"/>
           </a:xfrm>
         </p:spPr>
         <p:txBody>
@@ -2433,8 +2433,8 @@
         </p:nvSpPr>
         <p:spPr>
           <a:xfrm>
-            <a:off x="2915543" y="1755423"/>
-            <a:ext cx="3471863" cy="8664222"/>
+            <a:off x="2915544" y="2332564"/>
+            <a:ext cx="3471863" cy="11512811"/>
           </a:xfrm>
         </p:spPr>
         <p:txBody>
@@ -2555,8 +2555,8 @@
         </p:nvSpPr>
         <p:spPr>
           <a:xfrm>
-            <a:off x="472381" y="3657600"/>
-            <a:ext cx="2211883" cy="6776156"/>
+            <a:off x="472382" y="4860131"/>
+            <a:ext cx="2211883" cy="9003994"/>
           </a:xfrm>
         </p:spPr>
         <p:txBody>
@@ -2739,8 +2739,8 @@
         </p:nvSpPr>
         <p:spPr>
           <a:xfrm>
-            <a:off x="472381" y="812800"/>
-            <a:ext cx="2211883" cy="2844800"/>
+            <a:off x="472382" y="1080029"/>
+            <a:ext cx="2211883" cy="3780102"/>
           </a:xfrm>
         </p:spPr>
         <p:txBody>
@@ -2776,8 +2776,8 @@
         </p:nvSpPr>
         <p:spPr>
           <a:xfrm>
-            <a:off x="2915543" y="1755423"/>
-            <a:ext cx="3471863" cy="8664222"/>
+            <a:off x="2915544" y="2332564"/>
+            <a:ext cx="3471863" cy="11512811"/>
           </a:xfrm>
         </p:spPr>
         <p:txBody>
@@ -2843,8 +2843,8 @@
         </p:nvSpPr>
         <p:spPr>
           <a:xfrm>
-            <a:off x="472381" y="3657600"/>
-            <a:ext cx="2211883" cy="6776156"/>
+            <a:off x="472382" y="4860131"/>
+            <a:ext cx="2211883" cy="9003994"/>
           </a:xfrm>
         </p:spPr>
         <p:txBody>
@@ -3032,8 +3032,8 @@
         </p:nvSpPr>
         <p:spPr>
           <a:xfrm>
-            <a:off x="471488" y="649112"/>
-            <a:ext cx="5915025" cy="2356556"/>
+            <a:off x="471489" y="862525"/>
+            <a:ext cx="5915025" cy="3131335"/>
           </a:xfrm>
           <a:prstGeom prst="rect">
             <a:avLst/>
@@ -3070,8 +3070,8 @@
         </p:nvSpPr>
         <p:spPr>
           <a:xfrm>
-            <a:off x="471488" y="3245556"/>
-            <a:ext cx="5915025" cy="7735712"/>
+            <a:off x="471489" y="4312617"/>
+            <a:ext cx="5915025" cy="10279029"/>
           </a:xfrm>
           <a:prstGeom prst="rect">
             <a:avLst/>
@@ -3169,8 +3169,8 @@
         </p:nvSpPr>
         <p:spPr>
           <a:xfrm>
-            <a:off x="471488" y="11300179"/>
-            <a:ext cx="1543050" cy="649111"/>
+            <a:off x="471488" y="15015408"/>
+            <a:ext cx="1543050" cy="862523"/>
           </a:xfrm>
           <a:prstGeom prst="rect">
             <a:avLst/>
@@ -3216,8 +3216,8 @@
         </p:nvSpPr>
         <p:spPr>
           <a:xfrm>
-            <a:off x="2271713" y="11300179"/>
-            <a:ext cx="2314575" cy="649111"/>
+            <a:off x="2271714" y="15015408"/>
+            <a:ext cx="2314575" cy="862523"/>
           </a:xfrm>
           <a:prstGeom prst="rect">
             <a:avLst/>
@@ -3259,8 +3259,8 @@
         </p:nvSpPr>
         <p:spPr>
           <a:xfrm>
-            <a:off x="4843463" y="11300179"/>
-            <a:ext cx="1543050" cy="649111"/>
+            <a:off x="4843463" y="15015408"/>
+            <a:ext cx="1543050" cy="862523"/>
           </a:xfrm>
           <a:prstGeom prst="rect">
             <a:avLst/>
@@ -3609,6 +3609,42 @@
           <a:chExt cx="0" cy="0"/>
         </a:xfrm>
       </p:grpSpPr>
+      <p:pic>
+        <p:nvPicPr>
+          <p:cNvPr id="48" name="図 47">
+            <a:extLst>
+              <a:ext uri="{FF2B5EF4-FFF2-40B4-BE49-F238E27FC236}">
+                <a16:creationId xmlns:a16="http://schemas.microsoft.com/office/drawing/2014/main" id="{714D457A-43E7-40C6-9E45-DA5A0BA94A2D}"/>
+              </a:ext>
+            </a:extLst>
+          </p:cNvPr>
+          <p:cNvPicPr>
+            <a:picLocks noChangeAspect="1"/>
+          </p:cNvPicPr>
+          <p:nvPr/>
+        </p:nvPicPr>
+        <p:blipFill>
+          <a:blip r:embed="rId2">
+            <a:extLst>
+              <a:ext uri="{28A0092B-C50C-407E-A947-70E740481C1C}">
+                <a14:useLocalDpi xmlns:a14="http://schemas.microsoft.com/office/drawing/2010/main" val="0"/>
+              </a:ext>
+            </a:extLst>
+          </a:blip>
+          <a:stretch>
+            <a:fillRect/>
+          </a:stretch>
+        </p:blipFill>
+        <p:spPr>
+          <a:xfrm>
+            <a:off x="0" y="8813806"/>
+            <a:ext cx="6863238" cy="4029808"/>
+          </a:xfrm>
+          <a:prstGeom prst="rect">
+            <a:avLst/>
+          </a:prstGeom>
+        </p:spPr>
+      </p:pic>
       <p:sp>
         <p:nvSpPr>
           <p:cNvPr id="2" name="正方形/長方形 1">
@@ -3623,7 +3659,7 @@
         </p:nvSpPr>
         <p:spPr>
           <a:xfrm>
-            <a:off x="0" y="0"/>
+            <a:off x="-7462" y="6"/>
             <a:ext cx="6858000" cy="540000"/>
           </a:xfrm>
           <a:prstGeom prst="rect">
@@ -3657,7 +3693,7 @@
           <a:lstStyle/>
           <a:p>
             <a:pPr algn="ctr"/>
-            <a:endParaRPr kumimoji="1" lang="ja-JP" altLang="en-US"/>
+            <a:endParaRPr lang="ja-JP" altLang="en-US"/>
           </a:p>
         </p:txBody>
       </p:sp>
@@ -3675,7 +3711,7 @@
         </p:nvSpPr>
         <p:spPr>
           <a:xfrm>
-            <a:off x="9525" y="0"/>
+            <a:off x="2063" y="6"/>
             <a:ext cx="1390650" cy="540000"/>
           </a:xfrm>
           <a:prstGeom prst="rect">
@@ -3708,7 +3744,7 @@
           <a:p>
             <a:pPr algn="ctr"/>
             <a:r>
-              <a:rPr kumimoji="1" lang="ja-JP" altLang="en-US" dirty="0">
+              <a:rPr lang="ja-JP" altLang="en-US" dirty="0">
                 <a:solidFill>
                   <a:schemeClr val="tx1"/>
                 </a:solidFill>
@@ -3732,7 +3768,7 @@
         </p:nvSpPr>
         <p:spPr>
           <a:xfrm>
-            <a:off x="7334250" y="0"/>
+            <a:off x="7326788" y="7"/>
             <a:ext cx="5915025" cy="5305425"/>
           </a:xfrm>
           <a:prstGeom prst="rect">
@@ -3763,14 +3799,14 @@
           <a:lstStyle/>
           <a:p>
             <a:r>
-              <a:rPr kumimoji="1" lang="ja-JP" altLang="en-US" dirty="0">
+              <a:rPr lang="ja-JP" altLang="en-US" dirty="0">
                 <a:solidFill>
                   <a:schemeClr val="tx1"/>
                 </a:solidFill>
               </a:rPr>
               <a:t>メモ</a:t>
             </a:r>
-            <a:endParaRPr kumimoji="1" lang="en-US" altLang="ja-JP" dirty="0">
+            <a:endParaRPr lang="en-US" altLang="ja-JP" dirty="0">
               <a:solidFill>
                 <a:schemeClr val="tx1"/>
               </a:solidFill>
@@ -3788,7 +3824,7 @@
           </a:p>
           <a:p>
             <a:r>
-              <a:rPr kumimoji="1" lang="en-US" altLang="ja-JP" sz="1800" dirty="0">
+              <a:rPr lang="en-US" altLang="ja-JP" dirty="0">
                 <a:solidFill>
                   <a:schemeClr val="tx1"/>
                 </a:solidFill>
@@ -3796,14 +3832,14 @@
               <a:t>TOP</a:t>
             </a:r>
             <a:r>
-              <a:rPr kumimoji="1" lang="ja-JP" altLang="en-US" sz="1800" dirty="0">
+              <a:rPr lang="ja-JP" altLang="en-US" dirty="0">
                 <a:solidFill>
                   <a:schemeClr val="tx1"/>
                 </a:solidFill>
               </a:rPr>
               <a:t>ページ</a:t>
             </a:r>
-            <a:endParaRPr kumimoji="1" lang="en-US" altLang="ja-JP" sz="1800" dirty="0">
+            <a:endParaRPr lang="en-US" altLang="ja-JP" dirty="0">
               <a:solidFill>
                 <a:schemeClr val="tx1"/>
               </a:solidFill>
@@ -3811,14 +3847,14 @@
           </a:p>
           <a:p>
             <a:r>
-              <a:rPr kumimoji="1" lang="ja-JP" altLang="en-US" sz="1800" dirty="0">
+              <a:rPr lang="ja-JP" altLang="en-US" dirty="0">
                 <a:solidFill>
                   <a:schemeClr val="tx1"/>
                 </a:solidFill>
               </a:rPr>
               <a:t>セラピスト</a:t>
             </a:r>
-            <a:endParaRPr kumimoji="1" lang="en-US" altLang="ja-JP" sz="1800" dirty="0">
+            <a:endParaRPr lang="en-US" altLang="ja-JP" dirty="0">
               <a:solidFill>
                 <a:schemeClr val="tx1"/>
               </a:solidFill>
@@ -3826,14 +3862,14 @@
           </a:p>
           <a:p>
             <a:r>
-              <a:rPr lang="ja-JP" altLang="en-US" sz="1800" dirty="0">
+              <a:rPr lang="ja-JP" altLang="en-US" dirty="0">
                 <a:solidFill>
                   <a:schemeClr val="tx1"/>
                 </a:solidFill>
               </a:rPr>
               <a:t>メニュー</a:t>
             </a:r>
-            <a:endParaRPr lang="en-US" altLang="ja-JP" sz="1800" dirty="0">
+            <a:endParaRPr lang="en-US" altLang="ja-JP" dirty="0">
               <a:solidFill>
                 <a:schemeClr val="tx1"/>
               </a:solidFill>
@@ -3841,14 +3877,14 @@
           </a:p>
           <a:p>
             <a:r>
-              <a:rPr lang="ja-JP" altLang="en-US" sz="1800" dirty="0">
+              <a:rPr lang="ja-JP" altLang="en-US" dirty="0">
                 <a:solidFill>
                   <a:schemeClr val="tx1"/>
                 </a:solidFill>
               </a:rPr>
               <a:t>ご予約</a:t>
             </a:r>
-            <a:endParaRPr lang="en-US" altLang="ja-JP" sz="1800" dirty="0">
+            <a:endParaRPr lang="en-US" altLang="ja-JP" dirty="0">
               <a:solidFill>
                 <a:schemeClr val="tx1"/>
               </a:solidFill>
@@ -3856,14 +3892,14 @@
           </a:p>
           <a:p>
             <a:r>
-              <a:rPr lang="ja-JP" altLang="en-US" sz="1800" dirty="0">
+              <a:rPr lang="ja-JP" altLang="en-US" dirty="0">
                 <a:solidFill>
                   <a:schemeClr val="tx1"/>
                 </a:solidFill>
               </a:rPr>
               <a:t>アクセス</a:t>
             </a:r>
-            <a:endParaRPr lang="en-US" altLang="ja-JP" sz="1800" dirty="0">
+            <a:endParaRPr lang="en-US" altLang="ja-JP" dirty="0">
               <a:solidFill>
                 <a:schemeClr val="tx1"/>
               </a:solidFill>
@@ -3871,21 +3907,21 @@
           </a:p>
           <a:p>
             <a:r>
-              <a:rPr lang="ja-JP" altLang="en-US" sz="1800" dirty="0">
+              <a:rPr lang="ja-JP" altLang="en-US" dirty="0">
                 <a:solidFill>
                   <a:schemeClr val="tx1"/>
                 </a:solidFill>
               </a:rPr>
               <a:t>リクルート</a:t>
             </a:r>
-            <a:endParaRPr lang="en-US" altLang="ja-JP" sz="1800" dirty="0">
+            <a:endParaRPr lang="en-US" altLang="ja-JP" dirty="0">
               <a:solidFill>
                 <a:schemeClr val="tx1"/>
               </a:solidFill>
             </a:endParaRPr>
           </a:p>
           <a:p>
-            <a:endParaRPr kumimoji="1" lang="ja-JP" altLang="en-US" dirty="0">
+            <a:endParaRPr lang="ja-JP" altLang="en-US" dirty="0">
               <a:solidFill>
                 <a:schemeClr val="tx1"/>
               </a:solidFill>
@@ -3907,7 +3943,7 @@
         </p:nvSpPr>
         <p:spPr>
           <a:xfrm>
-            <a:off x="7334250" y="5534025"/>
+            <a:off x="7326788" y="5534031"/>
             <a:ext cx="5915025" cy="7219950"/>
           </a:xfrm>
           <a:prstGeom prst="rect">
@@ -3938,7 +3974,7 @@
           <a:lstStyle/>
           <a:p>
             <a:r>
-              <a:rPr kumimoji="1" lang="en-US" altLang="ja-JP" sz="1200" dirty="0">
+              <a:rPr lang="en-US" altLang="ja-JP" sz="1200" dirty="0">
                 <a:solidFill>
                   <a:schemeClr val="tx1"/>
                 </a:solidFill>
@@ -3946,7 +3982,7 @@
               <a:t>TOP</a:t>
             </a:r>
             <a:r>
-              <a:rPr kumimoji="1" lang="ja-JP" altLang="en-US" sz="1200" dirty="0">
+              <a:rPr lang="ja-JP" altLang="en-US" sz="1200" dirty="0">
                 <a:solidFill>
                   <a:schemeClr val="tx1"/>
                 </a:solidFill>
@@ -3956,7 +3992,7 @@
           </a:p>
           <a:p>
             <a:r>
-              <a:rPr kumimoji="1" lang="en-US" altLang="ja-JP" sz="1200" dirty="0">
+              <a:rPr lang="en-US" altLang="ja-JP" sz="1200" dirty="0">
                 <a:solidFill>
                   <a:schemeClr val="tx1"/>
                 </a:solidFill>
@@ -3964,7 +4000,7 @@
               <a:t>SYSTEM</a:t>
             </a:r>
             <a:r>
-              <a:rPr kumimoji="1" lang="ja-JP" altLang="en-US" sz="1200" dirty="0">
+              <a:rPr lang="ja-JP" altLang="en-US" sz="1200" dirty="0">
                 <a:solidFill>
                   <a:schemeClr val="tx1"/>
                 </a:solidFill>
@@ -3974,7 +4010,7 @@
           </a:p>
           <a:p>
             <a:r>
-              <a:rPr kumimoji="1" lang="en-US" altLang="ja-JP" sz="1200" dirty="0">
+              <a:rPr lang="en-US" altLang="ja-JP" sz="1200" dirty="0">
                 <a:solidFill>
                   <a:schemeClr val="tx1"/>
                 </a:solidFill>
@@ -3982,7 +4018,7 @@
               <a:t>THERAPIST</a:t>
             </a:r>
             <a:r>
-              <a:rPr kumimoji="1" lang="ja-JP" altLang="en-US" sz="1200" dirty="0">
+              <a:rPr lang="ja-JP" altLang="en-US" sz="1200" dirty="0">
                 <a:solidFill>
                   <a:schemeClr val="tx1"/>
                 </a:solidFill>
@@ -3992,7 +4028,7 @@
           </a:p>
           <a:p>
             <a:r>
-              <a:rPr kumimoji="1" lang="en-US" altLang="ja-JP" sz="1200" dirty="0">
+              <a:rPr lang="en-US" altLang="ja-JP" sz="1200" dirty="0">
                 <a:solidFill>
                   <a:schemeClr val="tx1"/>
                 </a:solidFill>
@@ -4000,7 +4036,7 @@
               <a:t>ACCESS</a:t>
             </a:r>
             <a:r>
-              <a:rPr kumimoji="1" lang="ja-JP" altLang="en-US" sz="1200" dirty="0">
+              <a:rPr lang="ja-JP" altLang="en-US" sz="1200" dirty="0">
                 <a:solidFill>
                   <a:schemeClr val="tx1"/>
                 </a:solidFill>
@@ -4010,7 +4046,7 @@
           </a:p>
           <a:p>
             <a:r>
-              <a:rPr kumimoji="1" lang="en-US" altLang="ja-JP" sz="1200" dirty="0">
+              <a:rPr lang="en-US" altLang="ja-JP" sz="1200" dirty="0">
                 <a:solidFill>
                   <a:schemeClr val="tx1"/>
                 </a:solidFill>
@@ -4018,7 +4054,7 @@
               <a:t>RECRUIT</a:t>
             </a:r>
             <a:r>
-              <a:rPr kumimoji="1" lang="ja-JP" altLang="en-US" sz="1200" dirty="0">
+              <a:rPr lang="ja-JP" altLang="en-US" sz="1200" dirty="0">
                 <a:solidFill>
                   <a:schemeClr val="tx1"/>
                 </a:solidFill>
@@ -4028,7 +4064,7 @@
           </a:p>
           <a:p>
             <a:r>
-              <a:rPr kumimoji="1" lang="en-US" altLang="ja-JP" sz="1200" dirty="0">
+              <a:rPr lang="en-US" altLang="ja-JP" sz="1200" dirty="0">
                 <a:solidFill>
                   <a:schemeClr val="tx1"/>
                 </a:solidFill>
@@ -4036,20 +4072,13 @@
               <a:t>RESERVEWEB</a:t>
             </a:r>
             <a:r>
-              <a:rPr kumimoji="1" lang="ja-JP" altLang="en-US" sz="1200" dirty="0">
+              <a:rPr lang="ja-JP" altLang="en-US" sz="1200" dirty="0">
                 <a:solidFill>
                   <a:schemeClr val="tx1"/>
                 </a:solidFill>
               </a:rPr>
               <a:t>予約</a:t>
             </a:r>
-            <a:endParaRPr kumimoji="1" lang="en-US" altLang="ja-JP" sz="1200" dirty="0">
-              <a:solidFill>
-                <a:schemeClr val="tx1"/>
-              </a:solidFill>
-            </a:endParaRPr>
-          </a:p>
-          <a:p>
             <a:endParaRPr lang="en-US" altLang="ja-JP" sz="1200" dirty="0">
               <a:solidFill>
                 <a:schemeClr val="tx1"/>
@@ -4057,61 +4086,6 @@
             </a:endParaRPr>
           </a:p>
           <a:p>
-            <a:r>
-              <a:rPr kumimoji="1" lang="en-US" altLang="ja-JP" sz="1200" dirty="0">
-                <a:solidFill>
-                  <a:schemeClr val="tx1"/>
-                </a:solidFill>
-              </a:rPr>
-              <a:t>Top</a:t>
-            </a:r>
-          </a:p>
-          <a:p>
-            <a:r>
-              <a:rPr kumimoji="1" lang="ja-JP" altLang="en-US" sz="1200" dirty="0">
-                <a:solidFill>
-                  <a:schemeClr val="tx1"/>
-                </a:solidFill>
-              </a:rPr>
-              <a:t>お知らせ</a:t>
-            </a:r>
-          </a:p>
-          <a:p>
-            <a:r>
-              <a:rPr kumimoji="1" lang="ja-JP" altLang="en-US" sz="1200" dirty="0">
-                <a:solidFill>
-                  <a:schemeClr val="tx1"/>
-                </a:solidFill>
-              </a:rPr>
-              <a:t>スタッフ</a:t>
-            </a:r>
-          </a:p>
-          <a:p>
-            <a:r>
-              <a:rPr kumimoji="1" lang="ja-JP" altLang="en-US" sz="1200" dirty="0">
-                <a:solidFill>
-                  <a:schemeClr val="tx1"/>
-                </a:solidFill>
-              </a:rPr>
-              <a:t>メニュー</a:t>
-            </a:r>
-          </a:p>
-          <a:p>
-            <a:r>
-              <a:rPr kumimoji="1" lang="ja-JP" altLang="en-US" sz="1200" dirty="0">
-                <a:solidFill>
-                  <a:schemeClr val="tx1"/>
-                </a:solidFill>
-              </a:rPr>
-              <a:t>アクセス</a:t>
-            </a:r>
-            <a:endParaRPr kumimoji="1" lang="en-US" altLang="ja-JP" sz="1200" dirty="0">
-              <a:solidFill>
-                <a:schemeClr val="tx1"/>
-              </a:solidFill>
-            </a:endParaRPr>
-          </a:p>
-          <a:p>
             <a:endParaRPr lang="en-US" altLang="ja-JP" sz="1200" dirty="0">
               <a:solidFill>
                 <a:schemeClr val="tx1"/>
@@ -4120,65 +4094,53 @@
           </a:p>
           <a:p>
             <a:r>
-              <a:rPr kumimoji="1" lang="en-US" altLang="ja-JP" sz="1200" dirty="0">
+              <a:rPr lang="en-US" altLang="ja-JP" sz="1200" dirty="0">
                 <a:solidFill>
                   <a:schemeClr val="tx1"/>
                 </a:solidFill>
               </a:rPr>
-              <a:t>TOP</a:t>
-            </a:r>
-          </a:p>
-          <a:p>
-            <a:r>
-              <a:rPr kumimoji="1" lang="en-US" altLang="ja-JP" sz="1200" dirty="0">
+              <a:t>Top</a:t>
+            </a:r>
+          </a:p>
+          <a:p>
+            <a:r>
+              <a:rPr lang="ja-JP" altLang="en-US" sz="1200" dirty="0">
                 <a:solidFill>
                   <a:schemeClr val="tx1"/>
                 </a:solidFill>
               </a:rPr>
-              <a:t>SYSTEM</a:t>
-            </a:r>
-          </a:p>
-          <a:p>
-            <a:r>
-              <a:rPr kumimoji="1" lang="en-US" altLang="ja-JP" sz="1200" dirty="0">
+              <a:t>お知らせ</a:t>
+            </a:r>
+          </a:p>
+          <a:p>
+            <a:r>
+              <a:rPr lang="ja-JP" altLang="en-US" sz="1200" dirty="0">
                 <a:solidFill>
                   <a:schemeClr val="tx1"/>
                 </a:solidFill>
               </a:rPr>
-              <a:t>STAFF</a:t>
-            </a:r>
-          </a:p>
-          <a:p>
-            <a:r>
-              <a:rPr kumimoji="1" lang="en-US" altLang="ja-JP" sz="1200" dirty="0">
+              <a:t>スタッフ</a:t>
+            </a:r>
+          </a:p>
+          <a:p>
+            <a:r>
+              <a:rPr lang="ja-JP" altLang="en-US" sz="1200" dirty="0">
                 <a:solidFill>
                   <a:schemeClr val="tx1"/>
                 </a:solidFill>
               </a:rPr>
-              <a:t>ROOM</a:t>
-            </a:r>
-          </a:p>
-          <a:p>
-            <a:r>
-              <a:rPr kumimoji="1" lang="en-US" altLang="ja-JP" sz="1200" dirty="0">
+              <a:t>メニュー</a:t>
+            </a:r>
+          </a:p>
+          <a:p>
+            <a:r>
+              <a:rPr lang="ja-JP" altLang="en-US" sz="1200" dirty="0">
                 <a:solidFill>
                   <a:schemeClr val="tx1"/>
                 </a:solidFill>
               </a:rPr>
-              <a:t>ACCESS</a:t>
-            </a:r>
-          </a:p>
-          <a:p>
-            <a:r>
-              <a:rPr kumimoji="1" lang="en-US" altLang="ja-JP" sz="1200" dirty="0">
-                <a:solidFill>
-                  <a:schemeClr val="tx1"/>
-                </a:solidFill>
-              </a:rPr>
-              <a:t>RECRUIT</a:t>
-            </a:r>
-          </a:p>
-          <a:p>
+              <a:t>アクセス</a:t>
+            </a:r>
             <a:endParaRPr lang="en-US" altLang="ja-JP" sz="1200" dirty="0">
               <a:solidFill>
                 <a:schemeClr val="tx1"/>
@@ -4186,54 +4148,6 @@
             </a:endParaRPr>
           </a:p>
           <a:p>
-            <a:r>
-              <a:rPr lang="en-US" altLang="ja-JP" sz="1200" dirty="0">
-                <a:solidFill>
-                  <a:schemeClr val="tx1"/>
-                </a:solidFill>
-              </a:rPr>
-              <a:t>Top</a:t>
-            </a:r>
-          </a:p>
-          <a:p>
-            <a:r>
-              <a:rPr lang="ja-JP" altLang="en-US" sz="1200" dirty="0">
-                <a:solidFill>
-                  <a:schemeClr val="tx1"/>
-                </a:solidFill>
-              </a:rPr>
-              <a:t>お知らせ</a:t>
-            </a:r>
-          </a:p>
-          <a:p>
-            <a:r>
-              <a:rPr lang="ja-JP" altLang="en-US" sz="1200" dirty="0">
-                <a:solidFill>
-                  <a:schemeClr val="tx1"/>
-                </a:solidFill>
-              </a:rPr>
-              <a:t>スタッフ</a:t>
-            </a:r>
-          </a:p>
-          <a:p>
-            <a:r>
-              <a:rPr lang="ja-JP" altLang="en-US" sz="1200" dirty="0">
-                <a:solidFill>
-                  <a:schemeClr val="tx1"/>
-                </a:solidFill>
-              </a:rPr>
-              <a:t>メニュー</a:t>
-            </a:r>
-          </a:p>
-          <a:p>
-            <a:r>
-              <a:rPr lang="ja-JP" altLang="en-US" sz="1200" dirty="0">
-                <a:solidFill>
-                  <a:schemeClr val="tx1"/>
-                </a:solidFill>
-              </a:rPr>
-              <a:t>アクセス</a:t>
-            </a:r>
             <a:endParaRPr lang="en-US" altLang="ja-JP" sz="1200" dirty="0">
               <a:solidFill>
                 <a:schemeClr val="tx1"/>
@@ -4241,7 +4155,67 @@
             </a:endParaRPr>
           </a:p>
           <a:p>
-            <a:endParaRPr kumimoji="1" lang="en-US" altLang="ja-JP" sz="1200" dirty="0">
+            <a:r>
+              <a:rPr lang="en-US" altLang="ja-JP" sz="1200" dirty="0">
+                <a:solidFill>
+                  <a:schemeClr val="tx1"/>
+                </a:solidFill>
+              </a:rPr>
+              <a:t>TOP</a:t>
+            </a:r>
+          </a:p>
+          <a:p>
+            <a:r>
+              <a:rPr lang="en-US" altLang="ja-JP" sz="1200" dirty="0">
+                <a:solidFill>
+                  <a:schemeClr val="tx1"/>
+                </a:solidFill>
+              </a:rPr>
+              <a:t>SYSTEM</a:t>
+            </a:r>
+          </a:p>
+          <a:p>
+            <a:r>
+              <a:rPr lang="en-US" altLang="ja-JP" sz="1200" dirty="0">
+                <a:solidFill>
+                  <a:schemeClr val="tx1"/>
+                </a:solidFill>
+              </a:rPr>
+              <a:t>STAFF</a:t>
+            </a:r>
+          </a:p>
+          <a:p>
+            <a:r>
+              <a:rPr lang="en-US" altLang="ja-JP" sz="1200" dirty="0">
+                <a:solidFill>
+                  <a:schemeClr val="tx1"/>
+                </a:solidFill>
+              </a:rPr>
+              <a:t>ROOM</a:t>
+            </a:r>
+          </a:p>
+          <a:p>
+            <a:r>
+              <a:rPr lang="en-US" altLang="ja-JP" sz="1200" dirty="0">
+                <a:solidFill>
+                  <a:schemeClr val="tx1"/>
+                </a:solidFill>
+              </a:rPr>
+              <a:t>ACCESS</a:t>
+            </a:r>
+          </a:p>
+          <a:p>
+            <a:r>
+              <a:rPr lang="en-US" altLang="ja-JP" sz="1200" dirty="0">
+                <a:solidFill>
+                  <a:schemeClr val="tx1"/>
+                </a:solidFill>
+              </a:rPr>
+              <a:t>RECRUIT</a:t>
+            </a:r>
+          </a:p>
+          <a:p>
+            <a:endParaRPr lang="en-US" altLang="ja-JP" sz="1200" dirty="0">
               <a:solidFill>
                 <a:schemeClr val="tx1"/>
               </a:solidFill>
@@ -4249,7 +4223,69 @@
           </a:p>
           <a:p>
             <a:r>
-              <a:rPr kumimoji="1" lang="ja-JP" altLang="en-US" sz="1200" dirty="0">
+              <a:rPr lang="en-US" altLang="ja-JP" sz="1200" dirty="0">
+                <a:solidFill>
+                  <a:schemeClr val="tx1"/>
+                </a:solidFill>
+              </a:rPr>
+              <a:t>Top</a:t>
+            </a:r>
+          </a:p>
+          <a:p>
+            <a:r>
+              <a:rPr lang="ja-JP" altLang="en-US" sz="1200" dirty="0">
+                <a:solidFill>
+                  <a:schemeClr val="tx1"/>
+                </a:solidFill>
+              </a:rPr>
+              <a:t>お知らせ</a:t>
+            </a:r>
+          </a:p>
+          <a:p>
+            <a:r>
+              <a:rPr lang="ja-JP" altLang="en-US" sz="1200" dirty="0">
+                <a:solidFill>
+                  <a:schemeClr val="tx1"/>
+                </a:solidFill>
+              </a:rPr>
+              <a:t>スタッフ</a:t>
+            </a:r>
+          </a:p>
+          <a:p>
+            <a:r>
+              <a:rPr lang="ja-JP" altLang="en-US" sz="1200" dirty="0">
+                <a:solidFill>
+                  <a:schemeClr val="tx1"/>
+                </a:solidFill>
+              </a:rPr>
+              <a:t>メニュー</a:t>
+            </a:r>
+          </a:p>
+          <a:p>
+            <a:r>
+              <a:rPr lang="ja-JP" altLang="en-US" sz="1200" dirty="0">
+                <a:solidFill>
+                  <a:schemeClr val="tx1"/>
+                </a:solidFill>
+              </a:rPr>
+              <a:t>アクセス</a:t>
+            </a:r>
+            <a:endParaRPr lang="en-US" altLang="ja-JP" sz="1200" dirty="0">
+              <a:solidFill>
+                <a:schemeClr val="tx1"/>
+              </a:solidFill>
+            </a:endParaRPr>
+          </a:p>
+          <a:p>
+            <a:endParaRPr lang="en-US" altLang="ja-JP" sz="1200" dirty="0">
+              <a:solidFill>
+                <a:schemeClr val="tx1"/>
+              </a:solidFill>
+            </a:endParaRPr>
+          </a:p>
+          <a:p>
+            <a:r>
+              <a:rPr lang="ja-JP" altLang="en-US" sz="1200" dirty="0">
                 <a:solidFill>
                   <a:schemeClr val="tx1"/>
                 </a:solidFill>
@@ -4259,7 +4295,7 @@
           </a:p>
           <a:p>
             <a:r>
-              <a:rPr kumimoji="1" lang="ja-JP" altLang="en-US" sz="1200" dirty="0">
+              <a:rPr lang="ja-JP" altLang="en-US" sz="1200" dirty="0">
                 <a:solidFill>
                   <a:schemeClr val="tx1"/>
                 </a:solidFill>
@@ -4269,7 +4305,7 @@
           </a:p>
           <a:p>
             <a:r>
-              <a:rPr kumimoji="1" lang="ja-JP" altLang="en-US" sz="1200" dirty="0">
+              <a:rPr lang="ja-JP" altLang="en-US" sz="1200" dirty="0">
                 <a:solidFill>
                   <a:schemeClr val="tx1"/>
                 </a:solidFill>
@@ -4279,7 +4315,7 @@
           </a:p>
           <a:p>
             <a:r>
-              <a:rPr kumimoji="1" lang="ja-JP" altLang="en-US" sz="1200" dirty="0">
+              <a:rPr lang="ja-JP" altLang="en-US" sz="1200" dirty="0">
                 <a:solidFill>
                   <a:schemeClr val="tx1"/>
                 </a:solidFill>
@@ -4289,7 +4325,7 @@
           </a:p>
           <a:p>
             <a:r>
-              <a:rPr kumimoji="1" lang="ja-JP" altLang="en-US" sz="1200" dirty="0">
+              <a:rPr lang="ja-JP" altLang="en-US" sz="1200" dirty="0">
                 <a:solidFill>
                   <a:schemeClr val="tx1"/>
                 </a:solidFill>
@@ -4299,7 +4335,7 @@
           </a:p>
           <a:p>
             <a:r>
-              <a:rPr kumimoji="1" lang="ja-JP" altLang="en-US" sz="1200" dirty="0">
+              <a:rPr lang="ja-JP" altLang="en-US" sz="1200" dirty="0">
                 <a:solidFill>
                   <a:schemeClr val="tx1"/>
                 </a:solidFill>
@@ -4323,7 +4359,7 @@
         </p:nvSpPr>
         <p:spPr>
           <a:xfrm>
-            <a:off x="1999826" y="0"/>
+            <a:off x="1992364" y="6"/>
             <a:ext cx="810000" cy="540000"/>
           </a:xfrm>
           <a:prstGeom prst="rect">
@@ -4356,7 +4392,7 @@
           <a:p>
             <a:pPr algn="ctr"/>
             <a:r>
-              <a:rPr kumimoji="1" lang="en-US" altLang="ja-JP" sz="800" dirty="0">
+              <a:rPr lang="en-US" altLang="ja-JP" sz="800" dirty="0">
                 <a:solidFill>
                   <a:schemeClr val="tx1"/>
                 </a:solidFill>
@@ -4367,7 +4403,7 @@
           <a:p>
             <a:pPr algn="ctr"/>
             <a:r>
-              <a:rPr kumimoji="1" lang="ja-JP" altLang="en-US" sz="800" dirty="0">
+              <a:rPr lang="ja-JP" altLang="en-US" sz="800" dirty="0">
                 <a:solidFill>
                   <a:schemeClr val="tx1"/>
                 </a:solidFill>
@@ -4391,7 +4427,7 @@
         </p:nvSpPr>
         <p:spPr>
           <a:xfrm>
-            <a:off x="2814192" y="0"/>
+            <a:off x="2806730" y="6"/>
             <a:ext cx="810000" cy="540000"/>
           </a:xfrm>
           <a:prstGeom prst="rect">
@@ -4431,11 +4467,6 @@
               </a:rPr>
               <a:t>THERAPIST</a:t>
             </a:r>
-            <a:endParaRPr kumimoji="1" lang="en-US" altLang="ja-JP" sz="800" dirty="0">
-              <a:solidFill>
-                <a:schemeClr val="tx1"/>
-              </a:solidFill>
-            </a:endParaRPr>
           </a:p>
           <a:p>
             <a:pPr algn="ctr"/>
@@ -4447,11 +4478,6 @@
               </a:rPr>
               <a:t>セラピスト</a:t>
             </a:r>
-            <a:endParaRPr kumimoji="1" lang="ja-JP" altLang="en-US" sz="800" dirty="0">
-              <a:solidFill>
-                <a:schemeClr val="tx1"/>
-              </a:solidFill>
-            </a:endParaRPr>
           </a:p>
         </p:txBody>
       </p:sp>
@@ -4469,7 +4495,7 @@
         </p:nvSpPr>
         <p:spPr>
           <a:xfrm>
-            <a:off x="3620461" y="-6"/>
+            <a:off x="3612999" y="0"/>
             <a:ext cx="810000" cy="540000"/>
           </a:xfrm>
           <a:prstGeom prst="rect">
@@ -4502,7 +4528,7 @@
           <a:p>
             <a:pPr algn="ctr"/>
             <a:r>
-              <a:rPr kumimoji="1" lang="en-US" altLang="ja-JP" sz="800" dirty="0">
+              <a:rPr lang="en-US" altLang="ja-JP" sz="800" dirty="0">
                 <a:solidFill>
                   <a:schemeClr val="tx1"/>
                 </a:solidFill>
@@ -4520,11 +4546,6 @@
               </a:rPr>
               <a:t>メニュー</a:t>
             </a:r>
-            <a:endParaRPr kumimoji="1" lang="ja-JP" altLang="en-US" sz="800" dirty="0">
-              <a:solidFill>
-                <a:schemeClr val="tx1"/>
-              </a:solidFill>
-            </a:endParaRPr>
           </a:p>
         </p:txBody>
       </p:sp>
@@ -4542,7 +4563,7 @@
         </p:nvSpPr>
         <p:spPr>
           <a:xfrm>
-            <a:off x="4431096" y="0"/>
+            <a:off x="4423634" y="6"/>
             <a:ext cx="810000" cy="540000"/>
           </a:xfrm>
           <a:prstGeom prst="rect">
@@ -4582,11 +4603,6 @@
               </a:rPr>
               <a:t>ご予約</a:t>
             </a:r>
-            <a:endParaRPr kumimoji="1" lang="ja-JP" altLang="en-US" sz="800" dirty="0">
-              <a:solidFill>
-                <a:schemeClr val="tx1"/>
-              </a:solidFill>
-            </a:endParaRPr>
           </a:p>
         </p:txBody>
       </p:sp>
@@ -4604,7 +4620,7 @@
         </p:nvSpPr>
         <p:spPr>
           <a:xfrm>
-            <a:off x="5238000" y="-6"/>
+            <a:off x="5230538" y="0"/>
             <a:ext cx="810000" cy="540000"/>
           </a:xfrm>
           <a:prstGeom prst="rect">
@@ -4637,7 +4653,7 @@
           <a:p>
             <a:pPr algn="ctr"/>
             <a:r>
-              <a:rPr kumimoji="1" lang="en-US" altLang="ja-JP" sz="800" dirty="0">
+              <a:rPr lang="en-US" altLang="ja-JP" sz="800" dirty="0">
                 <a:solidFill>
                   <a:schemeClr val="tx1"/>
                 </a:solidFill>
@@ -4655,11 +4671,6 @@
               </a:rPr>
               <a:t>アクセス</a:t>
             </a:r>
-            <a:endParaRPr kumimoji="1" lang="ja-JP" altLang="en-US" sz="800" dirty="0">
-              <a:solidFill>
-                <a:schemeClr val="tx1"/>
-              </a:solidFill>
-            </a:endParaRPr>
           </a:p>
         </p:txBody>
       </p:sp>
@@ -4677,7 +4688,7 @@
         </p:nvSpPr>
         <p:spPr>
           <a:xfrm>
-            <a:off x="6051731" y="0"/>
+            <a:off x="6044269" y="6"/>
             <a:ext cx="810000" cy="540000"/>
           </a:xfrm>
           <a:prstGeom prst="rect">
@@ -4710,7 +4721,7 @@
           <a:p>
             <a:pPr algn="ctr"/>
             <a:r>
-              <a:rPr kumimoji="1" lang="en-US" altLang="ja-JP" sz="800" dirty="0">
+              <a:rPr lang="en-US" altLang="ja-JP" sz="800" dirty="0">
                 <a:solidFill>
                   <a:schemeClr val="tx1"/>
                 </a:solidFill>
@@ -4721,7 +4732,7 @@
           <a:p>
             <a:pPr algn="ctr"/>
             <a:r>
-              <a:rPr kumimoji="1" lang="ja-JP" altLang="en-US" sz="800" dirty="0">
+              <a:rPr lang="ja-JP" altLang="en-US" sz="800" dirty="0">
                 <a:solidFill>
                   <a:schemeClr val="tx1"/>
                 </a:solidFill>
@@ -4745,7 +4756,7 @@
         </p:nvSpPr>
         <p:spPr>
           <a:xfrm>
-            <a:off x="-3731" y="539994"/>
+            <a:off x="-11193" y="540000"/>
             <a:ext cx="6869193" cy="2571506"/>
           </a:xfrm>
           <a:prstGeom prst="rect">
@@ -4780,7 +4791,7 @@
           <a:p>
             <a:pPr algn="ctr"/>
             <a:r>
-              <a:rPr kumimoji="1" lang="ja-JP" altLang="en-US" dirty="0"/>
+              <a:rPr lang="ja-JP" altLang="en-US" dirty="0"/>
               <a:t>アイキャッチ</a:t>
             </a:r>
           </a:p>
@@ -4800,8 +4811,8 @@
         </p:nvSpPr>
         <p:spPr>
           <a:xfrm>
-            <a:off x="-3731" y="3111500"/>
-            <a:ext cx="6858000" cy="3930650"/>
+            <a:off x="0" y="3111506"/>
+            <a:ext cx="6858000" cy="5702300"/>
           </a:xfrm>
           <a:prstGeom prst="rect">
             <a:avLst/>
@@ -4809,6 +4820,9 @@
           <a:solidFill>
             <a:schemeClr val="bg1"/>
           </a:solidFill>
+          <a:ln>
+            <a:noFill/>
+          </a:ln>
         </p:spPr>
         <p:style>
           <a:lnRef idx="2">
@@ -4831,7 +4845,7 @@
           <a:lstStyle/>
           <a:p>
             <a:pPr algn="ctr"/>
-            <a:endParaRPr kumimoji="1" lang="ja-JP" altLang="en-US"/>
+            <a:endParaRPr lang="ja-JP" altLang="en-US" dirty="0"/>
           </a:p>
         </p:txBody>
       </p:sp>
@@ -4849,7 +4863,7 @@
         </p:nvSpPr>
         <p:spPr>
           <a:xfrm>
-            <a:off x="2213936" y="3111494"/>
+            <a:off x="2206474" y="3111500"/>
             <a:ext cx="2813050" cy="628650"/>
           </a:xfrm>
           <a:prstGeom prst="rect">
@@ -4882,13 +4896,1081 @@
           <a:p>
             <a:pPr algn="ctr"/>
             <a:r>
-              <a:rPr kumimoji="1" lang="ja-JP" altLang="en-US" dirty="0">
+              <a:rPr lang="ja-JP" altLang="en-US" dirty="0">
                 <a:solidFill>
                   <a:schemeClr val="tx1"/>
                 </a:solidFill>
               </a:rPr>
               <a:t>セラピスト</a:t>
             </a:r>
+          </a:p>
+        </p:txBody>
+      </p:sp>
+      <p:grpSp>
+        <p:nvGrpSpPr>
+          <p:cNvPr id="24" name="グループ化 23">
+            <a:extLst>
+              <a:ext uri="{FF2B5EF4-FFF2-40B4-BE49-F238E27FC236}">
+                <a16:creationId xmlns:a16="http://schemas.microsoft.com/office/drawing/2014/main" id="{2CBB36AC-B786-4579-ACC7-B428519B06D1}"/>
+              </a:ext>
+            </a:extLst>
+          </p:cNvPr>
+          <p:cNvGrpSpPr/>
+          <p:nvPr/>
+        </p:nvGrpSpPr>
+        <p:grpSpPr>
+          <a:xfrm>
+            <a:off x="1091088" y="4042509"/>
+            <a:ext cx="1440000" cy="1800000"/>
+            <a:chOff x="1098550" y="4042503"/>
+            <a:chExt cx="1440000" cy="1800000"/>
+          </a:xfrm>
+        </p:grpSpPr>
+        <p:sp>
+          <p:nvSpPr>
+            <p:cNvPr id="22" name="正方形/長方形 21">
+              <a:extLst>
+                <a:ext uri="{FF2B5EF4-FFF2-40B4-BE49-F238E27FC236}">
+                  <a16:creationId xmlns:a16="http://schemas.microsoft.com/office/drawing/2014/main" id="{A1608EB7-711C-4E32-93BA-8D5B6E9DC273}"/>
+                </a:ext>
+              </a:extLst>
+            </p:cNvPr>
+            <p:cNvSpPr/>
+            <p:nvPr/>
+          </p:nvSpPr>
+          <p:spPr>
+            <a:xfrm>
+              <a:off x="1098550" y="4042503"/>
+              <a:ext cx="1440000" cy="1440000"/>
+            </a:xfrm>
+            <a:prstGeom prst="rect">
+              <a:avLst/>
+            </a:prstGeom>
+            <a:solidFill>
+              <a:schemeClr val="bg1"/>
+            </a:solidFill>
+            <a:ln>
+              <a:solidFill>
+                <a:schemeClr val="tx1"/>
+              </a:solidFill>
+            </a:ln>
+          </p:spPr>
+          <p:style>
+            <a:lnRef idx="2">
+              <a:schemeClr val="accent1">
+                <a:shade val="50000"/>
+              </a:schemeClr>
+            </a:lnRef>
+            <a:fillRef idx="1">
+              <a:schemeClr val="accent1"/>
+            </a:fillRef>
+            <a:effectRef idx="0">
+              <a:schemeClr val="accent1"/>
+            </a:effectRef>
+            <a:fontRef idx="minor">
+              <a:schemeClr val="lt1"/>
+            </a:fontRef>
+          </p:style>
+          <p:txBody>
+            <a:bodyPr rtlCol="0" anchor="ctr"/>
+            <a:lstStyle/>
+            <a:p>
+              <a:pPr algn="ctr"/>
+              <a:r>
+                <a:rPr lang="ja-JP" altLang="en-US" dirty="0">
+                  <a:solidFill>
+                    <a:schemeClr val="tx1"/>
+                  </a:solidFill>
+                </a:rPr>
+                <a:t>写真</a:t>
+              </a:r>
+            </a:p>
+          </p:txBody>
+        </p:sp>
+        <p:sp>
+          <p:nvSpPr>
+            <p:cNvPr id="23" name="正方形/長方形 22">
+              <a:extLst>
+                <a:ext uri="{FF2B5EF4-FFF2-40B4-BE49-F238E27FC236}">
+                  <a16:creationId xmlns:a16="http://schemas.microsoft.com/office/drawing/2014/main" id="{C7A1FD76-FB87-4BC8-90EE-12BD1DD3E61E}"/>
+                </a:ext>
+              </a:extLst>
+            </p:cNvPr>
+            <p:cNvSpPr/>
+            <p:nvPr/>
+          </p:nvSpPr>
+          <p:spPr>
+            <a:xfrm>
+              <a:off x="1098550" y="5482503"/>
+              <a:ext cx="1440000" cy="360000"/>
+            </a:xfrm>
+            <a:prstGeom prst="rect">
+              <a:avLst/>
+            </a:prstGeom>
+            <a:solidFill>
+              <a:schemeClr val="bg1"/>
+            </a:solidFill>
+            <a:ln>
+              <a:solidFill>
+                <a:schemeClr val="tx1"/>
+              </a:solidFill>
+            </a:ln>
+          </p:spPr>
+          <p:style>
+            <a:lnRef idx="2">
+              <a:schemeClr val="accent1">
+                <a:shade val="50000"/>
+              </a:schemeClr>
+            </a:lnRef>
+            <a:fillRef idx="1">
+              <a:schemeClr val="accent1"/>
+            </a:fillRef>
+            <a:effectRef idx="0">
+              <a:schemeClr val="accent1"/>
+            </a:effectRef>
+            <a:fontRef idx="minor">
+              <a:schemeClr val="lt1"/>
+            </a:fontRef>
+          </p:style>
+          <p:txBody>
+            <a:bodyPr rtlCol="0" anchor="ctr"/>
+            <a:lstStyle/>
+            <a:p>
+              <a:pPr algn="ctr"/>
+              <a:r>
+                <a:rPr lang="ja-JP" altLang="en-US" sz="1200" dirty="0">
+                  <a:solidFill>
+                    <a:schemeClr val="tx1"/>
+                  </a:solidFill>
+                </a:rPr>
+                <a:t>プロフィール</a:t>
+              </a:r>
+              <a:endParaRPr lang="en-US" altLang="ja-JP" sz="1200" dirty="0">
+                <a:solidFill>
+                  <a:schemeClr val="tx1"/>
+                </a:solidFill>
+              </a:endParaRPr>
+            </a:p>
+          </p:txBody>
+        </p:sp>
+      </p:grpSp>
+      <p:grpSp>
+        <p:nvGrpSpPr>
+          <p:cNvPr id="28" name="グループ化 27">
+            <a:extLst>
+              <a:ext uri="{FF2B5EF4-FFF2-40B4-BE49-F238E27FC236}">
+                <a16:creationId xmlns:a16="http://schemas.microsoft.com/office/drawing/2014/main" id="{D0418A31-6B4F-4CC5-B4FC-D332B49408F1}"/>
+              </a:ext>
+            </a:extLst>
+          </p:cNvPr>
+          <p:cNvGrpSpPr/>
+          <p:nvPr/>
+        </p:nvGrpSpPr>
+        <p:grpSpPr>
+          <a:xfrm>
+            <a:off x="2889590" y="4042509"/>
+            <a:ext cx="1440000" cy="1800000"/>
+            <a:chOff x="1098550" y="4042503"/>
+            <a:chExt cx="1440000" cy="1800000"/>
+          </a:xfrm>
+        </p:grpSpPr>
+        <p:sp>
+          <p:nvSpPr>
+            <p:cNvPr id="29" name="正方形/長方形 28">
+              <a:extLst>
+                <a:ext uri="{FF2B5EF4-FFF2-40B4-BE49-F238E27FC236}">
+                  <a16:creationId xmlns:a16="http://schemas.microsoft.com/office/drawing/2014/main" id="{446BCD82-23BB-461D-92F9-0AD1086C8E46}"/>
+                </a:ext>
+              </a:extLst>
+            </p:cNvPr>
+            <p:cNvSpPr/>
+            <p:nvPr/>
+          </p:nvSpPr>
+          <p:spPr>
+            <a:xfrm>
+              <a:off x="1098550" y="4042503"/>
+              <a:ext cx="1440000" cy="1440000"/>
+            </a:xfrm>
+            <a:prstGeom prst="rect">
+              <a:avLst/>
+            </a:prstGeom>
+            <a:solidFill>
+              <a:schemeClr val="bg1"/>
+            </a:solidFill>
+            <a:ln>
+              <a:solidFill>
+                <a:schemeClr val="tx1"/>
+              </a:solidFill>
+            </a:ln>
+          </p:spPr>
+          <p:style>
+            <a:lnRef idx="2">
+              <a:schemeClr val="accent1">
+                <a:shade val="50000"/>
+              </a:schemeClr>
+            </a:lnRef>
+            <a:fillRef idx="1">
+              <a:schemeClr val="accent1"/>
+            </a:fillRef>
+            <a:effectRef idx="0">
+              <a:schemeClr val="accent1"/>
+            </a:effectRef>
+            <a:fontRef idx="minor">
+              <a:schemeClr val="lt1"/>
+            </a:fontRef>
+          </p:style>
+          <p:txBody>
+            <a:bodyPr rtlCol="0" anchor="ctr"/>
+            <a:lstStyle/>
+            <a:p>
+              <a:pPr algn="ctr"/>
+              <a:r>
+                <a:rPr lang="ja-JP" altLang="en-US" dirty="0">
+                  <a:solidFill>
+                    <a:schemeClr val="tx1"/>
+                  </a:solidFill>
+                </a:rPr>
+                <a:t>写真</a:t>
+              </a:r>
+            </a:p>
+          </p:txBody>
+        </p:sp>
+        <p:sp>
+          <p:nvSpPr>
+            <p:cNvPr id="30" name="正方形/長方形 29">
+              <a:extLst>
+                <a:ext uri="{FF2B5EF4-FFF2-40B4-BE49-F238E27FC236}">
+                  <a16:creationId xmlns:a16="http://schemas.microsoft.com/office/drawing/2014/main" id="{B6A908DF-FFA3-4EFC-A11F-996510F9713E}"/>
+                </a:ext>
+              </a:extLst>
+            </p:cNvPr>
+            <p:cNvSpPr/>
+            <p:nvPr/>
+          </p:nvSpPr>
+          <p:spPr>
+            <a:xfrm>
+              <a:off x="1098550" y="5482503"/>
+              <a:ext cx="1440000" cy="360000"/>
+            </a:xfrm>
+            <a:prstGeom prst="rect">
+              <a:avLst/>
+            </a:prstGeom>
+            <a:solidFill>
+              <a:schemeClr val="bg1"/>
+            </a:solidFill>
+            <a:ln>
+              <a:solidFill>
+                <a:schemeClr val="tx1"/>
+              </a:solidFill>
+            </a:ln>
+          </p:spPr>
+          <p:style>
+            <a:lnRef idx="2">
+              <a:schemeClr val="accent1">
+                <a:shade val="50000"/>
+              </a:schemeClr>
+            </a:lnRef>
+            <a:fillRef idx="1">
+              <a:schemeClr val="accent1"/>
+            </a:fillRef>
+            <a:effectRef idx="0">
+              <a:schemeClr val="accent1"/>
+            </a:effectRef>
+            <a:fontRef idx="minor">
+              <a:schemeClr val="lt1"/>
+            </a:fontRef>
+          </p:style>
+          <p:txBody>
+            <a:bodyPr rtlCol="0" anchor="ctr"/>
+            <a:lstStyle/>
+            <a:p>
+              <a:pPr algn="ctr"/>
+              <a:r>
+                <a:rPr lang="ja-JP" altLang="en-US" sz="1200" dirty="0">
+                  <a:solidFill>
+                    <a:schemeClr val="tx1"/>
+                  </a:solidFill>
+                </a:rPr>
+                <a:t>プロフィール</a:t>
+              </a:r>
+              <a:endParaRPr lang="en-US" altLang="ja-JP" sz="1200" dirty="0">
+                <a:solidFill>
+                  <a:schemeClr val="tx1"/>
+                </a:solidFill>
+              </a:endParaRPr>
+            </a:p>
+          </p:txBody>
+        </p:sp>
+      </p:grpSp>
+      <p:grpSp>
+        <p:nvGrpSpPr>
+          <p:cNvPr id="31" name="グループ化 30">
+            <a:extLst>
+              <a:ext uri="{FF2B5EF4-FFF2-40B4-BE49-F238E27FC236}">
+                <a16:creationId xmlns:a16="http://schemas.microsoft.com/office/drawing/2014/main" id="{1A800D1B-F83A-407E-A9BD-8CE47E5E5C29}"/>
+              </a:ext>
+            </a:extLst>
+          </p:cNvPr>
+          <p:cNvGrpSpPr/>
+          <p:nvPr/>
+        </p:nvGrpSpPr>
+        <p:grpSpPr>
+          <a:xfrm>
+            <a:off x="4692404" y="4042509"/>
+            <a:ext cx="1440000" cy="1800000"/>
+            <a:chOff x="1098550" y="4042503"/>
+            <a:chExt cx="1440000" cy="1800000"/>
+          </a:xfrm>
+        </p:grpSpPr>
+        <p:sp>
+          <p:nvSpPr>
+            <p:cNvPr id="32" name="正方形/長方形 31">
+              <a:extLst>
+                <a:ext uri="{FF2B5EF4-FFF2-40B4-BE49-F238E27FC236}">
+                  <a16:creationId xmlns:a16="http://schemas.microsoft.com/office/drawing/2014/main" id="{BA805A29-F6C0-459B-8A2E-B68DBF17C41A}"/>
+                </a:ext>
+              </a:extLst>
+            </p:cNvPr>
+            <p:cNvSpPr/>
+            <p:nvPr/>
+          </p:nvSpPr>
+          <p:spPr>
+            <a:xfrm>
+              <a:off x="1098550" y="4042503"/>
+              <a:ext cx="1440000" cy="1440000"/>
+            </a:xfrm>
+            <a:prstGeom prst="rect">
+              <a:avLst/>
+            </a:prstGeom>
+            <a:solidFill>
+              <a:schemeClr val="bg1"/>
+            </a:solidFill>
+            <a:ln>
+              <a:solidFill>
+                <a:schemeClr val="tx1"/>
+              </a:solidFill>
+            </a:ln>
+          </p:spPr>
+          <p:style>
+            <a:lnRef idx="2">
+              <a:schemeClr val="accent1">
+                <a:shade val="50000"/>
+              </a:schemeClr>
+            </a:lnRef>
+            <a:fillRef idx="1">
+              <a:schemeClr val="accent1"/>
+            </a:fillRef>
+            <a:effectRef idx="0">
+              <a:schemeClr val="accent1"/>
+            </a:effectRef>
+            <a:fontRef idx="minor">
+              <a:schemeClr val="lt1"/>
+            </a:fontRef>
+          </p:style>
+          <p:txBody>
+            <a:bodyPr rtlCol="0" anchor="ctr"/>
+            <a:lstStyle/>
+            <a:p>
+              <a:pPr algn="ctr"/>
+              <a:r>
+                <a:rPr lang="ja-JP" altLang="en-US" dirty="0">
+                  <a:solidFill>
+                    <a:schemeClr val="tx1"/>
+                  </a:solidFill>
+                </a:rPr>
+                <a:t>写真</a:t>
+              </a:r>
+            </a:p>
+          </p:txBody>
+        </p:sp>
+        <p:sp>
+          <p:nvSpPr>
+            <p:cNvPr id="33" name="正方形/長方形 32">
+              <a:extLst>
+                <a:ext uri="{FF2B5EF4-FFF2-40B4-BE49-F238E27FC236}">
+                  <a16:creationId xmlns:a16="http://schemas.microsoft.com/office/drawing/2014/main" id="{036A2D81-4F45-4D88-BC06-537251608E71}"/>
+                </a:ext>
+              </a:extLst>
+            </p:cNvPr>
+            <p:cNvSpPr/>
+            <p:nvPr/>
+          </p:nvSpPr>
+          <p:spPr>
+            <a:xfrm>
+              <a:off x="1098550" y="5482503"/>
+              <a:ext cx="1440000" cy="360000"/>
+            </a:xfrm>
+            <a:prstGeom prst="rect">
+              <a:avLst/>
+            </a:prstGeom>
+            <a:solidFill>
+              <a:schemeClr val="bg1"/>
+            </a:solidFill>
+            <a:ln>
+              <a:solidFill>
+                <a:schemeClr val="tx1"/>
+              </a:solidFill>
+            </a:ln>
+          </p:spPr>
+          <p:style>
+            <a:lnRef idx="2">
+              <a:schemeClr val="accent1">
+                <a:shade val="50000"/>
+              </a:schemeClr>
+            </a:lnRef>
+            <a:fillRef idx="1">
+              <a:schemeClr val="accent1"/>
+            </a:fillRef>
+            <a:effectRef idx="0">
+              <a:schemeClr val="accent1"/>
+            </a:effectRef>
+            <a:fontRef idx="minor">
+              <a:schemeClr val="lt1"/>
+            </a:fontRef>
+          </p:style>
+          <p:txBody>
+            <a:bodyPr rtlCol="0" anchor="ctr"/>
+            <a:lstStyle/>
+            <a:p>
+              <a:pPr algn="ctr"/>
+              <a:r>
+                <a:rPr lang="ja-JP" altLang="en-US" sz="1200" dirty="0">
+                  <a:solidFill>
+                    <a:schemeClr val="tx1"/>
+                  </a:solidFill>
+                </a:rPr>
+                <a:t>プロフィール</a:t>
+              </a:r>
+              <a:endParaRPr lang="en-US" altLang="ja-JP" sz="1200" dirty="0">
+                <a:solidFill>
+                  <a:schemeClr val="tx1"/>
+                </a:solidFill>
+              </a:endParaRPr>
+            </a:p>
+          </p:txBody>
+        </p:sp>
+      </p:grpSp>
+      <p:grpSp>
+        <p:nvGrpSpPr>
+          <p:cNvPr id="34" name="グループ化 33">
+            <a:extLst>
+              <a:ext uri="{FF2B5EF4-FFF2-40B4-BE49-F238E27FC236}">
+                <a16:creationId xmlns:a16="http://schemas.microsoft.com/office/drawing/2014/main" id="{BAC0DA74-2C57-45C7-B92C-4CEFE713FCEC}"/>
+              </a:ext>
+            </a:extLst>
+          </p:cNvPr>
+          <p:cNvGrpSpPr/>
+          <p:nvPr/>
+        </p:nvGrpSpPr>
+        <p:grpSpPr>
+          <a:xfrm>
+            <a:off x="1091088" y="6096006"/>
+            <a:ext cx="1440000" cy="1800000"/>
+            <a:chOff x="1098550" y="4042503"/>
+            <a:chExt cx="1440000" cy="1800000"/>
+          </a:xfrm>
+        </p:grpSpPr>
+        <p:sp>
+          <p:nvSpPr>
+            <p:cNvPr id="35" name="正方形/長方形 34">
+              <a:extLst>
+                <a:ext uri="{FF2B5EF4-FFF2-40B4-BE49-F238E27FC236}">
+                  <a16:creationId xmlns:a16="http://schemas.microsoft.com/office/drawing/2014/main" id="{04A08123-B28F-4B35-9BDE-09DBB7A686AF}"/>
+                </a:ext>
+              </a:extLst>
+            </p:cNvPr>
+            <p:cNvSpPr/>
+            <p:nvPr/>
+          </p:nvSpPr>
+          <p:spPr>
+            <a:xfrm>
+              <a:off x="1098550" y="4042503"/>
+              <a:ext cx="1440000" cy="1440000"/>
+            </a:xfrm>
+            <a:prstGeom prst="rect">
+              <a:avLst/>
+            </a:prstGeom>
+            <a:solidFill>
+              <a:schemeClr val="bg1"/>
+            </a:solidFill>
+            <a:ln>
+              <a:solidFill>
+                <a:schemeClr val="tx1"/>
+              </a:solidFill>
+            </a:ln>
+          </p:spPr>
+          <p:style>
+            <a:lnRef idx="2">
+              <a:schemeClr val="accent1">
+                <a:shade val="50000"/>
+              </a:schemeClr>
+            </a:lnRef>
+            <a:fillRef idx="1">
+              <a:schemeClr val="accent1"/>
+            </a:fillRef>
+            <a:effectRef idx="0">
+              <a:schemeClr val="accent1"/>
+            </a:effectRef>
+            <a:fontRef idx="minor">
+              <a:schemeClr val="lt1"/>
+            </a:fontRef>
+          </p:style>
+          <p:txBody>
+            <a:bodyPr rtlCol="0" anchor="ctr"/>
+            <a:lstStyle/>
+            <a:p>
+              <a:pPr algn="ctr"/>
+              <a:r>
+                <a:rPr lang="ja-JP" altLang="en-US" dirty="0">
+                  <a:solidFill>
+                    <a:schemeClr val="tx1"/>
+                  </a:solidFill>
+                </a:rPr>
+                <a:t>写真</a:t>
+              </a:r>
+            </a:p>
+          </p:txBody>
+        </p:sp>
+        <p:sp>
+          <p:nvSpPr>
+            <p:cNvPr id="36" name="正方形/長方形 35">
+              <a:extLst>
+                <a:ext uri="{FF2B5EF4-FFF2-40B4-BE49-F238E27FC236}">
+                  <a16:creationId xmlns:a16="http://schemas.microsoft.com/office/drawing/2014/main" id="{C27472AE-AF15-4D62-AFE0-5965FD2EB03B}"/>
+                </a:ext>
+              </a:extLst>
+            </p:cNvPr>
+            <p:cNvSpPr/>
+            <p:nvPr/>
+          </p:nvSpPr>
+          <p:spPr>
+            <a:xfrm>
+              <a:off x="1098550" y="5482503"/>
+              <a:ext cx="1440000" cy="360000"/>
+            </a:xfrm>
+            <a:prstGeom prst="rect">
+              <a:avLst/>
+            </a:prstGeom>
+            <a:solidFill>
+              <a:schemeClr val="bg1"/>
+            </a:solidFill>
+            <a:ln>
+              <a:solidFill>
+                <a:schemeClr val="tx1"/>
+              </a:solidFill>
+            </a:ln>
+          </p:spPr>
+          <p:style>
+            <a:lnRef idx="2">
+              <a:schemeClr val="accent1">
+                <a:shade val="50000"/>
+              </a:schemeClr>
+            </a:lnRef>
+            <a:fillRef idx="1">
+              <a:schemeClr val="accent1"/>
+            </a:fillRef>
+            <a:effectRef idx="0">
+              <a:schemeClr val="accent1"/>
+            </a:effectRef>
+            <a:fontRef idx="minor">
+              <a:schemeClr val="lt1"/>
+            </a:fontRef>
+          </p:style>
+          <p:txBody>
+            <a:bodyPr rtlCol="0" anchor="ctr"/>
+            <a:lstStyle/>
+            <a:p>
+              <a:pPr algn="ctr"/>
+              <a:r>
+                <a:rPr lang="ja-JP" altLang="en-US" sz="1200" dirty="0">
+                  <a:solidFill>
+                    <a:schemeClr val="tx1"/>
+                  </a:solidFill>
+                </a:rPr>
+                <a:t>プロフィール</a:t>
+              </a:r>
+              <a:endParaRPr lang="en-US" altLang="ja-JP" sz="1200" dirty="0">
+                <a:solidFill>
+                  <a:schemeClr val="tx1"/>
+                </a:solidFill>
+              </a:endParaRPr>
+            </a:p>
+          </p:txBody>
+        </p:sp>
+      </p:grpSp>
+      <p:grpSp>
+        <p:nvGrpSpPr>
+          <p:cNvPr id="37" name="グループ化 36">
+            <a:extLst>
+              <a:ext uri="{FF2B5EF4-FFF2-40B4-BE49-F238E27FC236}">
+                <a16:creationId xmlns:a16="http://schemas.microsoft.com/office/drawing/2014/main" id="{B7EFEB53-4BC8-4D3E-B22D-64CCB98C31FB}"/>
+              </a:ext>
+            </a:extLst>
+          </p:cNvPr>
+          <p:cNvGrpSpPr/>
+          <p:nvPr/>
+        </p:nvGrpSpPr>
+        <p:grpSpPr>
+          <a:xfrm>
+            <a:off x="2889590" y="6096006"/>
+            <a:ext cx="1440000" cy="1800000"/>
+            <a:chOff x="1098550" y="4042503"/>
+            <a:chExt cx="1440000" cy="1800000"/>
+          </a:xfrm>
+        </p:grpSpPr>
+        <p:sp>
+          <p:nvSpPr>
+            <p:cNvPr id="38" name="正方形/長方形 37">
+              <a:extLst>
+                <a:ext uri="{FF2B5EF4-FFF2-40B4-BE49-F238E27FC236}">
+                  <a16:creationId xmlns:a16="http://schemas.microsoft.com/office/drawing/2014/main" id="{1E3F7045-B804-4B0B-8FE8-1749BA652213}"/>
+                </a:ext>
+              </a:extLst>
+            </p:cNvPr>
+            <p:cNvSpPr/>
+            <p:nvPr/>
+          </p:nvSpPr>
+          <p:spPr>
+            <a:xfrm>
+              <a:off x="1098550" y="4042503"/>
+              <a:ext cx="1440000" cy="1440000"/>
+            </a:xfrm>
+            <a:prstGeom prst="rect">
+              <a:avLst/>
+            </a:prstGeom>
+            <a:solidFill>
+              <a:schemeClr val="bg1"/>
+            </a:solidFill>
+            <a:ln>
+              <a:solidFill>
+                <a:schemeClr val="tx1"/>
+              </a:solidFill>
+            </a:ln>
+          </p:spPr>
+          <p:style>
+            <a:lnRef idx="2">
+              <a:schemeClr val="accent1">
+                <a:shade val="50000"/>
+              </a:schemeClr>
+            </a:lnRef>
+            <a:fillRef idx="1">
+              <a:schemeClr val="accent1"/>
+            </a:fillRef>
+            <a:effectRef idx="0">
+              <a:schemeClr val="accent1"/>
+            </a:effectRef>
+            <a:fontRef idx="minor">
+              <a:schemeClr val="lt1"/>
+            </a:fontRef>
+          </p:style>
+          <p:txBody>
+            <a:bodyPr rtlCol="0" anchor="ctr"/>
+            <a:lstStyle/>
+            <a:p>
+              <a:pPr algn="ctr"/>
+              <a:r>
+                <a:rPr lang="ja-JP" altLang="en-US" dirty="0">
+                  <a:solidFill>
+                    <a:schemeClr val="tx1"/>
+                  </a:solidFill>
+                </a:rPr>
+                <a:t>写真</a:t>
+              </a:r>
+            </a:p>
+          </p:txBody>
+        </p:sp>
+        <p:sp>
+          <p:nvSpPr>
+            <p:cNvPr id="39" name="正方形/長方形 38">
+              <a:extLst>
+                <a:ext uri="{FF2B5EF4-FFF2-40B4-BE49-F238E27FC236}">
+                  <a16:creationId xmlns:a16="http://schemas.microsoft.com/office/drawing/2014/main" id="{A33FD5C1-F416-4589-8880-2006FF80DFF9}"/>
+                </a:ext>
+              </a:extLst>
+            </p:cNvPr>
+            <p:cNvSpPr/>
+            <p:nvPr/>
+          </p:nvSpPr>
+          <p:spPr>
+            <a:xfrm>
+              <a:off x="1098550" y="5482503"/>
+              <a:ext cx="1440000" cy="360000"/>
+            </a:xfrm>
+            <a:prstGeom prst="rect">
+              <a:avLst/>
+            </a:prstGeom>
+            <a:solidFill>
+              <a:schemeClr val="bg1"/>
+            </a:solidFill>
+            <a:ln>
+              <a:solidFill>
+                <a:schemeClr val="tx1"/>
+              </a:solidFill>
+            </a:ln>
+          </p:spPr>
+          <p:style>
+            <a:lnRef idx="2">
+              <a:schemeClr val="accent1">
+                <a:shade val="50000"/>
+              </a:schemeClr>
+            </a:lnRef>
+            <a:fillRef idx="1">
+              <a:schemeClr val="accent1"/>
+            </a:fillRef>
+            <a:effectRef idx="0">
+              <a:schemeClr val="accent1"/>
+            </a:effectRef>
+            <a:fontRef idx="minor">
+              <a:schemeClr val="lt1"/>
+            </a:fontRef>
+          </p:style>
+          <p:txBody>
+            <a:bodyPr rtlCol="0" anchor="ctr"/>
+            <a:lstStyle/>
+            <a:p>
+              <a:pPr algn="ctr"/>
+              <a:r>
+                <a:rPr lang="ja-JP" altLang="en-US" sz="1200" dirty="0">
+                  <a:solidFill>
+                    <a:schemeClr val="tx1"/>
+                  </a:solidFill>
+                </a:rPr>
+                <a:t>プロフィール</a:t>
+              </a:r>
+              <a:endParaRPr lang="en-US" altLang="ja-JP" sz="1200" dirty="0">
+                <a:solidFill>
+                  <a:schemeClr val="tx1"/>
+                </a:solidFill>
+              </a:endParaRPr>
+            </a:p>
+          </p:txBody>
+        </p:sp>
+      </p:grpSp>
+      <p:grpSp>
+        <p:nvGrpSpPr>
+          <p:cNvPr id="40" name="グループ化 39">
+            <a:extLst>
+              <a:ext uri="{FF2B5EF4-FFF2-40B4-BE49-F238E27FC236}">
+                <a16:creationId xmlns:a16="http://schemas.microsoft.com/office/drawing/2014/main" id="{8406A0AC-835B-4E99-9F47-FDBEB40D43AD}"/>
+              </a:ext>
+            </a:extLst>
+          </p:cNvPr>
+          <p:cNvGrpSpPr/>
+          <p:nvPr/>
+        </p:nvGrpSpPr>
+        <p:grpSpPr>
+          <a:xfrm>
+            <a:off x="4692404" y="6096006"/>
+            <a:ext cx="1440000" cy="1800000"/>
+            <a:chOff x="1098550" y="4042503"/>
+            <a:chExt cx="1440000" cy="1800000"/>
+          </a:xfrm>
+        </p:grpSpPr>
+        <p:sp>
+          <p:nvSpPr>
+            <p:cNvPr id="41" name="正方形/長方形 40">
+              <a:extLst>
+                <a:ext uri="{FF2B5EF4-FFF2-40B4-BE49-F238E27FC236}">
+                  <a16:creationId xmlns:a16="http://schemas.microsoft.com/office/drawing/2014/main" id="{DF74E11C-A91F-4E3E-8B57-DFE6ED6D0D6E}"/>
+                </a:ext>
+              </a:extLst>
+            </p:cNvPr>
+            <p:cNvSpPr/>
+            <p:nvPr/>
+          </p:nvSpPr>
+          <p:spPr>
+            <a:xfrm>
+              <a:off x="1098550" y="4042503"/>
+              <a:ext cx="1440000" cy="1440000"/>
+            </a:xfrm>
+            <a:prstGeom prst="rect">
+              <a:avLst/>
+            </a:prstGeom>
+            <a:solidFill>
+              <a:schemeClr val="bg1"/>
+            </a:solidFill>
+            <a:ln>
+              <a:solidFill>
+                <a:schemeClr val="tx1"/>
+              </a:solidFill>
+            </a:ln>
+          </p:spPr>
+          <p:style>
+            <a:lnRef idx="2">
+              <a:schemeClr val="accent1">
+                <a:shade val="50000"/>
+              </a:schemeClr>
+            </a:lnRef>
+            <a:fillRef idx="1">
+              <a:schemeClr val="accent1"/>
+            </a:fillRef>
+            <a:effectRef idx="0">
+              <a:schemeClr val="accent1"/>
+            </a:effectRef>
+            <a:fontRef idx="minor">
+              <a:schemeClr val="lt1"/>
+            </a:fontRef>
+          </p:style>
+          <p:txBody>
+            <a:bodyPr rtlCol="0" anchor="ctr"/>
+            <a:lstStyle/>
+            <a:p>
+              <a:pPr algn="ctr"/>
+              <a:r>
+                <a:rPr lang="ja-JP" altLang="en-US" dirty="0">
+                  <a:solidFill>
+                    <a:schemeClr val="tx1"/>
+                  </a:solidFill>
+                </a:rPr>
+                <a:t>写真</a:t>
+              </a:r>
+            </a:p>
+          </p:txBody>
+        </p:sp>
+        <p:sp>
+          <p:nvSpPr>
+            <p:cNvPr id="42" name="正方形/長方形 41">
+              <a:extLst>
+                <a:ext uri="{FF2B5EF4-FFF2-40B4-BE49-F238E27FC236}">
+                  <a16:creationId xmlns:a16="http://schemas.microsoft.com/office/drawing/2014/main" id="{6F4929BC-857B-4F24-901A-31ECB5F0D650}"/>
+                </a:ext>
+              </a:extLst>
+            </p:cNvPr>
+            <p:cNvSpPr/>
+            <p:nvPr/>
+          </p:nvSpPr>
+          <p:spPr>
+            <a:xfrm>
+              <a:off x="1098550" y="5482503"/>
+              <a:ext cx="1440000" cy="360000"/>
+            </a:xfrm>
+            <a:prstGeom prst="rect">
+              <a:avLst/>
+            </a:prstGeom>
+            <a:solidFill>
+              <a:schemeClr val="bg1"/>
+            </a:solidFill>
+            <a:ln>
+              <a:solidFill>
+                <a:schemeClr val="tx1"/>
+              </a:solidFill>
+            </a:ln>
+          </p:spPr>
+          <p:style>
+            <a:lnRef idx="2">
+              <a:schemeClr val="accent1">
+                <a:shade val="50000"/>
+              </a:schemeClr>
+            </a:lnRef>
+            <a:fillRef idx="1">
+              <a:schemeClr val="accent1"/>
+            </a:fillRef>
+            <a:effectRef idx="0">
+              <a:schemeClr val="accent1"/>
+            </a:effectRef>
+            <a:fontRef idx="minor">
+              <a:schemeClr val="lt1"/>
+            </a:fontRef>
+          </p:style>
+          <p:txBody>
+            <a:bodyPr rtlCol="0" anchor="ctr"/>
+            <a:lstStyle/>
+            <a:p>
+              <a:pPr algn="ctr"/>
+              <a:r>
+                <a:rPr lang="ja-JP" altLang="en-US" sz="1200" dirty="0">
+                  <a:solidFill>
+                    <a:schemeClr val="tx1"/>
+                  </a:solidFill>
+                </a:rPr>
+                <a:t>プロフィール</a:t>
+              </a:r>
+              <a:endParaRPr lang="en-US" altLang="ja-JP" sz="1200" dirty="0">
+                <a:solidFill>
+                  <a:schemeClr val="tx1"/>
+                </a:solidFill>
+              </a:endParaRPr>
+            </a:p>
+          </p:txBody>
+        </p:sp>
+      </p:grpSp>
+      <p:sp>
+        <p:nvSpPr>
+          <p:cNvPr id="43" name="正方形/長方形 42">
+            <a:extLst>
+              <a:ext uri="{FF2B5EF4-FFF2-40B4-BE49-F238E27FC236}">
+                <a16:creationId xmlns:a16="http://schemas.microsoft.com/office/drawing/2014/main" id="{330E9222-8708-47DD-A7B5-60279F49FFFF}"/>
+              </a:ext>
+            </a:extLst>
+          </p:cNvPr>
+          <p:cNvSpPr/>
+          <p:nvPr/>
+        </p:nvSpPr>
+        <p:spPr>
+          <a:xfrm>
+            <a:off x="2889590" y="8249036"/>
+            <a:ext cx="1440000" cy="329947"/>
+          </a:xfrm>
+          <a:prstGeom prst="rect">
+            <a:avLst/>
+          </a:prstGeom>
+          <a:solidFill>
+            <a:schemeClr val="bg1"/>
+          </a:solidFill>
+          <a:ln>
+            <a:noFill/>
+          </a:ln>
+        </p:spPr>
+        <p:style>
+          <a:lnRef idx="2">
+            <a:schemeClr val="accent1">
+              <a:shade val="50000"/>
+            </a:schemeClr>
+          </a:lnRef>
+          <a:fillRef idx="1">
+            <a:schemeClr val="accent1"/>
+          </a:fillRef>
+          <a:effectRef idx="0">
+            <a:schemeClr val="accent1"/>
+          </a:effectRef>
+          <a:fontRef idx="minor">
+            <a:schemeClr val="lt1"/>
+          </a:fontRef>
+        </p:style>
+        <p:txBody>
+          <a:bodyPr rtlCol="0" anchor="ctr"/>
+          <a:lstStyle/>
+          <a:p>
+            <a:pPr algn="ctr"/>
+            <a:r>
+              <a:rPr lang="ja-JP" altLang="en-US" sz="1200" dirty="0">
+                <a:solidFill>
+                  <a:srgbClr val="0070C0"/>
+                </a:solidFill>
+              </a:rPr>
+              <a:t>出勤チェック </a:t>
+            </a:r>
+            <a:r>
+              <a:rPr lang="en-US" altLang="ja-JP" sz="1200" dirty="0">
+                <a:solidFill>
+                  <a:srgbClr val="0070C0"/>
+                </a:solidFill>
+              </a:rPr>
+              <a:t>&gt;</a:t>
+            </a:r>
+            <a:endParaRPr lang="ja-JP" altLang="en-US" sz="1200" dirty="0">
+              <a:solidFill>
+                <a:srgbClr val="0070C0"/>
+              </a:solidFill>
+            </a:endParaRPr>
+          </a:p>
+        </p:txBody>
+      </p:sp>
+      <p:sp>
+        <p:nvSpPr>
+          <p:cNvPr id="46" name="正方形/長方形 45">
+            <a:extLst>
+              <a:ext uri="{FF2B5EF4-FFF2-40B4-BE49-F238E27FC236}">
+                <a16:creationId xmlns:a16="http://schemas.microsoft.com/office/drawing/2014/main" id="{F912FE3E-8ADD-418D-A82D-65F4B4C7FA0A}"/>
+              </a:ext>
+            </a:extLst>
+          </p:cNvPr>
+          <p:cNvSpPr/>
+          <p:nvPr/>
+        </p:nvSpPr>
+        <p:spPr>
+          <a:xfrm>
+            <a:off x="1636438" y="9244388"/>
+            <a:ext cx="3594100" cy="3168644"/>
+          </a:xfrm>
+          <a:prstGeom prst="rect">
+            <a:avLst/>
+          </a:prstGeom>
+        </p:spPr>
+        <p:style>
+          <a:lnRef idx="2">
+            <a:schemeClr val="dk1">
+              <a:shade val="50000"/>
+            </a:schemeClr>
+          </a:lnRef>
+          <a:fillRef idx="1">
+            <a:schemeClr val="dk1"/>
+          </a:fillRef>
+          <a:effectRef idx="0">
+            <a:schemeClr val="dk1"/>
+          </a:effectRef>
+          <a:fontRef idx="minor">
+            <a:schemeClr val="lt1"/>
+          </a:fontRef>
+        </p:style>
+        <p:txBody>
+          <a:bodyPr rtlCol="0" anchor="ctr"/>
+          <a:lstStyle/>
+          <a:p>
+            <a:pPr algn="ctr"/>
+            <a:endParaRPr kumimoji="1" lang="ja-JP" altLang="en-US" dirty="0"/>
+          </a:p>
+        </p:txBody>
+      </p:sp>
+      <p:sp>
+        <p:nvSpPr>
+          <p:cNvPr id="49" name="正方形/長方形 48">
+            <a:extLst>
+              <a:ext uri="{FF2B5EF4-FFF2-40B4-BE49-F238E27FC236}">
+                <a16:creationId xmlns:a16="http://schemas.microsoft.com/office/drawing/2014/main" id="{427775DF-E2F9-41D4-A64A-2F020EDCAFC4}"/>
+              </a:ext>
+            </a:extLst>
+          </p:cNvPr>
+          <p:cNvSpPr/>
+          <p:nvPr/>
+        </p:nvSpPr>
+        <p:spPr>
+          <a:xfrm>
+            <a:off x="2015013" y="9244388"/>
+            <a:ext cx="2813050" cy="628650"/>
+          </a:xfrm>
+          <a:prstGeom prst="rect">
+            <a:avLst/>
+          </a:prstGeom>
+          <a:noFill/>
+          <a:ln>
+            <a:noFill/>
+          </a:ln>
+        </p:spPr>
+        <p:style>
+          <a:lnRef idx="2">
+            <a:schemeClr val="accent1">
+              <a:shade val="50000"/>
+            </a:schemeClr>
+          </a:lnRef>
+          <a:fillRef idx="1">
+            <a:schemeClr val="accent1"/>
+          </a:fillRef>
+          <a:effectRef idx="0">
+            <a:schemeClr val="accent1"/>
+          </a:effectRef>
+          <a:fontRef idx="minor">
+            <a:schemeClr val="lt1"/>
+          </a:fontRef>
+        </p:style>
+        <p:txBody>
+          <a:bodyPr rtlCol="0" anchor="ctr"/>
+          <a:lstStyle/>
+          <a:p>
+            <a:pPr algn="ctr"/>
+            <a:r>
+              <a:rPr lang="ja-JP" altLang="en-US" dirty="0">
+                <a:solidFill>
+                  <a:schemeClr val="bg1"/>
+                </a:solidFill>
+              </a:rPr>
+              <a:t>メニュー</a:t>
+            </a:r>
+            <a:endParaRPr lang="en-US" altLang="ja-JP" dirty="0">
+              <a:solidFill>
+                <a:schemeClr val="bg1"/>
+              </a:solidFill>
+            </a:endParaRPr>
           </a:p>
         </p:txBody>
       </p:sp>

--- a/ワイヤーフレーム.pptx
+++ b/ワイヤーフレーム.pptx
@@ -104,6 +104,11 @@
       </a:defRPr>
     </a:lvl9pPr>
   </p:defaultTextStyle>
+  <p:extLst>
+    <p:ext uri="{EFAFB233-063F-42B5-8137-9DF3F51BA10A}">
+      <p15:sldGuideLst xmlns:p15="http://schemas.microsoft.com/office/powerpoint/2012/main"/>
+    </p:ext>
+  </p:extLst>
 </p:presentation>
 </file>
 
@@ -254,7 +259,7 @@
           <a:p>
             <a:fld id="{D7BC8180-1F71-423A-9A5E-C36E61378C10}" type="datetimeFigureOut">
               <a:rPr kumimoji="1" lang="ja-JP" altLang="en-US" smtClean="0"/>
-              <a:t>2021/6/10</a:t>
+              <a:t>2021/6/11</a:t>
             </a:fld>
             <a:endParaRPr kumimoji="1" lang="ja-JP" altLang="en-US"/>
           </a:p>
@@ -484,7 +489,7 @@
           <a:p>
             <a:fld id="{D7BC8180-1F71-423A-9A5E-C36E61378C10}" type="datetimeFigureOut">
               <a:rPr kumimoji="1" lang="ja-JP" altLang="en-US" smtClean="0"/>
-              <a:t>2021/6/10</a:t>
+              <a:t>2021/6/11</a:t>
             </a:fld>
             <a:endParaRPr kumimoji="1" lang="ja-JP" altLang="en-US"/>
           </a:p>
@@ -724,7 +729,7 @@
           <a:p>
             <a:fld id="{D7BC8180-1F71-423A-9A5E-C36E61378C10}" type="datetimeFigureOut">
               <a:rPr kumimoji="1" lang="ja-JP" altLang="en-US" smtClean="0"/>
-              <a:t>2021/6/10</a:t>
+              <a:t>2021/6/11</a:t>
             </a:fld>
             <a:endParaRPr kumimoji="1" lang="ja-JP" altLang="en-US"/>
           </a:p>
@@ -954,7 +959,7 @@
           <a:p>
             <a:fld id="{D7BC8180-1F71-423A-9A5E-C36E61378C10}" type="datetimeFigureOut">
               <a:rPr kumimoji="1" lang="ja-JP" altLang="en-US" smtClean="0"/>
-              <a:t>2021/6/10</a:t>
+              <a:t>2021/6/11</a:t>
             </a:fld>
             <a:endParaRPr kumimoji="1" lang="ja-JP" altLang="en-US"/>
           </a:p>
@@ -1229,7 +1234,7 @@
           <a:p>
             <a:fld id="{D7BC8180-1F71-423A-9A5E-C36E61378C10}" type="datetimeFigureOut">
               <a:rPr kumimoji="1" lang="ja-JP" altLang="en-US" smtClean="0"/>
-              <a:t>2021/6/10</a:t>
+              <a:t>2021/6/11</a:t>
             </a:fld>
             <a:endParaRPr kumimoji="1" lang="ja-JP" altLang="en-US"/>
           </a:p>
@@ -1558,7 +1563,7 @@
           <a:p>
             <a:fld id="{D7BC8180-1F71-423A-9A5E-C36E61378C10}" type="datetimeFigureOut">
               <a:rPr kumimoji="1" lang="ja-JP" altLang="en-US" smtClean="0"/>
-              <a:t>2021/6/10</a:t>
+              <a:t>2021/6/11</a:t>
             </a:fld>
             <a:endParaRPr kumimoji="1" lang="ja-JP" altLang="en-US"/>
           </a:p>
@@ -2034,7 +2039,7 @@
           <a:p>
             <a:fld id="{D7BC8180-1F71-423A-9A5E-C36E61378C10}" type="datetimeFigureOut">
               <a:rPr kumimoji="1" lang="ja-JP" altLang="en-US" smtClean="0"/>
-              <a:t>2021/6/10</a:t>
+              <a:t>2021/6/11</a:t>
             </a:fld>
             <a:endParaRPr kumimoji="1" lang="ja-JP" altLang="en-US"/>
           </a:p>
@@ -2175,7 +2180,7 @@
           <a:p>
             <a:fld id="{D7BC8180-1F71-423A-9A5E-C36E61378C10}" type="datetimeFigureOut">
               <a:rPr kumimoji="1" lang="ja-JP" altLang="en-US" smtClean="0"/>
-              <a:t>2021/6/10</a:t>
+              <a:t>2021/6/11</a:t>
             </a:fld>
             <a:endParaRPr kumimoji="1" lang="ja-JP" altLang="en-US"/>
           </a:p>
@@ -2288,7 +2293,7 @@
           <a:p>
             <a:fld id="{D7BC8180-1F71-423A-9A5E-C36E61378C10}" type="datetimeFigureOut">
               <a:rPr kumimoji="1" lang="ja-JP" altLang="en-US" smtClean="0"/>
-              <a:t>2021/6/10</a:t>
+              <a:t>2021/6/11</a:t>
             </a:fld>
             <a:endParaRPr kumimoji="1" lang="ja-JP" altLang="en-US"/>
           </a:p>
@@ -2631,7 +2636,7 @@
           <a:p>
             <a:fld id="{D7BC8180-1F71-423A-9A5E-C36E61378C10}" type="datetimeFigureOut">
               <a:rPr kumimoji="1" lang="ja-JP" altLang="en-US" smtClean="0"/>
-              <a:t>2021/6/10</a:t>
+              <a:t>2021/6/11</a:t>
             </a:fld>
             <a:endParaRPr kumimoji="1" lang="ja-JP" altLang="en-US"/>
           </a:p>
@@ -2919,7 +2924,7 @@
           <a:p>
             <a:fld id="{D7BC8180-1F71-423A-9A5E-C36E61378C10}" type="datetimeFigureOut">
               <a:rPr kumimoji="1" lang="ja-JP" altLang="en-US" smtClean="0"/>
-              <a:t>2021/6/10</a:t>
+              <a:t>2021/6/11</a:t>
             </a:fld>
             <a:endParaRPr kumimoji="1" lang="ja-JP" altLang="en-US"/>
           </a:p>
@@ -3192,7 +3197,7 @@
           <a:p>
             <a:fld id="{D7BC8180-1F71-423A-9A5E-C36E61378C10}" type="datetimeFigureOut">
               <a:rPr kumimoji="1" lang="ja-JP" altLang="en-US" smtClean="0"/>
-              <a:t>2021/6/10</a:t>
+              <a:t>2021/6/11</a:t>
             </a:fld>
             <a:endParaRPr kumimoji="1" lang="ja-JP" altLang="en-US"/>
           </a:p>
@@ -3611,10 +3616,10 @@
       </p:grpSpPr>
       <p:pic>
         <p:nvPicPr>
-          <p:cNvPr id="48" name="図 47">
-            <a:extLst>
-              <a:ext uri="{FF2B5EF4-FFF2-40B4-BE49-F238E27FC236}">
-                <a16:creationId xmlns:a16="http://schemas.microsoft.com/office/drawing/2014/main" id="{714D457A-43E7-40C6-9E45-DA5A0BA94A2D}"/>
+          <p:cNvPr id="26" name="図 25" descr="髪の長い女性&#10;&#10;自動的に生成された説明">
+            <a:extLst>
+              <a:ext uri="{FF2B5EF4-FFF2-40B4-BE49-F238E27FC236}">
+                <a16:creationId xmlns:a16="http://schemas.microsoft.com/office/drawing/2014/main" id="{2D0FB118-654E-406E-847D-EAE4AF50DC80}"/>
               </a:ext>
             </a:extLst>
           </p:cNvPr>
@@ -3637,7 +3642,79 @@
         </p:blipFill>
         <p:spPr>
           <a:xfrm>
-            <a:off x="0" y="8813806"/>
+            <a:off x="0" y="540000"/>
+            <a:ext cx="6858000" cy="4573429"/>
+          </a:xfrm>
+          <a:prstGeom prst="rect">
+            <a:avLst/>
+          </a:prstGeom>
+        </p:spPr>
+      </p:pic>
+      <p:pic>
+        <p:nvPicPr>
+          <p:cNvPr id="44" name="図 43" descr="夜空の星&#10;&#10;自動的に生成された説明">
+            <a:extLst>
+              <a:ext uri="{FF2B5EF4-FFF2-40B4-BE49-F238E27FC236}">
+                <a16:creationId xmlns:a16="http://schemas.microsoft.com/office/drawing/2014/main" id="{82F86699-7A0B-4C0B-8A99-A3D99677062F}"/>
+              </a:ext>
+            </a:extLst>
+          </p:cNvPr>
+          <p:cNvPicPr>
+            <a:picLocks noChangeAspect="1"/>
+          </p:cNvPicPr>
+          <p:nvPr/>
+        </p:nvPicPr>
+        <p:blipFill>
+          <a:blip r:embed="rId3">
+            <a:extLst>
+              <a:ext uri="{28A0092B-C50C-407E-A947-70E740481C1C}">
+                <a14:useLocalDpi xmlns:a14="http://schemas.microsoft.com/office/drawing/2010/main" val="0"/>
+              </a:ext>
+            </a:extLst>
+          </a:blip>
+          <a:stretch>
+            <a:fillRect/>
+          </a:stretch>
+        </p:blipFill>
+        <p:spPr>
+          <a:xfrm>
+            <a:off x="0" y="4226552"/>
+            <a:ext cx="6863238" cy="5730247"/>
+          </a:xfrm>
+          <a:prstGeom prst="rect">
+            <a:avLst/>
+          </a:prstGeom>
+        </p:spPr>
+      </p:pic>
+      <p:pic>
+        <p:nvPicPr>
+          <p:cNvPr id="48" name="図 47">
+            <a:extLst>
+              <a:ext uri="{FF2B5EF4-FFF2-40B4-BE49-F238E27FC236}">
+                <a16:creationId xmlns:a16="http://schemas.microsoft.com/office/drawing/2014/main" id="{714D457A-43E7-40C6-9E45-DA5A0BA94A2D}"/>
+              </a:ext>
+            </a:extLst>
+          </p:cNvPr>
+          <p:cNvPicPr>
+            <a:picLocks noChangeAspect="1"/>
+          </p:cNvPicPr>
+          <p:nvPr/>
+        </p:nvPicPr>
+        <p:blipFill>
+          <a:blip r:embed="rId4">
+            <a:extLst>
+              <a:ext uri="{28A0092B-C50C-407E-A947-70E740481C1C}">
+                <a14:useLocalDpi xmlns:a14="http://schemas.microsoft.com/office/drawing/2010/main" val="0"/>
+              </a:ext>
+            </a:extLst>
+          </a:blip>
+          <a:stretch>
+            <a:fillRect/>
+          </a:stretch>
+        </p:blipFill>
+        <p:spPr>
+          <a:xfrm>
+            <a:off x="0" y="9956806"/>
             <a:ext cx="6863238" cy="4029808"/>
           </a:xfrm>
           <a:prstGeom prst="rect">
@@ -4744,10 +4821,10 @@
       </p:sp>
       <p:sp>
         <p:nvSpPr>
-          <p:cNvPr id="19" name="正方形/長方形 18">
-            <a:extLst>
-              <a:ext uri="{FF2B5EF4-FFF2-40B4-BE49-F238E27FC236}">
-                <a16:creationId xmlns:a16="http://schemas.microsoft.com/office/drawing/2014/main" id="{556DA050-DC1F-4840-A7A6-6FA53A76AED8}"/>
+          <p:cNvPr id="21" name="正方形/長方形 20">
+            <a:extLst>
+              <a:ext uri="{FF2B5EF4-FFF2-40B4-BE49-F238E27FC236}">
+                <a16:creationId xmlns:a16="http://schemas.microsoft.com/office/drawing/2014/main" id="{9350FFC2-ABCD-4A43-9CAC-9F18289F6061}"/>
               </a:ext>
             </a:extLst>
           </p:cNvPr>
@@ -4756,114 +4833,7 @@
         </p:nvSpPr>
         <p:spPr>
           <a:xfrm>
-            <a:off x="-11193" y="540000"/>
-            <a:ext cx="6869193" cy="2571506"/>
-          </a:xfrm>
-          <a:prstGeom prst="rect">
-            <a:avLst/>
-          </a:prstGeom>
-          <a:solidFill>
-            <a:srgbClr val="FFC000"/>
-          </a:solidFill>
-          <a:ln>
-            <a:noFill/>
-          </a:ln>
-        </p:spPr>
-        <p:style>
-          <a:lnRef idx="2">
-            <a:schemeClr val="accent1">
-              <a:shade val="50000"/>
-            </a:schemeClr>
-          </a:lnRef>
-          <a:fillRef idx="1">
-            <a:schemeClr val="accent1"/>
-          </a:fillRef>
-          <a:effectRef idx="0">
-            <a:schemeClr val="accent1"/>
-          </a:effectRef>
-          <a:fontRef idx="minor">
-            <a:schemeClr val="lt1"/>
-          </a:fontRef>
-        </p:style>
-        <p:txBody>
-          <a:bodyPr rtlCol="0" anchor="ctr"/>
-          <a:lstStyle/>
-          <a:p>
-            <a:pPr algn="ctr"/>
-            <a:r>
-              <a:rPr lang="ja-JP" altLang="en-US" dirty="0"/>
-              <a:t>アイキャッチ</a:t>
-            </a:r>
-          </a:p>
-        </p:txBody>
-      </p:sp>
-      <p:sp>
-        <p:nvSpPr>
-          <p:cNvPr id="20" name="正方形/長方形 19">
-            <a:extLst>
-              <a:ext uri="{FF2B5EF4-FFF2-40B4-BE49-F238E27FC236}">
-                <a16:creationId xmlns:a16="http://schemas.microsoft.com/office/drawing/2014/main" id="{1BA0C432-BACA-45E9-84A6-D3FA040C84D2}"/>
-              </a:ext>
-            </a:extLst>
-          </p:cNvPr>
-          <p:cNvSpPr/>
-          <p:nvPr/>
-        </p:nvSpPr>
-        <p:spPr>
-          <a:xfrm>
-            <a:off x="0" y="3111506"/>
-            <a:ext cx="6858000" cy="5702300"/>
-          </a:xfrm>
-          <a:prstGeom prst="rect">
-            <a:avLst/>
-          </a:prstGeom>
-          <a:solidFill>
-            <a:schemeClr val="bg1"/>
-          </a:solidFill>
-          <a:ln>
-            <a:noFill/>
-          </a:ln>
-        </p:spPr>
-        <p:style>
-          <a:lnRef idx="2">
-            <a:schemeClr val="accent1">
-              <a:shade val="50000"/>
-            </a:schemeClr>
-          </a:lnRef>
-          <a:fillRef idx="1">
-            <a:schemeClr val="accent1"/>
-          </a:fillRef>
-          <a:effectRef idx="0">
-            <a:schemeClr val="accent1"/>
-          </a:effectRef>
-          <a:fontRef idx="minor">
-            <a:schemeClr val="lt1"/>
-          </a:fontRef>
-        </p:style>
-        <p:txBody>
-          <a:bodyPr rtlCol="0" anchor="ctr"/>
-          <a:lstStyle/>
-          <a:p>
-            <a:pPr algn="ctr"/>
-            <a:endParaRPr lang="ja-JP" altLang="en-US" dirty="0"/>
-          </a:p>
-        </p:txBody>
-      </p:sp>
-      <p:sp>
-        <p:nvSpPr>
-          <p:cNvPr id="21" name="正方形/長方形 20">
-            <a:extLst>
-              <a:ext uri="{FF2B5EF4-FFF2-40B4-BE49-F238E27FC236}">
-                <a16:creationId xmlns:a16="http://schemas.microsoft.com/office/drawing/2014/main" id="{9350FFC2-ABCD-4A43-9CAC-9F18289F6061}"/>
-              </a:ext>
-            </a:extLst>
-          </p:cNvPr>
-          <p:cNvSpPr/>
-          <p:nvPr/>
-        </p:nvSpPr>
-        <p:spPr>
-          <a:xfrm>
-            <a:off x="2206474" y="3111500"/>
+            <a:off x="2206474" y="4254500"/>
             <a:ext cx="2813050" cy="628650"/>
           </a:xfrm>
           <a:prstGeom prst="rect">
@@ -4898,7 +4868,7 @@
             <a:r>
               <a:rPr lang="ja-JP" altLang="en-US" dirty="0">
                 <a:solidFill>
-                  <a:schemeClr val="tx1"/>
+                  <a:schemeClr val="bg1"/>
                 </a:solidFill>
               </a:rPr>
               <a:t>セラピスト</a:t>
@@ -4920,7 +4890,7 @@
         </p:nvGrpSpPr>
         <p:grpSpPr>
           <a:xfrm>
-            <a:off x="1091088" y="4042509"/>
+            <a:off x="1091088" y="5185509"/>
             <a:ext cx="1440000" cy="1800000"/>
             <a:chOff x="1098550" y="4042503"/>
             <a:chExt cx="1440000" cy="1800000"/>
@@ -5068,7 +5038,7 @@
         </p:nvGrpSpPr>
         <p:grpSpPr>
           <a:xfrm>
-            <a:off x="2889590" y="4042509"/>
+            <a:off x="2889590" y="5185509"/>
             <a:ext cx="1440000" cy="1800000"/>
             <a:chOff x="1098550" y="4042503"/>
             <a:chExt cx="1440000" cy="1800000"/>
@@ -5216,7 +5186,7 @@
         </p:nvGrpSpPr>
         <p:grpSpPr>
           <a:xfrm>
-            <a:off x="4692404" y="4042509"/>
+            <a:off x="4692404" y="5185509"/>
             <a:ext cx="1440000" cy="1800000"/>
             <a:chOff x="1098550" y="4042503"/>
             <a:chExt cx="1440000" cy="1800000"/>
@@ -5364,7 +5334,7 @@
         </p:nvGrpSpPr>
         <p:grpSpPr>
           <a:xfrm>
-            <a:off x="1091088" y="6096006"/>
+            <a:off x="1091088" y="7239006"/>
             <a:ext cx="1440000" cy="1800000"/>
             <a:chOff x="1098550" y="4042503"/>
             <a:chExt cx="1440000" cy="1800000"/>
@@ -5512,7 +5482,7 @@
         </p:nvGrpSpPr>
         <p:grpSpPr>
           <a:xfrm>
-            <a:off x="2889590" y="6096006"/>
+            <a:off x="2889590" y="7239006"/>
             <a:ext cx="1440000" cy="1800000"/>
             <a:chOff x="1098550" y="4042503"/>
             <a:chExt cx="1440000" cy="1800000"/>
@@ -5660,7 +5630,7 @@
         </p:nvGrpSpPr>
         <p:grpSpPr>
           <a:xfrm>
-            <a:off x="4692404" y="6096006"/>
+            <a:off x="4692404" y="7239006"/>
             <a:ext cx="1440000" cy="1800000"/>
             <a:chOff x="1098550" y="4042503"/>
             <a:chExt cx="1440000" cy="1800000"/>
@@ -5808,7 +5778,7 @@
         </p:nvSpPr>
         <p:spPr>
           <a:xfrm>
-            <a:off x="2889590" y="8249036"/>
+            <a:off x="2889590" y="9392036"/>
             <a:ext cx="1440000" cy="329947"/>
           </a:xfrm>
           <a:prstGeom prst="rect">
@@ -5880,7 +5850,7 @@
         </p:nvSpPr>
         <p:spPr>
           <a:xfrm>
-            <a:off x="1636438" y="9244388"/>
+            <a:off x="1636438" y="10387388"/>
             <a:ext cx="3594100" cy="3168644"/>
           </a:xfrm>
           <a:prstGeom prst="rect">
@@ -5926,7 +5896,7 @@
         </p:nvSpPr>
         <p:spPr>
           <a:xfrm>
-            <a:off x="2015013" y="9244388"/>
+            <a:off x="2015013" y="10387388"/>
             <a:ext cx="2813050" cy="628650"/>
           </a:xfrm>
           <a:prstGeom prst="rect">
@@ -5971,6 +5941,55 @@
                 <a:schemeClr val="bg1"/>
               </a:solidFill>
             </a:endParaRPr>
+          </a:p>
+        </p:txBody>
+      </p:sp>
+      <p:sp>
+        <p:nvSpPr>
+          <p:cNvPr id="10" name="正方形/長方形 9">
+            <a:extLst>
+              <a:ext uri="{FF2B5EF4-FFF2-40B4-BE49-F238E27FC236}">
+                <a16:creationId xmlns:a16="http://schemas.microsoft.com/office/drawing/2014/main" id="{D0824787-B16E-4AB9-99B9-948FECA6525B}"/>
+              </a:ext>
+            </a:extLst>
+          </p:cNvPr>
+          <p:cNvSpPr/>
+          <p:nvPr/>
+        </p:nvSpPr>
+        <p:spPr>
+          <a:xfrm>
+            <a:off x="4017999" y="1164751"/>
+            <a:ext cx="2528310" cy="744904"/>
+          </a:xfrm>
+          <a:prstGeom prst="rect">
+            <a:avLst/>
+          </a:prstGeom>
+        </p:spPr>
+        <p:style>
+          <a:lnRef idx="2">
+            <a:schemeClr val="accent1">
+              <a:shade val="50000"/>
+            </a:schemeClr>
+          </a:lnRef>
+          <a:fillRef idx="1">
+            <a:schemeClr val="accent1"/>
+          </a:fillRef>
+          <a:effectRef idx="0">
+            <a:schemeClr val="accent1"/>
+          </a:effectRef>
+          <a:fontRef idx="minor">
+            <a:schemeClr val="lt1"/>
+          </a:fontRef>
+        </p:style>
+        <p:txBody>
+          <a:bodyPr rtlCol="0" anchor="ctr"/>
+          <a:lstStyle/>
+          <a:p>
+            <a:pPr algn="ctr"/>
+            <a:r>
+              <a:rPr kumimoji="1" lang="ja-JP" altLang="en-US" sz="2400" dirty="0"/>
+              <a:t>キャッチコピー</a:t>
+            </a:r>
           </a:p>
         </p:txBody>
       </p:sp>

--- a/ワイヤーフレーム.pptx
+++ b/ワイヤーフレーム.pptx
@@ -2,19 +2,19 @@
 <file path=ppt/presentation.xml><?xml version="1.0" encoding="utf-8"?>
 <p:presentation xmlns:a="http://schemas.openxmlformats.org/drawingml/2006/main" xmlns:r="http://schemas.openxmlformats.org/officeDocument/2006/relationships" xmlns:p="http://schemas.openxmlformats.org/presentationml/2006/main" saveSubsetFonts="1">
   <p:sldMasterIdLst>
-    <p:sldMasterId id="2147483648" r:id="rId1"/>
+    <p:sldMasterId id="2147483672" r:id="rId1"/>
   </p:sldMasterIdLst>
   <p:sldIdLst>
     <p:sldId id="257" r:id="rId2"/>
   </p:sldIdLst>
-  <p:sldSz cx="6858000" cy="16200438"/>
+  <p:sldSz cx="6858000" cy="32399288"/>
   <p:notesSz cx="6858000" cy="9144000"/>
   <p:defaultTextStyle>
     <a:defPPr>
-      <a:defRPr lang="ja-JP"/>
+      <a:defRPr lang="en-US"/>
     </a:defPPr>
-    <a:lvl1pPr marL="0" algn="l" defTabSz="914400" rtl="0" eaLnBrk="1" latinLnBrk="0" hangingPunct="1">
-      <a:defRPr kumimoji="1" sz="1800" kern="1200">
+    <a:lvl1pPr marL="0" algn="l" defTabSz="457200" rtl="0" eaLnBrk="1" latinLnBrk="0" hangingPunct="1">
+      <a:defRPr sz="1800" kern="1200">
         <a:solidFill>
           <a:schemeClr val="tx1"/>
         </a:solidFill>
@@ -23,8 +23,8 @@
         <a:cs typeface="+mn-cs"/>
       </a:defRPr>
     </a:lvl1pPr>
-    <a:lvl2pPr marL="457200" algn="l" defTabSz="914400" rtl="0" eaLnBrk="1" latinLnBrk="0" hangingPunct="1">
-      <a:defRPr kumimoji="1" sz="1800" kern="1200">
+    <a:lvl2pPr marL="457200" algn="l" defTabSz="457200" rtl="0" eaLnBrk="1" latinLnBrk="0" hangingPunct="1">
+      <a:defRPr sz="1800" kern="1200">
         <a:solidFill>
           <a:schemeClr val="tx1"/>
         </a:solidFill>
@@ -33,8 +33,8 @@
         <a:cs typeface="+mn-cs"/>
       </a:defRPr>
     </a:lvl2pPr>
-    <a:lvl3pPr marL="914400" algn="l" defTabSz="914400" rtl="0" eaLnBrk="1" latinLnBrk="0" hangingPunct="1">
-      <a:defRPr kumimoji="1" sz="1800" kern="1200">
+    <a:lvl3pPr marL="914400" algn="l" defTabSz="457200" rtl="0" eaLnBrk="1" latinLnBrk="0" hangingPunct="1">
+      <a:defRPr sz="1800" kern="1200">
         <a:solidFill>
           <a:schemeClr val="tx1"/>
         </a:solidFill>
@@ -43,8 +43,8 @@
         <a:cs typeface="+mn-cs"/>
       </a:defRPr>
     </a:lvl3pPr>
-    <a:lvl4pPr marL="1371600" algn="l" defTabSz="914400" rtl="0" eaLnBrk="1" latinLnBrk="0" hangingPunct="1">
-      <a:defRPr kumimoji="1" sz="1800" kern="1200">
+    <a:lvl4pPr marL="1371600" algn="l" defTabSz="457200" rtl="0" eaLnBrk="1" latinLnBrk="0" hangingPunct="1">
+      <a:defRPr sz="1800" kern="1200">
         <a:solidFill>
           <a:schemeClr val="tx1"/>
         </a:solidFill>
@@ -53,8 +53,8 @@
         <a:cs typeface="+mn-cs"/>
       </a:defRPr>
     </a:lvl4pPr>
-    <a:lvl5pPr marL="1828800" algn="l" defTabSz="914400" rtl="0" eaLnBrk="1" latinLnBrk="0" hangingPunct="1">
-      <a:defRPr kumimoji="1" sz="1800" kern="1200">
+    <a:lvl5pPr marL="1828800" algn="l" defTabSz="457200" rtl="0" eaLnBrk="1" latinLnBrk="0" hangingPunct="1">
+      <a:defRPr sz="1800" kern="1200">
         <a:solidFill>
           <a:schemeClr val="tx1"/>
         </a:solidFill>
@@ -63,8 +63,8 @@
         <a:cs typeface="+mn-cs"/>
       </a:defRPr>
     </a:lvl5pPr>
-    <a:lvl6pPr marL="2286000" algn="l" defTabSz="914400" rtl="0" eaLnBrk="1" latinLnBrk="0" hangingPunct="1">
-      <a:defRPr kumimoji="1" sz="1800" kern="1200">
+    <a:lvl6pPr marL="2286000" algn="l" defTabSz="457200" rtl="0" eaLnBrk="1" latinLnBrk="0" hangingPunct="1">
+      <a:defRPr sz="1800" kern="1200">
         <a:solidFill>
           <a:schemeClr val="tx1"/>
         </a:solidFill>
@@ -73,8 +73,8 @@
         <a:cs typeface="+mn-cs"/>
       </a:defRPr>
     </a:lvl6pPr>
-    <a:lvl7pPr marL="2743200" algn="l" defTabSz="914400" rtl="0" eaLnBrk="1" latinLnBrk="0" hangingPunct="1">
-      <a:defRPr kumimoji="1" sz="1800" kern="1200">
+    <a:lvl7pPr marL="2743200" algn="l" defTabSz="457200" rtl="0" eaLnBrk="1" latinLnBrk="0" hangingPunct="1">
+      <a:defRPr sz="1800" kern="1200">
         <a:solidFill>
           <a:schemeClr val="tx1"/>
         </a:solidFill>
@@ -83,8 +83,8 @@
         <a:cs typeface="+mn-cs"/>
       </a:defRPr>
     </a:lvl7pPr>
-    <a:lvl8pPr marL="3200400" algn="l" defTabSz="914400" rtl="0" eaLnBrk="1" latinLnBrk="0" hangingPunct="1">
-      <a:defRPr kumimoji="1" sz="1800" kern="1200">
+    <a:lvl8pPr marL="3200400" algn="l" defTabSz="457200" rtl="0" eaLnBrk="1" latinLnBrk="0" hangingPunct="1">
+      <a:defRPr sz="1800" kern="1200">
         <a:solidFill>
           <a:schemeClr val="tx1"/>
         </a:solidFill>
@@ -93,8 +93,8 @@
         <a:cs typeface="+mn-cs"/>
       </a:defRPr>
     </a:lvl8pPr>
-    <a:lvl9pPr marL="3657600" algn="l" defTabSz="914400" rtl="0" eaLnBrk="1" latinLnBrk="0" hangingPunct="1">
-      <a:defRPr kumimoji="1" sz="1800" kern="1200">
+    <a:lvl9pPr marL="3657600" algn="l" defTabSz="457200" rtl="0" eaLnBrk="1" latinLnBrk="0" hangingPunct="1">
+      <a:defRPr sz="1800" kern="1200">
         <a:solidFill>
           <a:schemeClr val="tx1"/>
         </a:solidFill>
@@ -131,13 +131,7 @@
       </p:grpSpPr>
       <p:sp>
         <p:nvSpPr>
-          <p:cNvPr id="2" name="タイトル 1">
-            <a:extLst>
-              <a:ext uri="{FF2B5EF4-FFF2-40B4-BE49-F238E27FC236}">
-                <a16:creationId xmlns:a16="http://schemas.microsoft.com/office/drawing/2014/main" id="{FF497BAE-F94C-47EA-909F-4F5CFD4F85A8}"/>
-              </a:ext>
-            </a:extLst>
-          </p:cNvPr>
+          <p:cNvPr id="2" name="Title 1"/>
           <p:cNvSpPr>
             <a:spLocks noGrp="1"/>
           </p:cNvSpPr>
@@ -147,34 +141,29 @@
         </p:nvSpPr>
         <p:spPr>
           <a:xfrm>
-            <a:off x="857250" y="2651323"/>
-            <a:ext cx="5143500" cy="5640152"/>
+            <a:off x="514350" y="5302388"/>
+            <a:ext cx="5829300" cy="11279753"/>
           </a:xfrm>
         </p:spPr>
         <p:txBody>
           <a:bodyPr anchor="b"/>
           <a:lstStyle>
             <a:lvl1pPr algn="ctr">
-              <a:defRPr sz="3375"/>
+              <a:defRPr sz="4500"/>
             </a:lvl1pPr>
           </a:lstStyle>
           <a:p>
             <a:r>
-              <a:rPr kumimoji="1" lang="ja-JP" altLang="en-US"/>
+              <a:rPr lang="ja-JP" altLang="en-US"/>
               <a:t>マスター タイトルの書式設定</a:t>
             </a:r>
-          </a:p>
-        </p:txBody>
-      </p:sp>
-      <p:sp>
-        <p:nvSpPr>
-          <p:cNvPr id="3" name="字幕 2">
-            <a:extLst>
-              <a:ext uri="{FF2B5EF4-FFF2-40B4-BE49-F238E27FC236}">
-                <a16:creationId xmlns:a16="http://schemas.microsoft.com/office/drawing/2014/main" id="{6513050A-B318-4B1D-AF6F-DD306C2F2759}"/>
-              </a:ext>
-            </a:extLst>
-          </p:cNvPr>
+            <a:endParaRPr lang="en-US" dirty="0"/>
+          </a:p>
+        </p:txBody>
+      </p:sp>
+      <p:sp>
+        <p:nvSpPr>
+          <p:cNvPr id="3" name="Subtitle 2"/>
           <p:cNvSpPr>
             <a:spLocks noGrp="1"/>
           </p:cNvSpPr>
@@ -184,8 +173,8 @@
         </p:nvSpPr>
         <p:spPr>
           <a:xfrm>
-            <a:off x="857250" y="8508982"/>
-            <a:ext cx="5143500" cy="3911355"/>
+            <a:off x="857250" y="17017128"/>
+            <a:ext cx="5143500" cy="7822326"/>
           </a:xfrm>
         </p:spPr>
         <p:txBody>
@@ -193,58 +182,53 @@
           <a:lstStyle>
             <a:lvl1pPr marL="0" indent="0" algn="ctr">
               <a:buNone/>
+              <a:defRPr sz="1800"/>
+            </a:lvl1pPr>
+            <a:lvl2pPr marL="342917" indent="0" algn="ctr">
+              <a:buNone/>
+              <a:defRPr sz="1500"/>
+            </a:lvl2pPr>
+            <a:lvl3pPr marL="685835" indent="0" algn="ctr">
+              <a:buNone/>
               <a:defRPr sz="1350"/>
-            </a:lvl1pPr>
-            <a:lvl2pPr marL="257175" indent="0" algn="ctr">
+            </a:lvl3pPr>
+            <a:lvl4pPr marL="1028751" indent="0" algn="ctr">
               <a:buNone/>
-              <a:defRPr sz="1125"/>
-            </a:lvl2pPr>
-            <a:lvl3pPr marL="514350" indent="0" algn="ctr">
+              <a:defRPr sz="1200"/>
+            </a:lvl4pPr>
+            <a:lvl5pPr marL="1371669" indent="0" algn="ctr">
               <a:buNone/>
-              <a:defRPr sz="1013"/>
-            </a:lvl3pPr>
-            <a:lvl4pPr marL="771525" indent="0" algn="ctr">
+              <a:defRPr sz="1200"/>
+            </a:lvl5pPr>
+            <a:lvl6pPr marL="1714586" indent="0" algn="ctr">
               <a:buNone/>
-              <a:defRPr sz="900"/>
-            </a:lvl4pPr>
-            <a:lvl5pPr marL="1028700" indent="0" algn="ctr">
+              <a:defRPr sz="1200"/>
+            </a:lvl6pPr>
+            <a:lvl7pPr marL="2057504" indent="0" algn="ctr">
               <a:buNone/>
-              <a:defRPr sz="900"/>
-            </a:lvl5pPr>
-            <a:lvl6pPr marL="1285875" indent="0" algn="ctr">
+              <a:defRPr sz="1200"/>
+            </a:lvl7pPr>
+            <a:lvl8pPr marL="2400420" indent="0" algn="ctr">
               <a:buNone/>
-              <a:defRPr sz="900"/>
-            </a:lvl6pPr>
-            <a:lvl7pPr marL="1543050" indent="0" algn="ctr">
+              <a:defRPr sz="1200"/>
+            </a:lvl8pPr>
+            <a:lvl9pPr marL="2743337" indent="0" algn="ctr">
               <a:buNone/>
-              <a:defRPr sz="900"/>
-            </a:lvl7pPr>
-            <a:lvl8pPr marL="1800225" indent="0" algn="ctr">
-              <a:buNone/>
-              <a:defRPr sz="900"/>
-            </a:lvl8pPr>
-            <a:lvl9pPr marL="2057400" indent="0" algn="ctr">
-              <a:buNone/>
-              <a:defRPr sz="900"/>
+              <a:defRPr sz="1200"/>
             </a:lvl9pPr>
           </a:lstStyle>
           <a:p>
             <a:r>
-              <a:rPr kumimoji="1" lang="ja-JP" altLang="en-US"/>
+              <a:rPr lang="ja-JP" altLang="en-US"/>
               <a:t>マスター サブタイトルの書式設定</a:t>
             </a:r>
-          </a:p>
-        </p:txBody>
-      </p:sp>
-      <p:sp>
-        <p:nvSpPr>
-          <p:cNvPr id="4" name="日付プレースホルダー 3">
-            <a:extLst>
-              <a:ext uri="{FF2B5EF4-FFF2-40B4-BE49-F238E27FC236}">
-                <a16:creationId xmlns:a16="http://schemas.microsoft.com/office/drawing/2014/main" id="{3824758F-6D40-4018-B29B-5E808037C225}"/>
-              </a:ext>
-            </a:extLst>
-          </p:cNvPr>
+            <a:endParaRPr lang="en-US" dirty="0"/>
+          </a:p>
+        </p:txBody>
+      </p:sp>
+      <p:sp>
+        <p:nvSpPr>
+          <p:cNvPr id="4" name="Date Placeholder 3"/>
           <p:cNvSpPr>
             <a:spLocks noGrp="1"/>
           </p:cNvSpPr>
@@ -267,13 +251,7 @@
       </p:sp>
       <p:sp>
         <p:nvSpPr>
-          <p:cNvPr id="5" name="フッター プレースホルダー 4">
-            <a:extLst>
-              <a:ext uri="{FF2B5EF4-FFF2-40B4-BE49-F238E27FC236}">
-                <a16:creationId xmlns:a16="http://schemas.microsoft.com/office/drawing/2014/main" id="{F42BD5EB-DB6A-4B81-B0CA-66CC5658DB21}"/>
-              </a:ext>
-            </a:extLst>
-          </p:cNvPr>
+          <p:cNvPr id="5" name="Footer Placeholder 4"/>
           <p:cNvSpPr>
             <a:spLocks noGrp="1"/>
           </p:cNvSpPr>
@@ -292,13 +270,7 @@
       </p:sp>
       <p:sp>
         <p:nvSpPr>
-          <p:cNvPr id="6" name="スライド番号プレースホルダー 5">
-            <a:extLst>
-              <a:ext uri="{FF2B5EF4-FFF2-40B4-BE49-F238E27FC236}">
-                <a16:creationId xmlns:a16="http://schemas.microsoft.com/office/drawing/2014/main" id="{960077B1-4B26-44B6-9E93-CF8A5041EF7D}"/>
-              </a:ext>
-            </a:extLst>
-          </p:cNvPr>
+          <p:cNvPr id="6" name="Slide Number Placeholder 5"/>
           <p:cNvSpPr>
             <a:spLocks noGrp="1"/>
           </p:cNvSpPr>
@@ -322,7 +294,7 @@
     </p:spTree>
     <p:extLst>
       <p:ext uri="{BB962C8B-B14F-4D97-AF65-F5344CB8AC3E}">
-        <p14:creationId xmlns:p14="http://schemas.microsoft.com/office/powerpoint/2010/main" val="157023683"/>
+        <p14:creationId xmlns:p14="http://schemas.microsoft.com/office/powerpoint/2010/main" val="1685462767"/>
       </p:ext>
     </p:extLst>
   </p:cSld>
@@ -351,13 +323,7 @@
       </p:grpSpPr>
       <p:sp>
         <p:nvSpPr>
-          <p:cNvPr id="2" name="タイトル 1">
-            <a:extLst>
-              <a:ext uri="{FF2B5EF4-FFF2-40B4-BE49-F238E27FC236}">
-                <a16:creationId xmlns:a16="http://schemas.microsoft.com/office/drawing/2014/main" id="{488B649D-60E0-4362-9FBE-648D7B3C5CB6}"/>
-              </a:ext>
-            </a:extLst>
-          </p:cNvPr>
+          <p:cNvPr id="2" name="Title 1"/>
           <p:cNvSpPr>
             <a:spLocks noGrp="1"/>
           </p:cNvSpPr>
@@ -371,21 +337,16 @@
           <a:lstStyle/>
           <a:p>
             <a:r>
-              <a:rPr kumimoji="1" lang="ja-JP" altLang="en-US"/>
+              <a:rPr lang="ja-JP" altLang="en-US"/>
               <a:t>マスター タイトルの書式設定</a:t>
             </a:r>
-          </a:p>
-        </p:txBody>
-      </p:sp>
-      <p:sp>
-        <p:nvSpPr>
-          <p:cNvPr id="3" name="縦書きテキスト プレースホルダー 2">
-            <a:extLst>
-              <a:ext uri="{FF2B5EF4-FFF2-40B4-BE49-F238E27FC236}">
-                <a16:creationId xmlns:a16="http://schemas.microsoft.com/office/drawing/2014/main" id="{5EEF7C9D-F764-4E4F-BABB-421DE6A2919D}"/>
-              </a:ext>
-            </a:extLst>
-          </p:cNvPr>
+            <a:endParaRPr lang="en-US" dirty="0"/>
+          </a:p>
+        </p:txBody>
+      </p:sp>
+      <p:sp>
+        <p:nvSpPr>
+          <p:cNvPr id="3" name="Vertical Text Placeholder 2"/>
           <p:cNvSpPr>
             <a:spLocks noGrp="1"/>
           </p:cNvSpPr>
@@ -400,81 +361,76 @@
           <a:p>
             <a:pPr lvl="0"/>
             <a:r>
-              <a:rPr kumimoji="1" lang="ja-JP" altLang="en-US"/>
+              <a:rPr lang="ja-JP" altLang="en-US"/>
               <a:t>マスター テキストの書式設定</a:t>
             </a:r>
           </a:p>
           <a:p>
             <a:pPr lvl="1"/>
             <a:r>
-              <a:rPr kumimoji="1" lang="ja-JP" altLang="en-US"/>
+              <a:rPr lang="ja-JP" altLang="en-US"/>
               <a:t>第 </a:t>
             </a:r>
             <a:r>
-              <a:rPr kumimoji="1" lang="en-US" altLang="ja-JP"/>
+              <a:rPr lang="en-US" altLang="ja-JP"/>
               <a:t>2 </a:t>
             </a:r>
             <a:r>
-              <a:rPr kumimoji="1" lang="ja-JP" altLang="en-US"/>
+              <a:rPr lang="ja-JP" altLang="en-US"/>
               <a:t>レベル</a:t>
             </a:r>
           </a:p>
           <a:p>
             <a:pPr lvl="2"/>
             <a:r>
-              <a:rPr kumimoji="1" lang="ja-JP" altLang="en-US"/>
+              <a:rPr lang="ja-JP" altLang="en-US"/>
               <a:t>第 </a:t>
             </a:r>
             <a:r>
-              <a:rPr kumimoji="1" lang="en-US" altLang="ja-JP"/>
+              <a:rPr lang="en-US" altLang="ja-JP"/>
               <a:t>3 </a:t>
             </a:r>
             <a:r>
-              <a:rPr kumimoji="1" lang="ja-JP" altLang="en-US"/>
+              <a:rPr lang="ja-JP" altLang="en-US"/>
               <a:t>レベル</a:t>
             </a:r>
           </a:p>
           <a:p>
             <a:pPr lvl="3"/>
             <a:r>
-              <a:rPr kumimoji="1" lang="ja-JP" altLang="en-US"/>
+              <a:rPr lang="ja-JP" altLang="en-US"/>
               <a:t>第 </a:t>
             </a:r>
             <a:r>
-              <a:rPr kumimoji="1" lang="en-US" altLang="ja-JP"/>
+              <a:rPr lang="en-US" altLang="ja-JP"/>
               <a:t>4 </a:t>
             </a:r>
             <a:r>
-              <a:rPr kumimoji="1" lang="ja-JP" altLang="en-US"/>
+              <a:rPr lang="ja-JP" altLang="en-US"/>
               <a:t>レベル</a:t>
             </a:r>
           </a:p>
           <a:p>
             <a:pPr lvl="4"/>
             <a:r>
-              <a:rPr kumimoji="1" lang="ja-JP" altLang="en-US"/>
+              <a:rPr lang="ja-JP" altLang="en-US"/>
               <a:t>第 </a:t>
             </a:r>
             <a:r>
-              <a:rPr kumimoji="1" lang="en-US" altLang="ja-JP"/>
+              <a:rPr lang="en-US" altLang="ja-JP"/>
               <a:t>5 </a:t>
             </a:r>
             <a:r>
-              <a:rPr kumimoji="1" lang="ja-JP" altLang="en-US"/>
+              <a:rPr lang="ja-JP" altLang="en-US"/>
               <a:t>レベル</a:t>
             </a:r>
-          </a:p>
-        </p:txBody>
-      </p:sp>
-      <p:sp>
-        <p:nvSpPr>
-          <p:cNvPr id="4" name="日付プレースホルダー 3">
-            <a:extLst>
-              <a:ext uri="{FF2B5EF4-FFF2-40B4-BE49-F238E27FC236}">
-                <a16:creationId xmlns:a16="http://schemas.microsoft.com/office/drawing/2014/main" id="{5D4B14F9-C930-4B05-8E63-ADE53A89524A}"/>
-              </a:ext>
-            </a:extLst>
-          </p:cNvPr>
+            <a:endParaRPr lang="en-US" dirty="0"/>
+          </a:p>
+        </p:txBody>
+      </p:sp>
+      <p:sp>
+        <p:nvSpPr>
+          <p:cNvPr id="4" name="Date Placeholder 3"/>
           <p:cNvSpPr>
             <a:spLocks noGrp="1"/>
           </p:cNvSpPr>
@@ -497,13 +453,7 @@
       </p:sp>
       <p:sp>
         <p:nvSpPr>
-          <p:cNvPr id="5" name="フッター プレースホルダー 4">
-            <a:extLst>
-              <a:ext uri="{FF2B5EF4-FFF2-40B4-BE49-F238E27FC236}">
-                <a16:creationId xmlns:a16="http://schemas.microsoft.com/office/drawing/2014/main" id="{496DAB16-9CED-4B06-819A-E66FB3402D82}"/>
-              </a:ext>
-            </a:extLst>
-          </p:cNvPr>
+          <p:cNvPr id="5" name="Footer Placeholder 4"/>
           <p:cNvSpPr>
             <a:spLocks noGrp="1"/>
           </p:cNvSpPr>
@@ -522,13 +472,7 @@
       </p:sp>
       <p:sp>
         <p:nvSpPr>
-          <p:cNvPr id="6" name="スライド番号プレースホルダー 5">
-            <a:extLst>
-              <a:ext uri="{FF2B5EF4-FFF2-40B4-BE49-F238E27FC236}">
-                <a16:creationId xmlns:a16="http://schemas.microsoft.com/office/drawing/2014/main" id="{589E4F61-64B6-408D-8A14-548FB7BDE055}"/>
-              </a:ext>
-            </a:extLst>
-          </p:cNvPr>
+          <p:cNvPr id="6" name="Slide Number Placeholder 5"/>
           <p:cNvSpPr>
             <a:spLocks noGrp="1"/>
           </p:cNvSpPr>
@@ -552,7 +496,7 @@
     </p:spTree>
     <p:extLst>
       <p:ext uri="{BB962C8B-B14F-4D97-AF65-F5344CB8AC3E}">
-        <p14:creationId xmlns:p14="http://schemas.microsoft.com/office/powerpoint/2010/main" val="859906271"/>
+        <p14:creationId xmlns:p14="http://schemas.microsoft.com/office/powerpoint/2010/main" val="4100589169"/>
       </p:ext>
     </p:extLst>
   </p:cSld>
@@ -581,13 +525,7 @@
       </p:grpSpPr>
       <p:sp>
         <p:nvSpPr>
-          <p:cNvPr id="2" name="縦書きタイトル 1">
-            <a:extLst>
-              <a:ext uri="{FF2B5EF4-FFF2-40B4-BE49-F238E27FC236}">
-                <a16:creationId xmlns:a16="http://schemas.microsoft.com/office/drawing/2014/main" id="{90792171-3A5E-4F35-8974-8FA7F3060D18}"/>
-              </a:ext>
-            </a:extLst>
-          </p:cNvPr>
+          <p:cNvPr id="2" name="Vertical Title 1"/>
           <p:cNvSpPr>
             <a:spLocks noGrp="1"/>
           </p:cNvSpPr>
@@ -597,8 +535,8 @@
         </p:nvSpPr>
         <p:spPr>
           <a:xfrm>
-            <a:off x="4907756" y="862523"/>
-            <a:ext cx="1478756" cy="13729122"/>
+            <a:off x="4907757" y="1724965"/>
+            <a:ext cx="1478756" cy="27456899"/>
           </a:xfrm>
         </p:spPr>
         <p:txBody>
@@ -606,21 +544,16 @@
           <a:lstStyle/>
           <a:p>
             <a:r>
-              <a:rPr kumimoji="1" lang="ja-JP" altLang="en-US"/>
+              <a:rPr lang="ja-JP" altLang="en-US"/>
               <a:t>マスター タイトルの書式設定</a:t>
             </a:r>
-          </a:p>
-        </p:txBody>
-      </p:sp>
-      <p:sp>
-        <p:nvSpPr>
-          <p:cNvPr id="3" name="縦書きテキスト プレースホルダー 2">
-            <a:extLst>
-              <a:ext uri="{FF2B5EF4-FFF2-40B4-BE49-F238E27FC236}">
-                <a16:creationId xmlns:a16="http://schemas.microsoft.com/office/drawing/2014/main" id="{C8C539EF-DA5F-4326-A658-A5B5F303EDEF}"/>
-              </a:ext>
-            </a:extLst>
-          </p:cNvPr>
+            <a:endParaRPr lang="en-US" dirty="0"/>
+          </a:p>
+        </p:txBody>
+      </p:sp>
+      <p:sp>
+        <p:nvSpPr>
+          <p:cNvPr id="3" name="Vertical Text Placeholder 2"/>
           <p:cNvSpPr>
             <a:spLocks noGrp="1"/>
           </p:cNvSpPr>
@@ -630,8 +563,8 @@
         </p:nvSpPr>
         <p:spPr>
           <a:xfrm>
-            <a:off x="471487" y="862523"/>
-            <a:ext cx="4350544" cy="13729122"/>
+            <a:off x="471488" y="1724965"/>
+            <a:ext cx="4350544" cy="27456899"/>
           </a:xfrm>
         </p:spPr>
         <p:txBody>
@@ -640,81 +573,76 @@
           <a:p>
             <a:pPr lvl="0"/>
             <a:r>
-              <a:rPr kumimoji="1" lang="ja-JP" altLang="en-US"/>
+              <a:rPr lang="ja-JP" altLang="en-US"/>
               <a:t>マスター テキストの書式設定</a:t>
             </a:r>
           </a:p>
           <a:p>
             <a:pPr lvl="1"/>
             <a:r>
-              <a:rPr kumimoji="1" lang="ja-JP" altLang="en-US"/>
+              <a:rPr lang="ja-JP" altLang="en-US"/>
               <a:t>第 </a:t>
             </a:r>
             <a:r>
-              <a:rPr kumimoji="1" lang="en-US" altLang="ja-JP"/>
+              <a:rPr lang="en-US" altLang="ja-JP"/>
               <a:t>2 </a:t>
             </a:r>
             <a:r>
-              <a:rPr kumimoji="1" lang="ja-JP" altLang="en-US"/>
+              <a:rPr lang="ja-JP" altLang="en-US"/>
               <a:t>レベル</a:t>
             </a:r>
           </a:p>
           <a:p>
             <a:pPr lvl="2"/>
             <a:r>
-              <a:rPr kumimoji="1" lang="ja-JP" altLang="en-US"/>
+              <a:rPr lang="ja-JP" altLang="en-US"/>
               <a:t>第 </a:t>
             </a:r>
             <a:r>
-              <a:rPr kumimoji="1" lang="en-US" altLang="ja-JP"/>
+              <a:rPr lang="en-US" altLang="ja-JP"/>
               <a:t>3 </a:t>
             </a:r>
             <a:r>
-              <a:rPr kumimoji="1" lang="ja-JP" altLang="en-US"/>
+              <a:rPr lang="ja-JP" altLang="en-US"/>
               <a:t>レベル</a:t>
             </a:r>
           </a:p>
           <a:p>
             <a:pPr lvl="3"/>
             <a:r>
-              <a:rPr kumimoji="1" lang="ja-JP" altLang="en-US"/>
+              <a:rPr lang="ja-JP" altLang="en-US"/>
               <a:t>第 </a:t>
             </a:r>
             <a:r>
-              <a:rPr kumimoji="1" lang="en-US" altLang="ja-JP"/>
+              <a:rPr lang="en-US" altLang="ja-JP"/>
               <a:t>4 </a:t>
             </a:r>
             <a:r>
-              <a:rPr kumimoji="1" lang="ja-JP" altLang="en-US"/>
+              <a:rPr lang="ja-JP" altLang="en-US"/>
               <a:t>レベル</a:t>
             </a:r>
           </a:p>
           <a:p>
             <a:pPr lvl="4"/>
             <a:r>
-              <a:rPr kumimoji="1" lang="ja-JP" altLang="en-US"/>
+              <a:rPr lang="ja-JP" altLang="en-US"/>
               <a:t>第 </a:t>
             </a:r>
             <a:r>
-              <a:rPr kumimoji="1" lang="en-US" altLang="ja-JP"/>
+              <a:rPr lang="en-US" altLang="ja-JP"/>
               <a:t>5 </a:t>
             </a:r>
             <a:r>
-              <a:rPr kumimoji="1" lang="ja-JP" altLang="en-US"/>
+              <a:rPr lang="ja-JP" altLang="en-US"/>
               <a:t>レベル</a:t>
             </a:r>
-          </a:p>
-        </p:txBody>
-      </p:sp>
-      <p:sp>
-        <p:nvSpPr>
-          <p:cNvPr id="4" name="日付プレースホルダー 3">
-            <a:extLst>
-              <a:ext uri="{FF2B5EF4-FFF2-40B4-BE49-F238E27FC236}">
-                <a16:creationId xmlns:a16="http://schemas.microsoft.com/office/drawing/2014/main" id="{8BD18FF1-82FA-437D-8487-333A08749724}"/>
-              </a:ext>
-            </a:extLst>
-          </p:cNvPr>
+            <a:endParaRPr lang="en-US" dirty="0"/>
+          </a:p>
+        </p:txBody>
+      </p:sp>
+      <p:sp>
+        <p:nvSpPr>
+          <p:cNvPr id="4" name="Date Placeholder 3"/>
           <p:cNvSpPr>
             <a:spLocks noGrp="1"/>
           </p:cNvSpPr>
@@ -737,13 +665,7 @@
       </p:sp>
       <p:sp>
         <p:nvSpPr>
-          <p:cNvPr id="5" name="フッター プレースホルダー 4">
-            <a:extLst>
-              <a:ext uri="{FF2B5EF4-FFF2-40B4-BE49-F238E27FC236}">
-                <a16:creationId xmlns:a16="http://schemas.microsoft.com/office/drawing/2014/main" id="{128914C6-4D1F-4DCD-AA6E-825C16A2E63D}"/>
-              </a:ext>
-            </a:extLst>
-          </p:cNvPr>
+          <p:cNvPr id="5" name="Footer Placeholder 4"/>
           <p:cNvSpPr>
             <a:spLocks noGrp="1"/>
           </p:cNvSpPr>
@@ -762,13 +684,7 @@
       </p:sp>
       <p:sp>
         <p:nvSpPr>
-          <p:cNvPr id="6" name="スライド番号プレースホルダー 5">
-            <a:extLst>
-              <a:ext uri="{FF2B5EF4-FFF2-40B4-BE49-F238E27FC236}">
-                <a16:creationId xmlns:a16="http://schemas.microsoft.com/office/drawing/2014/main" id="{97027061-7385-44D4-9A37-18A0C25929F7}"/>
-              </a:ext>
-            </a:extLst>
-          </p:cNvPr>
+          <p:cNvPr id="6" name="Slide Number Placeholder 5"/>
           <p:cNvSpPr>
             <a:spLocks noGrp="1"/>
           </p:cNvSpPr>
@@ -792,7 +708,7 @@
     </p:spTree>
     <p:extLst>
       <p:ext uri="{BB962C8B-B14F-4D97-AF65-F5344CB8AC3E}">
-        <p14:creationId xmlns:p14="http://schemas.microsoft.com/office/powerpoint/2010/main" val="790878681"/>
+        <p14:creationId xmlns:p14="http://schemas.microsoft.com/office/powerpoint/2010/main" val="2203280659"/>
       </p:ext>
     </p:extLst>
   </p:cSld>
@@ -821,13 +737,7 @@
       </p:grpSpPr>
       <p:sp>
         <p:nvSpPr>
-          <p:cNvPr id="2" name="タイトル 1">
-            <a:extLst>
-              <a:ext uri="{FF2B5EF4-FFF2-40B4-BE49-F238E27FC236}">
-                <a16:creationId xmlns:a16="http://schemas.microsoft.com/office/drawing/2014/main" id="{96CBF623-6B2E-4DDC-AAA2-9AF721C0C1B5}"/>
-              </a:ext>
-            </a:extLst>
-          </p:cNvPr>
+          <p:cNvPr id="2" name="Title 1"/>
           <p:cNvSpPr>
             <a:spLocks noGrp="1"/>
           </p:cNvSpPr>
@@ -841,21 +751,16 @@
           <a:lstStyle/>
           <a:p>
             <a:r>
-              <a:rPr kumimoji="1" lang="ja-JP" altLang="en-US"/>
+              <a:rPr lang="ja-JP" altLang="en-US"/>
               <a:t>マスター タイトルの書式設定</a:t>
             </a:r>
-          </a:p>
-        </p:txBody>
-      </p:sp>
-      <p:sp>
-        <p:nvSpPr>
-          <p:cNvPr id="3" name="コンテンツ プレースホルダー 2">
-            <a:extLst>
-              <a:ext uri="{FF2B5EF4-FFF2-40B4-BE49-F238E27FC236}">
-                <a16:creationId xmlns:a16="http://schemas.microsoft.com/office/drawing/2014/main" id="{6ABEE9AC-1E67-46B5-AD87-57FBE3321E35}"/>
-              </a:ext>
-            </a:extLst>
-          </p:cNvPr>
+            <a:endParaRPr lang="en-US" dirty="0"/>
+          </a:p>
+        </p:txBody>
+      </p:sp>
+      <p:sp>
+        <p:nvSpPr>
+          <p:cNvPr id="3" name="Content Placeholder 2"/>
           <p:cNvSpPr>
             <a:spLocks noGrp="1"/>
           </p:cNvSpPr>
@@ -870,81 +775,76 @@
           <a:p>
             <a:pPr lvl="0"/>
             <a:r>
-              <a:rPr kumimoji="1" lang="ja-JP" altLang="en-US"/>
+              <a:rPr lang="ja-JP" altLang="en-US"/>
               <a:t>マスター テキストの書式設定</a:t>
             </a:r>
           </a:p>
           <a:p>
             <a:pPr lvl="1"/>
             <a:r>
-              <a:rPr kumimoji="1" lang="ja-JP" altLang="en-US"/>
+              <a:rPr lang="ja-JP" altLang="en-US"/>
               <a:t>第 </a:t>
             </a:r>
             <a:r>
-              <a:rPr kumimoji="1" lang="en-US" altLang="ja-JP"/>
+              <a:rPr lang="en-US" altLang="ja-JP"/>
               <a:t>2 </a:t>
             </a:r>
             <a:r>
-              <a:rPr kumimoji="1" lang="ja-JP" altLang="en-US"/>
+              <a:rPr lang="ja-JP" altLang="en-US"/>
               <a:t>レベル</a:t>
             </a:r>
           </a:p>
           <a:p>
             <a:pPr lvl="2"/>
             <a:r>
-              <a:rPr kumimoji="1" lang="ja-JP" altLang="en-US"/>
+              <a:rPr lang="ja-JP" altLang="en-US"/>
               <a:t>第 </a:t>
             </a:r>
             <a:r>
-              <a:rPr kumimoji="1" lang="en-US" altLang="ja-JP"/>
+              <a:rPr lang="en-US" altLang="ja-JP"/>
               <a:t>3 </a:t>
             </a:r>
             <a:r>
-              <a:rPr kumimoji="1" lang="ja-JP" altLang="en-US"/>
+              <a:rPr lang="ja-JP" altLang="en-US"/>
               <a:t>レベル</a:t>
             </a:r>
           </a:p>
           <a:p>
             <a:pPr lvl="3"/>
             <a:r>
-              <a:rPr kumimoji="1" lang="ja-JP" altLang="en-US"/>
+              <a:rPr lang="ja-JP" altLang="en-US"/>
               <a:t>第 </a:t>
             </a:r>
             <a:r>
-              <a:rPr kumimoji="1" lang="en-US" altLang="ja-JP"/>
+              <a:rPr lang="en-US" altLang="ja-JP"/>
               <a:t>4 </a:t>
             </a:r>
             <a:r>
-              <a:rPr kumimoji="1" lang="ja-JP" altLang="en-US"/>
+              <a:rPr lang="ja-JP" altLang="en-US"/>
               <a:t>レベル</a:t>
             </a:r>
           </a:p>
           <a:p>
             <a:pPr lvl="4"/>
             <a:r>
-              <a:rPr kumimoji="1" lang="ja-JP" altLang="en-US"/>
+              <a:rPr lang="ja-JP" altLang="en-US"/>
               <a:t>第 </a:t>
             </a:r>
             <a:r>
-              <a:rPr kumimoji="1" lang="en-US" altLang="ja-JP"/>
+              <a:rPr lang="en-US" altLang="ja-JP"/>
               <a:t>5 </a:t>
             </a:r>
             <a:r>
-              <a:rPr kumimoji="1" lang="ja-JP" altLang="en-US"/>
+              <a:rPr lang="ja-JP" altLang="en-US"/>
               <a:t>レベル</a:t>
             </a:r>
-          </a:p>
-        </p:txBody>
-      </p:sp>
-      <p:sp>
-        <p:nvSpPr>
-          <p:cNvPr id="4" name="日付プレースホルダー 3">
-            <a:extLst>
-              <a:ext uri="{FF2B5EF4-FFF2-40B4-BE49-F238E27FC236}">
-                <a16:creationId xmlns:a16="http://schemas.microsoft.com/office/drawing/2014/main" id="{7511DD63-DBB6-4369-B2AB-46A83769E349}"/>
-              </a:ext>
-            </a:extLst>
-          </p:cNvPr>
+            <a:endParaRPr lang="en-US" dirty="0"/>
+          </a:p>
+        </p:txBody>
+      </p:sp>
+      <p:sp>
+        <p:nvSpPr>
+          <p:cNvPr id="4" name="Date Placeholder 3"/>
           <p:cNvSpPr>
             <a:spLocks noGrp="1"/>
           </p:cNvSpPr>
@@ -967,13 +867,7 @@
       </p:sp>
       <p:sp>
         <p:nvSpPr>
-          <p:cNvPr id="5" name="フッター プレースホルダー 4">
-            <a:extLst>
-              <a:ext uri="{FF2B5EF4-FFF2-40B4-BE49-F238E27FC236}">
-                <a16:creationId xmlns:a16="http://schemas.microsoft.com/office/drawing/2014/main" id="{AFF1FA9E-398C-4FB3-B6EA-84BC9448C75F}"/>
-              </a:ext>
-            </a:extLst>
-          </p:cNvPr>
+          <p:cNvPr id="5" name="Footer Placeholder 4"/>
           <p:cNvSpPr>
             <a:spLocks noGrp="1"/>
           </p:cNvSpPr>
@@ -992,13 +886,7 @@
       </p:sp>
       <p:sp>
         <p:nvSpPr>
-          <p:cNvPr id="6" name="スライド番号プレースホルダー 5">
-            <a:extLst>
-              <a:ext uri="{FF2B5EF4-FFF2-40B4-BE49-F238E27FC236}">
-                <a16:creationId xmlns:a16="http://schemas.microsoft.com/office/drawing/2014/main" id="{F1F50184-4A4F-48B9-98C5-8DBF9251FA4E}"/>
-              </a:ext>
-            </a:extLst>
-          </p:cNvPr>
+          <p:cNvPr id="6" name="Slide Number Placeholder 5"/>
           <p:cNvSpPr>
             <a:spLocks noGrp="1"/>
           </p:cNvSpPr>
@@ -1022,7 +910,7 @@
     </p:spTree>
     <p:extLst>
       <p:ext uri="{BB962C8B-B14F-4D97-AF65-F5344CB8AC3E}">
-        <p14:creationId xmlns:p14="http://schemas.microsoft.com/office/powerpoint/2010/main" val="4066959923"/>
+        <p14:creationId xmlns:p14="http://schemas.microsoft.com/office/powerpoint/2010/main" val="1036679050"/>
       </p:ext>
     </p:extLst>
   </p:cSld>
@@ -1051,13 +939,7 @@
       </p:grpSpPr>
       <p:sp>
         <p:nvSpPr>
-          <p:cNvPr id="2" name="タイトル 1">
-            <a:extLst>
-              <a:ext uri="{FF2B5EF4-FFF2-40B4-BE49-F238E27FC236}">
-                <a16:creationId xmlns:a16="http://schemas.microsoft.com/office/drawing/2014/main" id="{E2C8A544-51CC-4261-83D1-0CD66931716E}"/>
-              </a:ext>
-            </a:extLst>
-          </p:cNvPr>
+          <p:cNvPr id="2" name="Title 1"/>
           <p:cNvSpPr>
             <a:spLocks noGrp="1"/>
           </p:cNvSpPr>
@@ -1067,34 +949,29 @@
         </p:nvSpPr>
         <p:spPr>
           <a:xfrm>
-            <a:off x="467917" y="4038862"/>
-            <a:ext cx="5915025" cy="6738930"/>
+            <a:off x="467920" y="8077334"/>
+            <a:ext cx="5915025" cy="13477202"/>
           </a:xfrm>
         </p:spPr>
         <p:txBody>
           <a:bodyPr anchor="b"/>
           <a:lstStyle>
             <a:lvl1pPr>
-              <a:defRPr sz="3375"/>
+              <a:defRPr sz="4500"/>
             </a:lvl1pPr>
           </a:lstStyle>
           <a:p>
             <a:r>
-              <a:rPr kumimoji="1" lang="ja-JP" altLang="en-US"/>
+              <a:rPr lang="ja-JP" altLang="en-US"/>
               <a:t>マスター タイトルの書式設定</a:t>
             </a:r>
-          </a:p>
-        </p:txBody>
-      </p:sp>
-      <p:sp>
-        <p:nvSpPr>
-          <p:cNvPr id="3" name="テキスト プレースホルダー 2">
-            <a:extLst>
-              <a:ext uri="{FF2B5EF4-FFF2-40B4-BE49-F238E27FC236}">
-                <a16:creationId xmlns:a16="http://schemas.microsoft.com/office/drawing/2014/main" id="{40D443F1-CE5C-4491-9AF2-EBD1C946ED72}"/>
-              </a:ext>
-            </a:extLst>
-          </p:cNvPr>
+            <a:endParaRPr lang="en-US" dirty="0"/>
+          </a:p>
+        </p:txBody>
+      </p:sp>
+      <p:sp>
+        <p:nvSpPr>
+          <p:cNvPr id="3" name="Text Placeholder 2"/>
           <p:cNvSpPr>
             <a:spLocks noGrp="1"/>
           </p:cNvSpPr>
@@ -1104,8 +981,8 @@
         </p:nvSpPr>
         <p:spPr>
           <a:xfrm>
-            <a:off x="467917" y="10841546"/>
-            <a:ext cx="5915025" cy="3543844"/>
+            <a:off x="467920" y="21682034"/>
+            <a:ext cx="5915025" cy="7087343"/>
           </a:xfrm>
         </p:spPr>
         <p:txBody>
@@ -1113,99 +990,97 @@
           <a:lstStyle>
             <a:lvl1pPr marL="0" indent="0">
               <a:buNone/>
-              <a:defRPr sz="1350">
+              <a:defRPr sz="1800">
+                <a:solidFill>
+                  <a:schemeClr val="tx1"/>
+                </a:solidFill>
+              </a:defRPr>
+            </a:lvl1pPr>
+            <a:lvl2pPr marL="342917" indent="0">
+              <a:buNone/>
+              <a:defRPr sz="1500">
                 <a:solidFill>
                   <a:schemeClr val="tx1">
                     <a:tint val="75000"/>
                   </a:schemeClr>
                 </a:solidFill>
               </a:defRPr>
-            </a:lvl1pPr>
-            <a:lvl2pPr marL="257175" indent="0">
+            </a:lvl2pPr>
+            <a:lvl3pPr marL="685835" indent="0">
               <a:buNone/>
-              <a:defRPr sz="1125">
+              <a:defRPr sz="1350">
                 <a:solidFill>
                   <a:schemeClr val="tx1">
                     <a:tint val="75000"/>
                   </a:schemeClr>
                 </a:solidFill>
               </a:defRPr>
-            </a:lvl2pPr>
-            <a:lvl3pPr marL="514350" indent="0">
+            </a:lvl3pPr>
+            <a:lvl4pPr marL="1028751" indent="0">
               <a:buNone/>
-              <a:defRPr sz="1013">
+              <a:defRPr sz="1200">
                 <a:solidFill>
                   <a:schemeClr val="tx1">
                     <a:tint val="75000"/>
                   </a:schemeClr>
                 </a:solidFill>
               </a:defRPr>
-            </a:lvl3pPr>
-            <a:lvl4pPr marL="771525" indent="0">
+            </a:lvl4pPr>
+            <a:lvl5pPr marL="1371669" indent="0">
               <a:buNone/>
-              <a:defRPr sz="900">
+              <a:defRPr sz="1200">
                 <a:solidFill>
                   <a:schemeClr val="tx1">
                     <a:tint val="75000"/>
                   </a:schemeClr>
                 </a:solidFill>
               </a:defRPr>
-            </a:lvl4pPr>
-            <a:lvl5pPr marL="1028700" indent="0">
+            </a:lvl5pPr>
+            <a:lvl6pPr marL="1714586" indent="0">
               <a:buNone/>
-              <a:defRPr sz="900">
+              <a:defRPr sz="1200">
                 <a:solidFill>
                   <a:schemeClr val="tx1">
                     <a:tint val="75000"/>
                   </a:schemeClr>
                 </a:solidFill>
               </a:defRPr>
-            </a:lvl5pPr>
-            <a:lvl6pPr marL="1285875" indent="0">
+            </a:lvl6pPr>
+            <a:lvl7pPr marL="2057504" indent="0">
               <a:buNone/>
-              <a:defRPr sz="900">
+              <a:defRPr sz="1200">
                 <a:solidFill>
                   <a:schemeClr val="tx1">
                     <a:tint val="75000"/>
                   </a:schemeClr>
                 </a:solidFill>
               </a:defRPr>
-            </a:lvl6pPr>
-            <a:lvl7pPr marL="1543050" indent="0">
+            </a:lvl7pPr>
+            <a:lvl8pPr marL="2400420" indent="0">
               <a:buNone/>
-              <a:defRPr sz="900">
+              <a:defRPr sz="1200">
                 <a:solidFill>
                   <a:schemeClr val="tx1">
                     <a:tint val="75000"/>
                   </a:schemeClr>
                 </a:solidFill>
               </a:defRPr>
-            </a:lvl7pPr>
-            <a:lvl8pPr marL="1800225" indent="0">
+            </a:lvl8pPr>
+            <a:lvl9pPr marL="2743337" indent="0">
               <a:buNone/>
-              <a:defRPr sz="900">
+              <a:defRPr sz="1200">
                 <a:solidFill>
                   <a:schemeClr val="tx1">
                     <a:tint val="75000"/>
                   </a:schemeClr>
                 </a:solidFill>
               </a:defRPr>
-            </a:lvl8pPr>
-            <a:lvl9pPr marL="2057400" indent="0">
-              <a:buNone/>
-              <a:defRPr sz="900">
-                <a:solidFill>
-                  <a:schemeClr val="tx1">
-                    <a:tint val="75000"/>
-                  </a:schemeClr>
-                </a:solidFill>
-              </a:defRPr>
             </a:lvl9pPr>
           </a:lstStyle>
           <a:p>
             <a:pPr lvl="0"/>
             <a:r>
-              <a:rPr kumimoji="1" lang="ja-JP" altLang="en-US"/>
+              <a:rPr lang="ja-JP" altLang="en-US"/>
               <a:t>マスター テキストの書式設定</a:t>
             </a:r>
           </a:p>
@@ -1213,13 +1088,7 @@
       </p:sp>
       <p:sp>
         <p:nvSpPr>
-          <p:cNvPr id="4" name="日付プレースホルダー 3">
-            <a:extLst>
-              <a:ext uri="{FF2B5EF4-FFF2-40B4-BE49-F238E27FC236}">
-                <a16:creationId xmlns:a16="http://schemas.microsoft.com/office/drawing/2014/main" id="{49ADA959-BB6C-4785-8228-572A59C87018}"/>
-              </a:ext>
-            </a:extLst>
-          </p:cNvPr>
+          <p:cNvPr id="4" name="Date Placeholder 3"/>
           <p:cNvSpPr>
             <a:spLocks noGrp="1"/>
           </p:cNvSpPr>
@@ -1242,13 +1111,7 @@
       </p:sp>
       <p:sp>
         <p:nvSpPr>
-          <p:cNvPr id="5" name="フッター プレースホルダー 4">
-            <a:extLst>
-              <a:ext uri="{FF2B5EF4-FFF2-40B4-BE49-F238E27FC236}">
-                <a16:creationId xmlns:a16="http://schemas.microsoft.com/office/drawing/2014/main" id="{BC151C85-FD6C-4897-9B7C-596281111FB3}"/>
-              </a:ext>
-            </a:extLst>
-          </p:cNvPr>
+          <p:cNvPr id="5" name="Footer Placeholder 4"/>
           <p:cNvSpPr>
             <a:spLocks noGrp="1"/>
           </p:cNvSpPr>
@@ -1267,13 +1130,7 @@
       </p:sp>
       <p:sp>
         <p:nvSpPr>
-          <p:cNvPr id="6" name="スライド番号プレースホルダー 5">
-            <a:extLst>
-              <a:ext uri="{FF2B5EF4-FFF2-40B4-BE49-F238E27FC236}">
-                <a16:creationId xmlns:a16="http://schemas.microsoft.com/office/drawing/2014/main" id="{5E291877-1AB9-4B7E-81D3-8350D5A1AB5A}"/>
-              </a:ext>
-            </a:extLst>
-          </p:cNvPr>
+          <p:cNvPr id="6" name="Slide Number Placeholder 5"/>
           <p:cNvSpPr>
             <a:spLocks noGrp="1"/>
           </p:cNvSpPr>
@@ -1297,7 +1154,7 @@
     </p:spTree>
     <p:extLst>
       <p:ext uri="{BB962C8B-B14F-4D97-AF65-F5344CB8AC3E}">
-        <p14:creationId xmlns:p14="http://schemas.microsoft.com/office/powerpoint/2010/main" val="828366055"/>
+        <p14:creationId xmlns:p14="http://schemas.microsoft.com/office/powerpoint/2010/main" val="1101917985"/>
       </p:ext>
     </p:extLst>
   </p:cSld>
@@ -1326,13 +1183,7 @@
       </p:grpSpPr>
       <p:sp>
         <p:nvSpPr>
-          <p:cNvPr id="2" name="タイトル 1">
-            <a:extLst>
-              <a:ext uri="{FF2B5EF4-FFF2-40B4-BE49-F238E27FC236}">
-                <a16:creationId xmlns:a16="http://schemas.microsoft.com/office/drawing/2014/main" id="{7C3FB6DF-7E50-4E98-AB96-2DD1C2572C0A}"/>
-              </a:ext>
-            </a:extLst>
-          </p:cNvPr>
+          <p:cNvPr id="2" name="Title 1"/>
           <p:cNvSpPr>
             <a:spLocks noGrp="1"/>
           </p:cNvSpPr>
@@ -1346,21 +1197,16 @@
           <a:lstStyle/>
           <a:p>
             <a:r>
-              <a:rPr kumimoji="1" lang="ja-JP" altLang="en-US"/>
+              <a:rPr lang="ja-JP" altLang="en-US"/>
               <a:t>マスター タイトルの書式設定</a:t>
             </a:r>
-          </a:p>
-        </p:txBody>
-      </p:sp>
-      <p:sp>
-        <p:nvSpPr>
-          <p:cNvPr id="3" name="コンテンツ プレースホルダー 2">
-            <a:extLst>
-              <a:ext uri="{FF2B5EF4-FFF2-40B4-BE49-F238E27FC236}">
-                <a16:creationId xmlns:a16="http://schemas.microsoft.com/office/drawing/2014/main" id="{EF2DCFE4-352F-4512-9039-8A9C8D03A78C}"/>
-              </a:ext>
-            </a:extLst>
-          </p:cNvPr>
+            <a:endParaRPr lang="en-US" dirty="0"/>
+          </a:p>
+        </p:txBody>
+      </p:sp>
+      <p:sp>
+        <p:nvSpPr>
+          <p:cNvPr id="3" name="Content Placeholder 2"/>
           <p:cNvSpPr>
             <a:spLocks noGrp="1"/>
           </p:cNvSpPr>
@@ -1370,8 +1216,8 @@
         </p:nvSpPr>
         <p:spPr>
           <a:xfrm>
-            <a:off x="471488" y="4312617"/>
-            <a:ext cx="2914650" cy="10279029"/>
+            <a:off x="471488" y="8624811"/>
+            <a:ext cx="2914650" cy="20557050"/>
           </a:xfrm>
         </p:spPr>
         <p:txBody>
@@ -1380,81 +1226,76 @@
           <a:p>
             <a:pPr lvl="0"/>
             <a:r>
-              <a:rPr kumimoji="1" lang="ja-JP" altLang="en-US"/>
+              <a:rPr lang="ja-JP" altLang="en-US"/>
               <a:t>マスター テキストの書式設定</a:t>
             </a:r>
           </a:p>
           <a:p>
             <a:pPr lvl="1"/>
             <a:r>
-              <a:rPr kumimoji="1" lang="ja-JP" altLang="en-US"/>
+              <a:rPr lang="ja-JP" altLang="en-US"/>
               <a:t>第 </a:t>
             </a:r>
             <a:r>
-              <a:rPr kumimoji="1" lang="en-US" altLang="ja-JP"/>
+              <a:rPr lang="en-US" altLang="ja-JP"/>
               <a:t>2 </a:t>
             </a:r>
             <a:r>
-              <a:rPr kumimoji="1" lang="ja-JP" altLang="en-US"/>
+              <a:rPr lang="ja-JP" altLang="en-US"/>
               <a:t>レベル</a:t>
             </a:r>
           </a:p>
           <a:p>
             <a:pPr lvl="2"/>
             <a:r>
-              <a:rPr kumimoji="1" lang="ja-JP" altLang="en-US"/>
+              <a:rPr lang="ja-JP" altLang="en-US"/>
               <a:t>第 </a:t>
             </a:r>
             <a:r>
-              <a:rPr kumimoji="1" lang="en-US" altLang="ja-JP"/>
+              <a:rPr lang="en-US" altLang="ja-JP"/>
               <a:t>3 </a:t>
             </a:r>
             <a:r>
-              <a:rPr kumimoji="1" lang="ja-JP" altLang="en-US"/>
+              <a:rPr lang="ja-JP" altLang="en-US"/>
               <a:t>レベル</a:t>
             </a:r>
           </a:p>
           <a:p>
             <a:pPr lvl="3"/>
             <a:r>
-              <a:rPr kumimoji="1" lang="ja-JP" altLang="en-US"/>
+              <a:rPr lang="ja-JP" altLang="en-US"/>
               <a:t>第 </a:t>
             </a:r>
             <a:r>
-              <a:rPr kumimoji="1" lang="en-US" altLang="ja-JP"/>
+              <a:rPr lang="en-US" altLang="ja-JP"/>
               <a:t>4 </a:t>
             </a:r>
             <a:r>
-              <a:rPr kumimoji="1" lang="ja-JP" altLang="en-US"/>
+              <a:rPr lang="ja-JP" altLang="en-US"/>
               <a:t>レベル</a:t>
             </a:r>
           </a:p>
           <a:p>
             <a:pPr lvl="4"/>
             <a:r>
-              <a:rPr kumimoji="1" lang="ja-JP" altLang="en-US"/>
+              <a:rPr lang="ja-JP" altLang="en-US"/>
               <a:t>第 </a:t>
             </a:r>
             <a:r>
-              <a:rPr kumimoji="1" lang="en-US" altLang="ja-JP"/>
+              <a:rPr lang="en-US" altLang="ja-JP"/>
               <a:t>5 </a:t>
             </a:r>
             <a:r>
-              <a:rPr kumimoji="1" lang="ja-JP" altLang="en-US"/>
+              <a:rPr lang="ja-JP" altLang="en-US"/>
               <a:t>レベル</a:t>
             </a:r>
-          </a:p>
-        </p:txBody>
-      </p:sp>
-      <p:sp>
-        <p:nvSpPr>
-          <p:cNvPr id="4" name="コンテンツ プレースホルダー 3">
-            <a:extLst>
-              <a:ext uri="{FF2B5EF4-FFF2-40B4-BE49-F238E27FC236}">
-                <a16:creationId xmlns:a16="http://schemas.microsoft.com/office/drawing/2014/main" id="{D404406D-5787-4734-8949-216460A88E04}"/>
-              </a:ext>
-            </a:extLst>
-          </p:cNvPr>
+            <a:endParaRPr lang="en-US" dirty="0"/>
+          </a:p>
+        </p:txBody>
+      </p:sp>
+      <p:sp>
+        <p:nvSpPr>
+          <p:cNvPr id="4" name="Content Placeholder 3"/>
           <p:cNvSpPr>
             <a:spLocks noGrp="1"/>
           </p:cNvSpPr>
@@ -1464,8 +1305,8 @@
         </p:nvSpPr>
         <p:spPr>
           <a:xfrm>
-            <a:off x="3471863" y="4312617"/>
-            <a:ext cx="2914650" cy="10279029"/>
+            <a:off x="3471863" y="8624811"/>
+            <a:ext cx="2914650" cy="20557050"/>
           </a:xfrm>
         </p:spPr>
         <p:txBody>
@@ -1474,81 +1315,76 @@
           <a:p>
             <a:pPr lvl="0"/>
             <a:r>
-              <a:rPr kumimoji="1" lang="ja-JP" altLang="en-US"/>
+              <a:rPr lang="ja-JP" altLang="en-US"/>
               <a:t>マスター テキストの書式設定</a:t>
             </a:r>
           </a:p>
           <a:p>
             <a:pPr lvl="1"/>
             <a:r>
-              <a:rPr kumimoji="1" lang="ja-JP" altLang="en-US"/>
+              <a:rPr lang="ja-JP" altLang="en-US"/>
               <a:t>第 </a:t>
             </a:r>
             <a:r>
-              <a:rPr kumimoji="1" lang="en-US" altLang="ja-JP"/>
+              <a:rPr lang="en-US" altLang="ja-JP"/>
               <a:t>2 </a:t>
             </a:r>
             <a:r>
-              <a:rPr kumimoji="1" lang="ja-JP" altLang="en-US"/>
+              <a:rPr lang="ja-JP" altLang="en-US"/>
               <a:t>レベル</a:t>
             </a:r>
           </a:p>
           <a:p>
             <a:pPr lvl="2"/>
             <a:r>
-              <a:rPr kumimoji="1" lang="ja-JP" altLang="en-US"/>
+              <a:rPr lang="ja-JP" altLang="en-US"/>
               <a:t>第 </a:t>
             </a:r>
             <a:r>
-              <a:rPr kumimoji="1" lang="en-US" altLang="ja-JP"/>
+              <a:rPr lang="en-US" altLang="ja-JP"/>
               <a:t>3 </a:t>
             </a:r>
             <a:r>
-              <a:rPr kumimoji="1" lang="ja-JP" altLang="en-US"/>
+              <a:rPr lang="ja-JP" altLang="en-US"/>
               <a:t>レベル</a:t>
             </a:r>
           </a:p>
           <a:p>
             <a:pPr lvl="3"/>
             <a:r>
-              <a:rPr kumimoji="1" lang="ja-JP" altLang="en-US"/>
+              <a:rPr lang="ja-JP" altLang="en-US"/>
               <a:t>第 </a:t>
             </a:r>
             <a:r>
-              <a:rPr kumimoji="1" lang="en-US" altLang="ja-JP"/>
+              <a:rPr lang="en-US" altLang="ja-JP"/>
               <a:t>4 </a:t>
             </a:r>
             <a:r>
-              <a:rPr kumimoji="1" lang="ja-JP" altLang="en-US"/>
+              <a:rPr lang="ja-JP" altLang="en-US"/>
               <a:t>レベル</a:t>
             </a:r>
           </a:p>
           <a:p>
             <a:pPr lvl="4"/>
             <a:r>
-              <a:rPr kumimoji="1" lang="ja-JP" altLang="en-US"/>
+              <a:rPr lang="ja-JP" altLang="en-US"/>
               <a:t>第 </a:t>
             </a:r>
             <a:r>
-              <a:rPr kumimoji="1" lang="en-US" altLang="ja-JP"/>
+              <a:rPr lang="en-US" altLang="ja-JP"/>
               <a:t>5 </a:t>
             </a:r>
             <a:r>
-              <a:rPr kumimoji="1" lang="ja-JP" altLang="en-US"/>
+              <a:rPr lang="ja-JP" altLang="en-US"/>
               <a:t>レベル</a:t>
             </a:r>
-          </a:p>
-        </p:txBody>
-      </p:sp>
-      <p:sp>
-        <p:nvSpPr>
-          <p:cNvPr id="5" name="日付プレースホルダー 4">
-            <a:extLst>
-              <a:ext uri="{FF2B5EF4-FFF2-40B4-BE49-F238E27FC236}">
-                <a16:creationId xmlns:a16="http://schemas.microsoft.com/office/drawing/2014/main" id="{E68F4455-28AE-4D54-B7F0-0D14C51E23D9}"/>
-              </a:ext>
-            </a:extLst>
-          </p:cNvPr>
+            <a:endParaRPr lang="en-US" dirty="0"/>
+          </a:p>
+        </p:txBody>
+      </p:sp>
+      <p:sp>
+        <p:nvSpPr>
+          <p:cNvPr id="5" name="Date Placeholder 4"/>
           <p:cNvSpPr>
             <a:spLocks noGrp="1"/>
           </p:cNvSpPr>
@@ -1571,13 +1407,7 @@
       </p:sp>
       <p:sp>
         <p:nvSpPr>
-          <p:cNvPr id="6" name="フッター プレースホルダー 5">
-            <a:extLst>
-              <a:ext uri="{FF2B5EF4-FFF2-40B4-BE49-F238E27FC236}">
-                <a16:creationId xmlns:a16="http://schemas.microsoft.com/office/drawing/2014/main" id="{CF6B7356-2ACD-42AC-9180-BA5A626309CB}"/>
-              </a:ext>
-            </a:extLst>
-          </p:cNvPr>
+          <p:cNvPr id="6" name="Footer Placeholder 5"/>
           <p:cNvSpPr>
             <a:spLocks noGrp="1"/>
           </p:cNvSpPr>
@@ -1596,13 +1426,7 @@
       </p:sp>
       <p:sp>
         <p:nvSpPr>
-          <p:cNvPr id="7" name="スライド番号プレースホルダー 6">
-            <a:extLst>
-              <a:ext uri="{FF2B5EF4-FFF2-40B4-BE49-F238E27FC236}">
-                <a16:creationId xmlns:a16="http://schemas.microsoft.com/office/drawing/2014/main" id="{BA7D5E30-2D98-4692-BEF5-0352D8F2AAC5}"/>
-              </a:ext>
-            </a:extLst>
-          </p:cNvPr>
+          <p:cNvPr id="7" name="Slide Number Placeholder 6"/>
           <p:cNvSpPr>
             <a:spLocks noGrp="1"/>
           </p:cNvSpPr>
@@ -1626,7 +1450,7 @@
     </p:spTree>
     <p:extLst>
       <p:ext uri="{BB962C8B-B14F-4D97-AF65-F5344CB8AC3E}">
-        <p14:creationId xmlns:p14="http://schemas.microsoft.com/office/powerpoint/2010/main" val="2389160388"/>
+        <p14:creationId xmlns:p14="http://schemas.microsoft.com/office/powerpoint/2010/main" val="1082454046"/>
       </p:ext>
     </p:extLst>
   </p:cSld>
@@ -1655,13 +1479,7 @@
       </p:grpSpPr>
       <p:sp>
         <p:nvSpPr>
-          <p:cNvPr id="2" name="タイトル 1">
-            <a:extLst>
-              <a:ext uri="{FF2B5EF4-FFF2-40B4-BE49-F238E27FC236}">
-                <a16:creationId xmlns:a16="http://schemas.microsoft.com/office/drawing/2014/main" id="{B90F3CBB-595F-48F4-8F68-8603DEA87CF1}"/>
-              </a:ext>
-            </a:extLst>
-          </p:cNvPr>
+          <p:cNvPr id="2" name="Title 1"/>
           <p:cNvSpPr>
             <a:spLocks noGrp="1"/>
           </p:cNvSpPr>
@@ -1671,8 +1489,8 @@
         </p:nvSpPr>
         <p:spPr>
           <a:xfrm>
-            <a:off x="472382" y="862525"/>
-            <a:ext cx="5915025" cy="3131335"/>
+            <a:off x="472385" y="1724970"/>
+            <a:ext cx="5915025" cy="6262365"/>
           </a:xfrm>
         </p:spPr>
         <p:txBody>
@@ -1680,21 +1498,16 @@
           <a:lstStyle/>
           <a:p>
             <a:r>
-              <a:rPr kumimoji="1" lang="ja-JP" altLang="en-US"/>
+              <a:rPr lang="ja-JP" altLang="en-US"/>
               <a:t>マスター タイトルの書式設定</a:t>
             </a:r>
-          </a:p>
-        </p:txBody>
-      </p:sp>
-      <p:sp>
-        <p:nvSpPr>
-          <p:cNvPr id="3" name="テキスト プレースホルダー 2">
-            <a:extLst>
-              <a:ext uri="{FF2B5EF4-FFF2-40B4-BE49-F238E27FC236}">
-                <a16:creationId xmlns:a16="http://schemas.microsoft.com/office/drawing/2014/main" id="{6748CEC7-9305-4CCF-8CA5-5CC8C1C44E29}"/>
-              </a:ext>
-            </a:extLst>
-          </p:cNvPr>
+            <a:endParaRPr lang="en-US" dirty="0"/>
+          </a:p>
+        </p:txBody>
+      </p:sp>
+      <p:sp>
+        <p:nvSpPr>
+          <p:cNvPr id="3" name="Text Placeholder 2"/>
           <p:cNvSpPr>
             <a:spLocks noGrp="1"/>
           </p:cNvSpPr>
@@ -1704,8 +1517,8 @@
         </p:nvSpPr>
         <p:spPr>
           <a:xfrm>
-            <a:off x="472381" y="3971358"/>
-            <a:ext cx="2901255" cy="1946301"/>
+            <a:off x="472381" y="7942328"/>
+            <a:ext cx="2901255" cy="3892412"/>
           </a:xfrm>
         </p:spPr>
         <p:txBody>
@@ -1713,45 +1526,45 @@
           <a:lstStyle>
             <a:lvl1pPr marL="0" indent="0">
               <a:buNone/>
+              <a:defRPr sz="1800" b="1"/>
+            </a:lvl1pPr>
+            <a:lvl2pPr marL="342917" indent="0">
+              <a:buNone/>
+              <a:defRPr sz="1500" b="1"/>
+            </a:lvl2pPr>
+            <a:lvl3pPr marL="685835" indent="0">
+              <a:buNone/>
               <a:defRPr sz="1350" b="1"/>
-            </a:lvl1pPr>
-            <a:lvl2pPr marL="257175" indent="0">
+            </a:lvl3pPr>
+            <a:lvl4pPr marL="1028751" indent="0">
               <a:buNone/>
-              <a:defRPr sz="1125" b="1"/>
-            </a:lvl2pPr>
-            <a:lvl3pPr marL="514350" indent="0">
+              <a:defRPr sz="1200" b="1"/>
+            </a:lvl4pPr>
+            <a:lvl5pPr marL="1371669" indent="0">
               <a:buNone/>
-              <a:defRPr sz="1013" b="1"/>
-            </a:lvl3pPr>
-            <a:lvl4pPr marL="771525" indent="0">
+              <a:defRPr sz="1200" b="1"/>
+            </a:lvl5pPr>
+            <a:lvl6pPr marL="1714586" indent="0">
               <a:buNone/>
-              <a:defRPr sz="900" b="1"/>
-            </a:lvl4pPr>
-            <a:lvl5pPr marL="1028700" indent="0">
+              <a:defRPr sz="1200" b="1"/>
+            </a:lvl6pPr>
+            <a:lvl7pPr marL="2057504" indent="0">
               <a:buNone/>
-              <a:defRPr sz="900" b="1"/>
-            </a:lvl5pPr>
-            <a:lvl6pPr marL="1285875" indent="0">
+              <a:defRPr sz="1200" b="1"/>
+            </a:lvl7pPr>
+            <a:lvl8pPr marL="2400420" indent="0">
               <a:buNone/>
-              <a:defRPr sz="900" b="1"/>
-            </a:lvl6pPr>
-            <a:lvl7pPr marL="1543050" indent="0">
+              <a:defRPr sz="1200" b="1"/>
+            </a:lvl8pPr>
+            <a:lvl9pPr marL="2743337" indent="0">
               <a:buNone/>
-              <a:defRPr sz="900" b="1"/>
-            </a:lvl7pPr>
-            <a:lvl8pPr marL="1800225" indent="0">
-              <a:buNone/>
-              <a:defRPr sz="900" b="1"/>
-            </a:lvl8pPr>
-            <a:lvl9pPr marL="2057400" indent="0">
-              <a:buNone/>
-              <a:defRPr sz="900" b="1"/>
+              <a:defRPr sz="1200" b="1"/>
             </a:lvl9pPr>
           </a:lstStyle>
           <a:p>
             <a:pPr lvl="0"/>
             <a:r>
-              <a:rPr kumimoji="1" lang="ja-JP" altLang="en-US"/>
+              <a:rPr lang="ja-JP" altLang="en-US"/>
               <a:t>マスター テキストの書式設定</a:t>
             </a:r>
           </a:p>
@@ -1759,13 +1572,7 @@
       </p:sp>
       <p:sp>
         <p:nvSpPr>
-          <p:cNvPr id="4" name="コンテンツ プレースホルダー 3">
-            <a:extLst>
-              <a:ext uri="{FF2B5EF4-FFF2-40B4-BE49-F238E27FC236}">
-                <a16:creationId xmlns:a16="http://schemas.microsoft.com/office/drawing/2014/main" id="{3AA1096F-2C69-48D6-BF51-0942D5B01A79}"/>
-              </a:ext>
-            </a:extLst>
-          </p:cNvPr>
+          <p:cNvPr id="4" name="Content Placeholder 3"/>
           <p:cNvSpPr>
             <a:spLocks noGrp="1"/>
           </p:cNvSpPr>
@@ -1775,8 +1582,8 @@
         </p:nvSpPr>
         <p:spPr>
           <a:xfrm>
-            <a:off x="472381" y="5917661"/>
-            <a:ext cx="2901255" cy="8703987"/>
+            <a:off x="472381" y="11834741"/>
+            <a:ext cx="2901255" cy="17407119"/>
           </a:xfrm>
         </p:spPr>
         <p:txBody>
@@ -1785,81 +1592,76 @@
           <a:p>
             <a:pPr lvl="0"/>
             <a:r>
-              <a:rPr kumimoji="1" lang="ja-JP" altLang="en-US"/>
+              <a:rPr lang="ja-JP" altLang="en-US"/>
               <a:t>マスター テキストの書式設定</a:t>
             </a:r>
           </a:p>
           <a:p>
             <a:pPr lvl="1"/>
             <a:r>
-              <a:rPr kumimoji="1" lang="ja-JP" altLang="en-US"/>
+              <a:rPr lang="ja-JP" altLang="en-US"/>
               <a:t>第 </a:t>
             </a:r>
             <a:r>
-              <a:rPr kumimoji="1" lang="en-US" altLang="ja-JP"/>
+              <a:rPr lang="en-US" altLang="ja-JP"/>
               <a:t>2 </a:t>
             </a:r>
             <a:r>
-              <a:rPr kumimoji="1" lang="ja-JP" altLang="en-US"/>
+              <a:rPr lang="ja-JP" altLang="en-US"/>
               <a:t>レベル</a:t>
             </a:r>
           </a:p>
           <a:p>
             <a:pPr lvl="2"/>
             <a:r>
-              <a:rPr kumimoji="1" lang="ja-JP" altLang="en-US"/>
+              <a:rPr lang="ja-JP" altLang="en-US"/>
               <a:t>第 </a:t>
             </a:r>
             <a:r>
-              <a:rPr kumimoji="1" lang="en-US" altLang="ja-JP"/>
+              <a:rPr lang="en-US" altLang="ja-JP"/>
               <a:t>3 </a:t>
             </a:r>
             <a:r>
-              <a:rPr kumimoji="1" lang="ja-JP" altLang="en-US"/>
+              <a:rPr lang="ja-JP" altLang="en-US"/>
               <a:t>レベル</a:t>
             </a:r>
           </a:p>
           <a:p>
             <a:pPr lvl="3"/>
             <a:r>
-              <a:rPr kumimoji="1" lang="ja-JP" altLang="en-US"/>
+              <a:rPr lang="ja-JP" altLang="en-US"/>
               <a:t>第 </a:t>
             </a:r>
             <a:r>
-              <a:rPr kumimoji="1" lang="en-US" altLang="ja-JP"/>
+              <a:rPr lang="en-US" altLang="ja-JP"/>
               <a:t>4 </a:t>
             </a:r>
             <a:r>
-              <a:rPr kumimoji="1" lang="ja-JP" altLang="en-US"/>
+              <a:rPr lang="ja-JP" altLang="en-US"/>
               <a:t>レベル</a:t>
             </a:r>
           </a:p>
           <a:p>
             <a:pPr lvl="4"/>
             <a:r>
-              <a:rPr kumimoji="1" lang="ja-JP" altLang="en-US"/>
+              <a:rPr lang="ja-JP" altLang="en-US"/>
               <a:t>第 </a:t>
             </a:r>
             <a:r>
-              <a:rPr kumimoji="1" lang="en-US" altLang="ja-JP"/>
+              <a:rPr lang="en-US" altLang="ja-JP"/>
               <a:t>5 </a:t>
             </a:r>
             <a:r>
-              <a:rPr kumimoji="1" lang="ja-JP" altLang="en-US"/>
+              <a:rPr lang="ja-JP" altLang="en-US"/>
               <a:t>レベル</a:t>
             </a:r>
-          </a:p>
-        </p:txBody>
-      </p:sp>
-      <p:sp>
-        <p:nvSpPr>
-          <p:cNvPr id="5" name="テキスト プレースホルダー 4">
-            <a:extLst>
-              <a:ext uri="{FF2B5EF4-FFF2-40B4-BE49-F238E27FC236}">
-                <a16:creationId xmlns:a16="http://schemas.microsoft.com/office/drawing/2014/main" id="{2465699F-56EC-4AE9-871E-1443756654A7}"/>
-              </a:ext>
-            </a:extLst>
-          </p:cNvPr>
+            <a:endParaRPr lang="en-US" dirty="0"/>
+          </a:p>
+        </p:txBody>
+      </p:sp>
+      <p:sp>
+        <p:nvSpPr>
+          <p:cNvPr id="5" name="Text Placeholder 4"/>
           <p:cNvSpPr>
             <a:spLocks noGrp="1"/>
           </p:cNvSpPr>
@@ -1869,8 +1671,8 @@
         </p:nvSpPr>
         <p:spPr>
           <a:xfrm>
-            <a:off x="3471864" y="3971358"/>
-            <a:ext cx="2915543" cy="1946301"/>
+            <a:off x="3471867" y="7942328"/>
+            <a:ext cx="2915543" cy="3892412"/>
           </a:xfrm>
         </p:spPr>
         <p:txBody>
@@ -1878,45 +1680,45 @@
           <a:lstStyle>
             <a:lvl1pPr marL="0" indent="0">
               <a:buNone/>
+              <a:defRPr sz="1800" b="1"/>
+            </a:lvl1pPr>
+            <a:lvl2pPr marL="342917" indent="0">
+              <a:buNone/>
+              <a:defRPr sz="1500" b="1"/>
+            </a:lvl2pPr>
+            <a:lvl3pPr marL="685835" indent="0">
+              <a:buNone/>
               <a:defRPr sz="1350" b="1"/>
-            </a:lvl1pPr>
-            <a:lvl2pPr marL="257175" indent="0">
+            </a:lvl3pPr>
+            <a:lvl4pPr marL="1028751" indent="0">
               <a:buNone/>
-              <a:defRPr sz="1125" b="1"/>
-            </a:lvl2pPr>
-            <a:lvl3pPr marL="514350" indent="0">
+              <a:defRPr sz="1200" b="1"/>
+            </a:lvl4pPr>
+            <a:lvl5pPr marL="1371669" indent="0">
               <a:buNone/>
-              <a:defRPr sz="1013" b="1"/>
-            </a:lvl3pPr>
-            <a:lvl4pPr marL="771525" indent="0">
+              <a:defRPr sz="1200" b="1"/>
+            </a:lvl5pPr>
+            <a:lvl6pPr marL="1714586" indent="0">
               <a:buNone/>
-              <a:defRPr sz="900" b="1"/>
-            </a:lvl4pPr>
-            <a:lvl5pPr marL="1028700" indent="0">
+              <a:defRPr sz="1200" b="1"/>
+            </a:lvl6pPr>
+            <a:lvl7pPr marL="2057504" indent="0">
               <a:buNone/>
-              <a:defRPr sz="900" b="1"/>
-            </a:lvl5pPr>
-            <a:lvl6pPr marL="1285875" indent="0">
+              <a:defRPr sz="1200" b="1"/>
+            </a:lvl7pPr>
+            <a:lvl8pPr marL="2400420" indent="0">
               <a:buNone/>
-              <a:defRPr sz="900" b="1"/>
-            </a:lvl6pPr>
-            <a:lvl7pPr marL="1543050" indent="0">
+              <a:defRPr sz="1200" b="1"/>
+            </a:lvl8pPr>
+            <a:lvl9pPr marL="2743337" indent="0">
               <a:buNone/>
-              <a:defRPr sz="900" b="1"/>
-            </a:lvl7pPr>
-            <a:lvl8pPr marL="1800225" indent="0">
-              <a:buNone/>
-              <a:defRPr sz="900" b="1"/>
-            </a:lvl8pPr>
-            <a:lvl9pPr marL="2057400" indent="0">
-              <a:buNone/>
-              <a:defRPr sz="900" b="1"/>
+              <a:defRPr sz="1200" b="1"/>
             </a:lvl9pPr>
           </a:lstStyle>
           <a:p>
             <a:pPr lvl="0"/>
             <a:r>
-              <a:rPr kumimoji="1" lang="ja-JP" altLang="en-US"/>
+              <a:rPr lang="ja-JP" altLang="en-US"/>
               <a:t>マスター テキストの書式設定</a:t>
             </a:r>
           </a:p>
@@ -1924,13 +1726,7 @@
       </p:sp>
       <p:sp>
         <p:nvSpPr>
-          <p:cNvPr id="6" name="コンテンツ プレースホルダー 5">
-            <a:extLst>
-              <a:ext uri="{FF2B5EF4-FFF2-40B4-BE49-F238E27FC236}">
-                <a16:creationId xmlns:a16="http://schemas.microsoft.com/office/drawing/2014/main" id="{F41D5078-02B2-4870-9BE3-D3484ED31B9F}"/>
-              </a:ext>
-            </a:extLst>
-          </p:cNvPr>
+          <p:cNvPr id="6" name="Content Placeholder 5"/>
           <p:cNvSpPr>
             <a:spLocks noGrp="1"/>
           </p:cNvSpPr>
@@ -1940,8 +1736,8 @@
         </p:nvSpPr>
         <p:spPr>
           <a:xfrm>
-            <a:off x="3471864" y="5917661"/>
-            <a:ext cx="2915543" cy="8703987"/>
+            <a:off x="3471867" y="11834741"/>
+            <a:ext cx="2915543" cy="17407119"/>
           </a:xfrm>
         </p:spPr>
         <p:txBody>
@@ -1950,81 +1746,76 @@
           <a:p>
             <a:pPr lvl="0"/>
             <a:r>
-              <a:rPr kumimoji="1" lang="ja-JP" altLang="en-US"/>
+              <a:rPr lang="ja-JP" altLang="en-US"/>
               <a:t>マスター テキストの書式設定</a:t>
             </a:r>
           </a:p>
           <a:p>
             <a:pPr lvl="1"/>
             <a:r>
-              <a:rPr kumimoji="1" lang="ja-JP" altLang="en-US"/>
+              <a:rPr lang="ja-JP" altLang="en-US"/>
               <a:t>第 </a:t>
             </a:r>
             <a:r>
-              <a:rPr kumimoji="1" lang="en-US" altLang="ja-JP"/>
+              <a:rPr lang="en-US" altLang="ja-JP"/>
               <a:t>2 </a:t>
             </a:r>
             <a:r>
-              <a:rPr kumimoji="1" lang="ja-JP" altLang="en-US"/>
+              <a:rPr lang="ja-JP" altLang="en-US"/>
               <a:t>レベル</a:t>
             </a:r>
           </a:p>
           <a:p>
             <a:pPr lvl="2"/>
             <a:r>
-              <a:rPr kumimoji="1" lang="ja-JP" altLang="en-US"/>
+              <a:rPr lang="ja-JP" altLang="en-US"/>
               <a:t>第 </a:t>
             </a:r>
             <a:r>
-              <a:rPr kumimoji="1" lang="en-US" altLang="ja-JP"/>
+              <a:rPr lang="en-US" altLang="ja-JP"/>
               <a:t>3 </a:t>
             </a:r>
             <a:r>
-              <a:rPr kumimoji="1" lang="ja-JP" altLang="en-US"/>
+              <a:rPr lang="ja-JP" altLang="en-US"/>
               <a:t>レベル</a:t>
             </a:r>
           </a:p>
           <a:p>
             <a:pPr lvl="3"/>
             <a:r>
-              <a:rPr kumimoji="1" lang="ja-JP" altLang="en-US"/>
+              <a:rPr lang="ja-JP" altLang="en-US"/>
               <a:t>第 </a:t>
             </a:r>
             <a:r>
-              <a:rPr kumimoji="1" lang="en-US" altLang="ja-JP"/>
+              <a:rPr lang="en-US" altLang="ja-JP"/>
               <a:t>4 </a:t>
             </a:r>
             <a:r>
-              <a:rPr kumimoji="1" lang="ja-JP" altLang="en-US"/>
+              <a:rPr lang="ja-JP" altLang="en-US"/>
               <a:t>レベル</a:t>
             </a:r>
           </a:p>
           <a:p>
             <a:pPr lvl="4"/>
             <a:r>
-              <a:rPr kumimoji="1" lang="ja-JP" altLang="en-US"/>
+              <a:rPr lang="ja-JP" altLang="en-US"/>
               <a:t>第 </a:t>
             </a:r>
             <a:r>
-              <a:rPr kumimoji="1" lang="en-US" altLang="ja-JP"/>
+              <a:rPr lang="en-US" altLang="ja-JP"/>
               <a:t>5 </a:t>
             </a:r>
             <a:r>
-              <a:rPr kumimoji="1" lang="ja-JP" altLang="en-US"/>
+              <a:rPr lang="ja-JP" altLang="en-US"/>
               <a:t>レベル</a:t>
             </a:r>
-          </a:p>
-        </p:txBody>
-      </p:sp>
-      <p:sp>
-        <p:nvSpPr>
-          <p:cNvPr id="7" name="日付プレースホルダー 6">
-            <a:extLst>
-              <a:ext uri="{FF2B5EF4-FFF2-40B4-BE49-F238E27FC236}">
-                <a16:creationId xmlns:a16="http://schemas.microsoft.com/office/drawing/2014/main" id="{351B4D92-CADA-43B4-B9BD-F4B6FB9561D6}"/>
-              </a:ext>
-            </a:extLst>
-          </p:cNvPr>
+            <a:endParaRPr lang="en-US" dirty="0"/>
+          </a:p>
+        </p:txBody>
+      </p:sp>
+      <p:sp>
+        <p:nvSpPr>
+          <p:cNvPr id="7" name="Date Placeholder 6"/>
           <p:cNvSpPr>
             <a:spLocks noGrp="1"/>
           </p:cNvSpPr>
@@ -2047,13 +1838,7 @@
       </p:sp>
       <p:sp>
         <p:nvSpPr>
-          <p:cNvPr id="8" name="フッター プレースホルダー 7">
-            <a:extLst>
-              <a:ext uri="{FF2B5EF4-FFF2-40B4-BE49-F238E27FC236}">
-                <a16:creationId xmlns:a16="http://schemas.microsoft.com/office/drawing/2014/main" id="{6CA2C859-A7E9-4679-83A6-87486A420238}"/>
-              </a:ext>
-            </a:extLst>
-          </p:cNvPr>
+          <p:cNvPr id="8" name="Footer Placeholder 7"/>
           <p:cNvSpPr>
             <a:spLocks noGrp="1"/>
           </p:cNvSpPr>
@@ -2072,13 +1857,7 @@
       </p:sp>
       <p:sp>
         <p:nvSpPr>
-          <p:cNvPr id="9" name="スライド番号プレースホルダー 8">
-            <a:extLst>
-              <a:ext uri="{FF2B5EF4-FFF2-40B4-BE49-F238E27FC236}">
-                <a16:creationId xmlns:a16="http://schemas.microsoft.com/office/drawing/2014/main" id="{BFF5072F-369C-4722-BCB1-7BA1BE27B798}"/>
-              </a:ext>
-            </a:extLst>
-          </p:cNvPr>
+          <p:cNvPr id="9" name="Slide Number Placeholder 8"/>
           <p:cNvSpPr>
             <a:spLocks noGrp="1"/>
           </p:cNvSpPr>
@@ -2102,7 +1881,7 @@
     </p:spTree>
     <p:extLst>
       <p:ext uri="{BB962C8B-B14F-4D97-AF65-F5344CB8AC3E}">
-        <p14:creationId xmlns:p14="http://schemas.microsoft.com/office/powerpoint/2010/main" val="842634162"/>
+        <p14:creationId xmlns:p14="http://schemas.microsoft.com/office/powerpoint/2010/main" val="670253230"/>
       </p:ext>
     </p:extLst>
   </p:cSld>
@@ -2131,13 +1910,7 @@
       </p:grpSpPr>
       <p:sp>
         <p:nvSpPr>
-          <p:cNvPr id="2" name="タイトル 1">
-            <a:extLst>
-              <a:ext uri="{FF2B5EF4-FFF2-40B4-BE49-F238E27FC236}">
-                <a16:creationId xmlns:a16="http://schemas.microsoft.com/office/drawing/2014/main" id="{FB8B9C20-1ECA-4372-B951-393B054D26D7}"/>
-              </a:ext>
-            </a:extLst>
-          </p:cNvPr>
+          <p:cNvPr id="2" name="Title 1"/>
           <p:cNvSpPr>
             <a:spLocks noGrp="1"/>
           </p:cNvSpPr>
@@ -2151,21 +1924,16 @@
           <a:lstStyle/>
           <a:p>
             <a:r>
-              <a:rPr kumimoji="1" lang="ja-JP" altLang="en-US"/>
+              <a:rPr lang="ja-JP" altLang="en-US"/>
               <a:t>マスター タイトルの書式設定</a:t>
             </a:r>
-          </a:p>
-        </p:txBody>
-      </p:sp>
-      <p:sp>
-        <p:nvSpPr>
-          <p:cNvPr id="3" name="日付プレースホルダー 2">
-            <a:extLst>
-              <a:ext uri="{FF2B5EF4-FFF2-40B4-BE49-F238E27FC236}">
-                <a16:creationId xmlns:a16="http://schemas.microsoft.com/office/drawing/2014/main" id="{B2A49ED3-8227-4B78-9CA6-65720187F430}"/>
-              </a:ext>
-            </a:extLst>
-          </p:cNvPr>
+            <a:endParaRPr lang="en-US" dirty="0"/>
+          </a:p>
+        </p:txBody>
+      </p:sp>
+      <p:sp>
+        <p:nvSpPr>
+          <p:cNvPr id="3" name="Date Placeholder 2"/>
           <p:cNvSpPr>
             <a:spLocks noGrp="1"/>
           </p:cNvSpPr>
@@ -2188,13 +1956,7 @@
       </p:sp>
       <p:sp>
         <p:nvSpPr>
-          <p:cNvPr id="4" name="フッター プレースホルダー 3">
-            <a:extLst>
-              <a:ext uri="{FF2B5EF4-FFF2-40B4-BE49-F238E27FC236}">
-                <a16:creationId xmlns:a16="http://schemas.microsoft.com/office/drawing/2014/main" id="{C546944A-C5DB-4CD8-A7E4-42868E145BC9}"/>
-              </a:ext>
-            </a:extLst>
-          </p:cNvPr>
+          <p:cNvPr id="4" name="Footer Placeholder 3"/>
           <p:cNvSpPr>
             <a:spLocks noGrp="1"/>
           </p:cNvSpPr>
@@ -2213,13 +1975,7 @@
       </p:sp>
       <p:sp>
         <p:nvSpPr>
-          <p:cNvPr id="5" name="スライド番号プレースホルダー 4">
-            <a:extLst>
-              <a:ext uri="{FF2B5EF4-FFF2-40B4-BE49-F238E27FC236}">
-                <a16:creationId xmlns:a16="http://schemas.microsoft.com/office/drawing/2014/main" id="{D0324B1F-A786-49A7-ACF5-E766941D2B1A}"/>
-              </a:ext>
-            </a:extLst>
-          </p:cNvPr>
+          <p:cNvPr id="5" name="Slide Number Placeholder 4"/>
           <p:cNvSpPr>
             <a:spLocks noGrp="1"/>
           </p:cNvSpPr>
@@ -2243,7 +1999,7 @@
     </p:spTree>
     <p:extLst>
       <p:ext uri="{BB962C8B-B14F-4D97-AF65-F5344CB8AC3E}">
-        <p14:creationId xmlns:p14="http://schemas.microsoft.com/office/powerpoint/2010/main" val="901769760"/>
+        <p14:creationId xmlns:p14="http://schemas.microsoft.com/office/powerpoint/2010/main" val="3248904187"/>
       </p:ext>
     </p:extLst>
   </p:cSld>
@@ -2272,13 +2028,7 @@
       </p:grpSpPr>
       <p:sp>
         <p:nvSpPr>
-          <p:cNvPr id="2" name="日付プレースホルダー 1">
-            <a:extLst>
-              <a:ext uri="{FF2B5EF4-FFF2-40B4-BE49-F238E27FC236}">
-                <a16:creationId xmlns:a16="http://schemas.microsoft.com/office/drawing/2014/main" id="{125866FB-8B1F-4523-9E58-1CEADC2121DC}"/>
-              </a:ext>
-            </a:extLst>
-          </p:cNvPr>
+          <p:cNvPr id="2" name="Date Placeholder 1"/>
           <p:cNvSpPr>
             <a:spLocks noGrp="1"/>
           </p:cNvSpPr>
@@ -2301,13 +2051,7 @@
       </p:sp>
       <p:sp>
         <p:nvSpPr>
-          <p:cNvPr id="3" name="フッター プレースホルダー 2">
-            <a:extLst>
-              <a:ext uri="{FF2B5EF4-FFF2-40B4-BE49-F238E27FC236}">
-                <a16:creationId xmlns:a16="http://schemas.microsoft.com/office/drawing/2014/main" id="{0DDE0B01-9B8A-46E6-A3B2-9F55C423B2D6}"/>
-              </a:ext>
-            </a:extLst>
-          </p:cNvPr>
+          <p:cNvPr id="3" name="Footer Placeholder 2"/>
           <p:cNvSpPr>
             <a:spLocks noGrp="1"/>
           </p:cNvSpPr>
@@ -2326,13 +2070,7 @@
       </p:sp>
       <p:sp>
         <p:nvSpPr>
-          <p:cNvPr id="4" name="スライド番号プレースホルダー 3">
-            <a:extLst>
-              <a:ext uri="{FF2B5EF4-FFF2-40B4-BE49-F238E27FC236}">
-                <a16:creationId xmlns:a16="http://schemas.microsoft.com/office/drawing/2014/main" id="{051B28EC-33FF-40FF-82EC-565014B9A5E4}"/>
-              </a:ext>
-            </a:extLst>
-          </p:cNvPr>
+          <p:cNvPr id="4" name="Slide Number Placeholder 3"/>
           <p:cNvSpPr>
             <a:spLocks noGrp="1"/>
           </p:cNvSpPr>
@@ -2356,7 +2094,7 @@
     </p:spTree>
     <p:extLst>
       <p:ext uri="{BB962C8B-B14F-4D97-AF65-F5344CB8AC3E}">
-        <p14:creationId xmlns:p14="http://schemas.microsoft.com/office/powerpoint/2010/main" val="1992306242"/>
+        <p14:creationId xmlns:p14="http://schemas.microsoft.com/office/powerpoint/2010/main" val="3344207371"/>
       </p:ext>
     </p:extLst>
   </p:cSld>
@@ -2385,13 +2123,7 @@
       </p:grpSpPr>
       <p:sp>
         <p:nvSpPr>
-          <p:cNvPr id="2" name="タイトル 1">
-            <a:extLst>
-              <a:ext uri="{FF2B5EF4-FFF2-40B4-BE49-F238E27FC236}">
-                <a16:creationId xmlns:a16="http://schemas.microsoft.com/office/drawing/2014/main" id="{D092867D-3944-4208-85AE-1A1423C20D73}"/>
-              </a:ext>
-            </a:extLst>
-          </p:cNvPr>
+          <p:cNvPr id="2" name="Title 1"/>
           <p:cNvSpPr>
             <a:spLocks noGrp="1"/>
           </p:cNvSpPr>
@@ -2401,34 +2133,29 @@
         </p:nvSpPr>
         <p:spPr>
           <a:xfrm>
-            <a:off x="472382" y="1080029"/>
-            <a:ext cx="2211883" cy="3780102"/>
+            <a:off x="472381" y="2159954"/>
+            <a:ext cx="2211884" cy="7559834"/>
           </a:xfrm>
         </p:spPr>
         <p:txBody>
           <a:bodyPr anchor="b"/>
           <a:lstStyle>
             <a:lvl1pPr>
-              <a:defRPr sz="1800"/>
+              <a:defRPr sz="2400"/>
             </a:lvl1pPr>
           </a:lstStyle>
           <a:p>
             <a:r>
-              <a:rPr kumimoji="1" lang="ja-JP" altLang="en-US"/>
+              <a:rPr lang="ja-JP" altLang="en-US"/>
               <a:t>マスター タイトルの書式設定</a:t>
             </a:r>
-          </a:p>
-        </p:txBody>
-      </p:sp>
-      <p:sp>
-        <p:nvSpPr>
-          <p:cNvPr id="3" name="コンテンツ プレースホルダー 2">
-            <a:extLst>
-              <a:ext uri="{FF2B5EF4-FFF2-40B4-BE49-F238E27FC236}">
-                <a16:creationId xmlns:a16="http://schemas.microsoft.com/office/drawing/2014/main" id="{1E0A9660-71B2-4015-9F70-26AC9711C8DF}"/>
-              </a:ext>
-            </a:extLst>
-          </p:cNvPr>
+            <a:endParaRPr lang="en-US" dirty="0"/>
+          </a:p>
+        </p:txBody>
+      </p:sp>
+      <p:sp>
+        <p:nvSpPr>
+          <p:cNvPr id="3" name="Content Placeholder 2"/>
           <p:cNvSpPr>
             <a:spLocks noGrp="1"/>
           </p:cNvSpPr>
@@ -2438,119 +2165,114 @@
         </p:nvSpPr>
         <p:spPr>
           <a:xfrm>
-            <a:off x="2915544" y="2332564"/>
-            <a:ext cx="3471863" cy="11512811"/>
+            <a:off x="2915547" y="4664907"/>
+            <a:ext cx="3471863" cy="23024493"/>
           </a:xfrm>
         </p:spPr>
         <p:txBody>
           <a:bodyPr/>
           <a:lstStyle>
             <a:lvl1pPr>
-              <a:defRPr sz="1800"/>
+              <a:defRPr sz="2400"/>
             </a:lvl1pPr>
             <a:lvl2pPr>
-              <a:defRPr sz="1575"/>
+              <a:defRPr sz="2100"/>
             </a:lvl2pPr>
             <a:lvl3pPr>
-              <a:defRPr sz="1350"/>
+              <a:defRPr sz="1800"/>
             </a:lvl3pPr>
             <a:lvl4pPr>
-              <a:defRPr sz="1125"/>
+              <a:defRPr sz="1500"/>
             </a:lvl4pPr>
             <a:lvl5pPr>
-              <a:defRPr sz="1125"/>
+              <a:defRPr sz="1500"/>
             </a:lvl5pPr>
             <a:lvl6pPr>
-              <a:defRPr sz="1125"/>
+              <a:defRPr sz="1500"/>
             </a:lvl6pPr>
             <a:lvl7pPr>
-              <a:defRPr sz="1125"/>
+              <a:defRPr sz="1500"/>
             </a:lvl7pPr>
             <a:lvl8pPr>
-              <a:defRPr sz="1125"/>
+              <a:defRPr sz="1500"/>
             </a:lvl8pPr>
             <a:lvl9pPr>
-              <a:defRPr sz="1125"/>
+              <a:defRPr sz="1500"/>
             </a:lvl9pPr>
           </a:lstStyle>
           <a:p>
             <a:pPr lvl="0"/>
             <a:r>
-              <a:rPr kumimoji="1" lang="ja-JP" altLang="en-US"/>
+              <a:rPr lang="ja-JP" altLang="en-US"/>
               <a:t>マスター テキストの書式設定</a:t>
             </a:r>
           </a:p>
           <a:p>
             <a:pPr lvl="1"/>
             <a:r>
-              <a:rPr kumimoji="1" lang="ja-JP" altLang="en-US"/>
+              <a:rPr lang="ja-JP" altLang="en-US"/>
               <a:t>第 </a:t>
             </a:r>
             <a:r>
-              <a:rPr kumimoji="1" lang="en-US" altLang="ja-JP"/>
+              <a:rPr lang="en-US" altLang="ja-JP"/>
               <a:t>2 </a:t>
             </a:r>
             <a:r>
-              <a:rPr kumimoji="1" lang="ja-JP" altLang="en-US"/>
+              <a:rPr lang="ja-JP" altLang="en-US"/>
               <a:t>レベル</a:t>
             </a:r>
           </a:p>
           <a:p>
             <a:pPr lvl="2"/>
             <a:r>
-              <a:rPr kumimoji="1" lang="ja-JP" altLang="en-US"/>
+              <a:rPr lang="ja-JP" altLang="en-US"/>
               <a:t>第 </a:t>
             </a:r>
             <a:r>
-              <a:rPr kumimoji="1" lang="en-US" altLang="ja-JP"/>
+              <a:rPr lang="en-US" altLang="ja-JP"/>
               <a:t>3 </a:t>
             </a:r>
             <a:r>
-              <a:rPr kumimoji="1" lang="ja-JP" altLang="en-US"/>
+              <a:rPr lang="ja-JP" altLang="en-US"/>
               <a:t>レベル</a:t>
             </a:r>
           </a:p>
           <a:p>
             <a:pPr lvl="3"/>
             <a:r>
-              <a:rPr kumimoji="1" lang="ja-JP" altLang="en-US"/>
+              <a:rPr lang="ja-JP" altLang="en-US"/>
               <a:t>第 </a:t>
             </a:r>
             <a:r>
-              <a:rPr kumimoji="1" lang="en-US" altLang="ja-JP"/>
+              <a:rPr lang="en-US" altLang="ja-JP"/>
               <a:t>4 </a:t>
             </a:r>
             <a:r>
-              <a:rPr kumimoji="1" lang="ja-JP" altLang="en-US"/>
+              <a:rPr lang="ja-JP" altLang="en-US"/>
               <a:t>レベル</a:t>
             </a:r>
           </a:p>
           <a:p>
             <a:pPr lvl="4"/>
             <a:r>
-              <a:rPr kumimoji="1" lang="ja-JP" altLang="en-US"/>
+              <a:rPr lang="ja-JP" altLang="en-US"/>
               <a:t>第 </a:t>
             </a:r>
             <a:r>
-              <a:rPr kumimoji="1" lang="en-US" altLang="ja-JP"/>
+              <a:rPr lang="en-US" altLang="ja-JP"/>
               <a:t>5 </a:t>
             </a:r>
             <a:r>
-              <a:rPr kumimoji="1" lang="ja-JP" altLang="en-US"/>
+              <a:rPr lang="ja-JP" altLang="en-US"/>
               <a:t>レベル</a:t>
             </a:r>
-          </a:p>
-        </p:txBody>
-      </p:sp>
-      <p:sp>
-        <p:nvSpPr>
-          <p:cNvPr id="4" name="テキスト プレースホルダー 3">
-            <a:extLst>
-              <a:ext uri="{FF2B5EF4-FFF2-40B4-BE49-F238E27FC236}">
-                <a16:creationId xmlns:a16="http://schemas.microsoft.com/office/drawing/2014/main" id="{69DC1A58-4E6E-4F6E-9579-F178A485E34D}"/>
-              </a:ext>
-            </a:extLst>
-          </p:cNvPr>
+            <a:endParaRPr lang="en-US" dirty="0"/>
+          </a:p>
+        </p:txBody>
+      </p:sp>
+      <p:sp>
+        <p:nvSpPr>
+          <p:cNvPr id="4" name="Text Placeholder 3"/>
           <p:cNvSpPr>
             <a:spLocks noGrp="1"/>
           </p:cNvSpPr>
@@ -2560,8 +2282,8 @@
         </p:nvSpPr>
         <p:spPr>
           <a:xfrm>
-            <a:off x="472382" y="4860131"/>
-            <a:ext cx="2211883" cy="9003994"/>
+            <a:off x="472381" y="9719786"/>
+            <a:ext cx="2211884" cy="18007107"/>
           </a:xfrm>
         </p:spPr>
         <p:txBody>
@@ -2569,45 +2291,45 @@
           <a:lstStyle>
             <a:lvl1pPr marL="0" indent="0">
               <a:buNone/>
+              <a:defRPr sz="1200"/>
+            </a:lvl1pPr>
+            <a:lvl2pPr marL="342917" indent="0">
+              <a:buNone/>
+              <a:defRPr sz="1050"/>
+            </a:lvl2pPr>
+            <a:lvl3pPr marL="685835" indent="0">
+              <a:buNone/>
               <a:defRPr sz="900"/>
-            </a:lvl1pPr>
-            <a:lvl2pPr marL="257175" indent="0">
+            </a:lvl3pPr>
+            <a:lvl4pPr marL="1028751" indent="0">
               <a:buNone/>
-              <a:defRPr sz="788"/>
-            </a:lvl2pPr>
-            <a:lvl3pPr marL="514350" indent="0">
+              <a:defRPr sz="750"/>
+            </a:lvl4pPr>
+            <a:lvl5pPr marL="1371669" indent="0">
               <a:buNone/>
-              <a:defRPr sz="675"/>
-            </a:lvl3pPr>
-            <a:lvl4pPr marL="771525" indent="0">
+              <a:defRPr sz="750"/>
+            </a:lvl5pPr>
+            <a:lvl6pPr marL="1714586" indent="0">
               <a:buNone/>
-              <a:defRPr sz="563"/>
-            </a:lvl4pPr>
-            <a:lvl5pPr marL="1028700" indent="0">
+              <a:defRPr sz="750"/>
+            </a:lvl6pPr>
+            <a:lvl7pPr marL="2057504" indent="0">
               <a:buNone/>
-              <a:defRPr sz="563"/>
-            </a:lvl5pPr>
-            <a:lvl6pPr marL="1285875" indent="0">
+              <a:defRPr sz="750"/>
+            </a:lvl7pPr>
+            <a:lvl8pPr marL="2400420" indent="0">
               <a:buNone/>
-              <a:defRPr sz="563"/>
-            </a:lvl6pPr>
-            <a:lvl7pPr marL="1543050" indent="0">
+              <a:defRPr sz="750"/>
+            </a:lvl8pPr>
+            <a:lvl9pPr marL="2743337" indent="0">
               <a:buNone/>
-              <a:defRPr sz="563"/>
-            </a:lvl7pPr>
-            <a:lvl8pPr marL="1800225" indent="0">
-              <a:buNone/>
-              <a:defRPr sz="563"/>
-            </a:lvl8pPr>
-            <a:lvl9pPr marL="2057400" indent="0">
-              <a:buNone/>
-              <a:defRPr sz="563"/>
+              <a:defRPr sz="750"/>
             </a:lvl9pPr>
           </a:lstStyle>
           <a:p>
             <a:pPr lvl="0"/>
             <a:r>
-              <a:rPr kumimoji="1" lang="ja-JP" altLang="en-US"/>
+              <a:rPr lang="ja-JP" altLang="en-US"/>
               <a:t>マスター テキストの書式設定</a:t>
             </a:r>
           </a:p>
@@ -2615,13 +2337,7 @@
       </p:sp>
       <p:sp>
         <p:nvSpPr>
-          <p:cNvPr id="5" name="日付プレースホルダー 4">
-            <a:extLst>
-              <a:ext uri="{FF2B5EF4-FFF2-40B4-BE49-F238E27FC236}">
-                <a16:creationId xmlns:a16="http://schemas.microsoft.com/office/drawing/2014/main" id="{3A09D10E-0A1C-4D65-A149-98D8C51613AA}"/>
-              </a:ext>
-            </a:extLst>
-          </p:cNvPr>
+          <p:cNvPr id="5" name="Date Placeholder 4"/>
           <p:cNvSpPr>
             <a:spLocks noGrp="1"/>
           </p:cNvSpPr>
@@ -2644,13 +2360,7 @@
       </p:sp>
       <p:sp>
         <p:nvSpPr>
-          <p:cNvPr id="6" name="フッター プレースホルダー 5">
-            <a:extLst>
-              <a:ext uri="{FF2B5EF4-FFF2-40B4-BE49-F238E27FC236}">
-                <a16:creationId xmlns:a16="http://schemas.microsoft.com/office/drawing/2014/main" id="{B8DBB129-6F87-4B7E-8E4F-21E2F08F164A}"/>
-              </a:ext>
-            </a:extLst>
-          </p:cNvPr>
+          <p:cNvPr id="6" name="Footer Placeholder 5"/>
           <p:cNvSpPr>
             <a:spLocks noGrp="1"/>
           </p:cNvSpPr>
@@ -2669,13 +2379,7 @@
       </p:sp>
       <p:sp>
         <p:nvSpPr>
-          <p:cNvPr id="7" name="スライド番号プレースホルダー 6">
-            <a:extLst>
-              <a:ext uri="{FF2B5EF4-FFF2-40B4-BE49-F238E27FC236}">
-                <a16:creationId xmlns:a16="http://schemas.microsoft.com/office/drawing/2014/main" id="{F95E6CF7-76E7-4E61-8519-E90BB940B418}"/>
-              </a:ext>
-            </a:extLst>
-          </p:cNvPr>
+          <p:cNvPr id="7" name="Slide Number Placeholder 6"/>
           <p:cNvSpPr>
             <a:spLocks noGrp="1"/>
           </p:cNvSpPr>
@@ -2699,7 +2403,7 @@
     </p:spTree>
     <p:extLst>
       <p:ext uri="{BB962C8B-B14F-4D97-AF65-F5344CB8AC3E}">
-        <p14:creationId xmlns:p14="http://schemas.microsoft.com/office/powerpoint/2010/main" val="3398581777"/>
+        <p14:creationId xmlns:p14="http://schemas.microsoft.com/office/powerpoint/2010/main" val="1242935288"/>
       </p:ext>
     </p:extLst>
   </p:cSld>
@@ -2728,13 +2432,7 @@
       </p:grpSpPr>
       <p:sp>
         <p:nvSpPr>
-          <p:cNvPr id="2" name="タイトル 1">
-            <a:extLst>
-              <a:ext uri="{FF2B5EF4-FFF2-40B4-BE49-F238E27FC236}">
-                <a16:creationId xmlns:a16="http://schemas.microsoft.com/office/drawing/2014/main" id="{FA096451-3673-4465-8A22-11FDFF3A05C8}"/>
-              </a:ext>
-            </a:extLst>
-          </p:cNvPr>
+          <p:cNvPr id="2" name="Title 1"/>
           <p:cNvSpPr>
             <a:spLocks noGrp="1"/>
           </p:cNvSpPr>
@@ -2744,36 +2442,31 @@
         </p:nvSpPr>
         <p:spPr>
           <a:xfrm>
-            <a:off x="472382" y="1080029"/>
-            <a:ext cx="2211883" cy="3780102"/>
+            <a:off x="472381" y="2159954"/>
+            <a:ext cx="2211884" cy="7559834"/>
           </a:xfrm>
         </p:spPr>
         <p:txBody>
           <a:bodyPr anchor="b"/>
           <a:lstStyle>
             <a:lvl1pPr>
-              <a:defRPr sz="1800"/>
+              <a:defRPr sz="2400"/>
             </a:lvl1pPr>
           </a:lstStyle>
           <a:p>
             <a:r>
-              <a:rPr kumimoji="1" lang="ja-JP" altLang="en-US"/>
+              <a:rPr lang="ja-JP" altLang="en-US"/>
               <a:t>マスター タイトルの書式設定</a:t>
             </a:r>
-          </a:p>
-        </p:txBody>
-      </p:sp>
-      <p:sp>
-        <p:nvSpPr>
-          <p:cNvPr id="3" name="図プレースホルダー 2">
-            <a:extLst>
-              <a:ext uri="{FF2B5EF4-FFF2-40B4-BE49-F238E27FC236}">
-                <a16:creationId xmlns:a16="http://schemas.microsoft.com/office/drawing/2014/main" id="{8B84FFBF-77B2-471D-BFD9-EEFEFAAB113F}"/>
-              </a:ext>
-            </a:extLst>
-          </p:cNvPr>
+            <a:endParaRPr lang="en-US" dirty="0"/>
+          </a:p>
+        </p:txBody>
+      </p:sp>
+      <p:sp>
+        <p:nvSpPr>
+          <p:cNvPr id="3" name="Picture Placeholder 2"/>
           <p:cNvSpPr>
-            <a:spLocks noGrp="1"/>
+            <a:spLocks noGrp="1" noChangeAspect="1"/>
           </p:cNvSpPr>
           <p:nvPr>
             <p:ph type="pic" idx="1"/>
@@ -2781,64 +2474,62 @@
         </p:nvSpPr>
         <p:spPr>
           <a:xfrm>
-            <a:off x="2915544" y="2332564"/>
-            <a:ext cx="3471863" cy="11512811"/>
+            <a:off x="2915547" y="4664907"/>
+            <a:ext cx="3471863" cy="23024493"/>
           </a:xfrm>
         </p:spPr>
         <p:txBody>
-          <a:bodyPr/>
+          <a:bodyPr anchor="t"/>
           <a:lstStyle>
             <a:lvl1pPr marL="0" indent="0">
               <a:buNone/>
+              <a:defRPr sz="2400"/>
+            </a:lvl1pPr>
+            <a:lvl2pPr marL="342917" indent="0">
+              <a:buNone/>
+              <a:defRPr sz="2100"/>
+            </a:lvl2pPr>
+            <a:lvl3pPr marL="685835" indent="0">
+              <a:buNone/>
               <a:defRPr sz="1800"/>
-            </a:lvl1pPr>
-            <a:lvl2pPr marL="257175" indent="0">
+            </a:lvl3pPr>
+            <a:lvl4pPr marL="1028751" indent="0">
               <a:buNone/>
-              <a:defRPr sz="1575"/>
-            </a:lvl2pPr>
-            <a:lvl3pPr marL="514350" indent="0">
+              <a:defRPr sz="1500"/>
+            </a:lvl4pPr>
+            <a:lvl5pPr marL="1371669" indent="0">
               <a:buNone/>
-              <a:defRPr sz="1350"/>
-            </a:lvl3pPr>
-            <a:lvl4pPr marL="771525" indent="0">
+              <a:defRPr sz="1500"/>
+            </a:lvl5pPr>
+            <a:lvl6pPr marL="1714586" indent="0">
               <a:buNone/>
-              <a:defRPr sz="1125"/>
-            </a:lvl4pPr>
-            <a:lvl5pPr marL="1028700" indent="0">
+              <a:defRPr sz="1500"/>
+            </a:lvl6pPr>
+            <a:lvl7pPr marL="2057504" indent="0">
               <a:buNone/>
-              <a:defRPr sz="1125"/>
-            </a:lvl5pPr>
-            <a:lvl6pPr marL="1285875" indent="0">
+              <a:defRPr sz="1500"/>
+            </a:lvl7pPr>
+            <a:lvl8pPr marL="2400420" indent="0">
               <a:buNone/>
-              <a:defRPr sz="1125"/>
-            </a:lvl6pPr>
-            <a:lvl7pPr marL="1543050" indent="0">
+              <a:defRPr sz="1500"/>
+            </a:lvl8pPr>
+            <a:lvl9pPr marL="2743337" indent="0">
               <a:buNone/>
-              <a:defRPr sz="1125"/>
-            </a:lvl7pPr>
-            <a:lvl8pPr marL="1800225" indent="0">
-              <a:buNone/>
-              <a:defRPr sz="1125"/>
-            </a:lvl8pPr>
-            <a:lvl9pPr marL="2057400" indent="0">
-              <a:buNone/>
-              <a:defRPr sz="1125"/>
+              <a:defRPr sz="1500"/>
             </a:lvl9pPr>
           </a:lstStyle>
           <a:p>
-            <a:endParaRPr kumimoji="1" lang="ja-JP" altLang="en-US"/>
-          </a:p>
-        </p:txBody>
-      </p:sp>
-      <p:sp>
-        <p:nvSpPr>
-          <p:cNvPr id="4" name="テキスト プレースホルダー 3">
-            <a:extLst>
-              <a:ext uri="{FF2B5EF4-FFF2-40B4-BE49-F238E27FC236}">
-                <a16:creationId xmlns:a16="http://schemas.microsoft.com/office/drawing/2014/main" id="{DF6387CF-2E2F-4196-9FA9-FE47C1D84FBE}"/>
-              </a:ext>
-            </a:extLst>
-          </p:cNvPr>
+            <a:r>
+              <a:rPr lang="ja-JP" altLang="en-US"/>
+              <a:t>アイコンをクリックして図を追加</a:t>
+            </a:r>
+            <a:endParaRPr lang="en-US" dirty="0"/>
+          </a:p>
+        </p:txBody>
+      </p:sp>
+      <p:sp>
+        <p:nvSpPr>
+          <p:cNvPr id="4" name="Text Placeholder 3"/>
           <p:cNvSpPr>
             <a:spLocks noGrp="1"/>
           </p:cNvSpPr>
@@ -2848,8 +2539,8 @@
         </p:nvSpPr>
         <p:spPr>
           <a:xfrm>
-            <a:off x="472382" y="4860131"/>
-            <a:ext cx="2211883" cy="9003994"/>
+            <a:off x="472381" y="9719786"/>
+            <a:ext cx="2211884" cy="18007107"/>
           </a:xfrm>
         </p:spPr>
         <p:txBody>
@@ -2857,45 +2548,45 @@
           <a:lstStyle>
             <a:lvl1pPr marL="0" indent="0">
               <a:buNone/>
+              <a:defRPr sz="1200"/>
+            </a:lvl1pPr>
+            <a:lvl2pPr marL="342917" indent="0">
+              <a:buNone/>
+              <a:defRPr sz="1050"/>
+            </a:lvl2pPr>
+            <a:lvl3pPr marL="685835" indent="0">
+              <a:buNone/>
               <a:defRPr sz="900"/>
-            </a:lvl1pPr>
-            <a:lvl2pPr marL="257175" indent="0">
+            </a:lvl3pPr>
+            <a:lvl4pPr marL="1028751" indent="0">
               <a:buNone/>
-              <a:defRPr sz="788"/>
-            </a:lvl2pPr>
-            <a:lvl3pPr marL="514350" indent="0">
+              <a:defRPr sz="750"/>
+            </a:lvl4pPr>
+            <a:lvl5pPr marL="1371669" indent="0">
               <a:buNone/>
-              <a:defRPr sz="675"/>
-            </a:lvl3pPr>
-            <a:lvl4pPr marL="771525" indent="0">
+              <a:defRPr sz="750"/>
+            </a:lvl5pPr>
+            <a:lvl6pPr marL="1714586" indent="0">
               <a:buNone/>
-              <a:defRPr sz="563"/>
-            </a:lvl4pPr>
-            <a:lvl5pPr marL="1028700" indent="0">
+              <a:defRPr sz="750"/>
+            </a:lvl6pPr>
+            <a:lvl7pPr marL="2057504" indent="0">
               <a:buNone/>
-              <a:defRPr sz="563"/>
-            </a:lvl5pPr>
-            <a:lvl6pPr marL="1285875" indent="0">
+              <a:defRPr sz="750"/>
+            </a:lvl7pPr>
+            <a:lvl8pPr marL="2400420" indent="0">
               <a:buNone/>
-              <a:defRPr sz="563"/>
-            </a:lvl6pPr>
-            <a:lvl7pPr marL="1543050" indent="0">
+              <a:defRPr sz="750"/>
+            </a:lvl8pPr>
+            <a:lvl9pPr marL="2743337" indent="0">
               <a:buNone/>
-              <a:defRPr sz="563"/>
-            </a:lvl7pPr>
-            <a:lvl8pPr marL="1800225" indent="0">
-              <a:buNone/>
-              <a:defRPr sz="563"/>
-            </a:lvl8pPr>
-            <a:lvl9pPr marL="2057400" indent="0">
-              <a:buNone/>
-              <a:defRPr sz="563"/>
+              <a:defRPr sz="750"/>
             </a:lvl9pPr>
           </a:lstStyle>
           <a:p>
             <a:pPr lvl="0"/>
             <a:r>
-              <a:rPr kumimoji="1" lang="ja-JP" altLang="en-US"/>
+              <a:rPr lang="ja-JP" altLang="en-US"/>
               <a:t>マスター テキストの書式設定</a:t>
             </a:r>
           </a:p>
@@ -2903,13 +2594,7 @@
       </p:sp>
       <p:sp>
         <p:nvSpPr>
-          <p:cNvPr id="5" name="日付プレースホルダー 4">
-            <a:extLst>
-              <a:ext uri="{FF2B5EF4-FFF2-40B4-BE49-F238E27FC236}">
-                <a16:creationId xmlns:a16="http://schemas.microsoft.com/office/drawing/2014/main" id="{B15933C5-5521-4022-938D-66D2136F3D81}"/>
-              </a:ext>
-            </a:extLst>
-          </p:cNvPr>
+          <p:cNvPr id="5" name="Date Placeholder 4"/>
           <p:cNvSpPr>
             <a:spLocks noGrp="1"/>
           </p:cNvSpPr>
@@ -2932,13 +2617,7 @@
       </p:sp>
       <p:sp>
         <p:nvSpPr>
-          <p:cNvPr id="6" name="フッター プレースホルダー 5">
-            <a:extLst>
-              <a:ext uri="{FF2B5EF4-FFF2-40B4-BE49-F238E27FC236}">
-                <a16:creationId xmlns:a16="http://schemas.microsoft.com/office/drawing/2014/main" id="{BDB2FFDB-7099-4F9D-9EFB-2415A6B5B2E5}"/>
-              </a:ext>
-            </a:extLst>
-          </p:cNvPr>
+          <p:cNvPr id="6" name="Footer Placeholder 5"/>
           <p:cNvSpPr>
             <a:spLocks noGrp="1"/>
           </p:cNvSpPr>
@@ -2957,13 +2636,7 @@
       </p:sp>
       <p:sp>
         <p:nvSpPr>
-          <p:cNvPr id="7" name="スライド番号プレースホルダー 6">
-            <a:extLst>
-              <a:ext uri="{FF2B5EF4-FFF2-40B4-BE49-F238E27FC236}">
-                <a16:creationId xmlns:a16="http://schemas.microsoft.com/office/drawing/2014/main" id="{37050F0B-AA86-4066-AB5C-92B9979501E9}"/>
-              </a:ext>
-            </a:extLst>
-          </p:cNvPr>
+          <p:cNvPr id="7" name="Slide Number Placeholder 6"/>
           <p:cNvSpPr>
             <a:spLocks noGrp="1"/>
           </p:cNvSpPr>
@@ -2987,7 +2660,7 @@
     </p:spTree>
     <p:extLst>
       <p:ext uri="{BB962C8B-B14F-4D97-AF65-F5344CB8AC3E}">
-        <p14:creationId xmlns:p14="http://schemas.microsoft.com/office/powerpoint/2010/main" val="814146294"/>
+        <p14:creationId xmlns:p14="http://schemas.microsoft.com/office/powerpoint/2010/main" val="633073513"/>
       </p:ext>
     </p:extLst>
   </p:cSld>
@@ -3021,13 +2694,7 @@
       </p:grpSpPr>
       <p:sp>
         <p:nvSpPr>
-          <p:cNvPr id="2" name="タイトル プレースホルダー 1">
-            <a:extLst>
-              <a:ext uri="{FF2B5EF4-FFF2-40B4-BE49-F238E27FC236}">
-                <a16:creationId xmlns:a16="http://schemas.microsoft.com/office/drawing/2014/main" id="{63D0BDE6-552A-4B46-B955-66BCFDFE3DC2}"/>
-              </a:ext>
-            </a:extLst>
-          </p:cNvPr>
+          <p:cNvPr id="2" name="Title Placeholder 1"/>
           <p:cNvSpPr>
             <a:spLocks noGrp="1"/>
           </p:cNvSpPr>
@@ -3037,8 +2704,8 @@
         </p:nvSpPr>
         <p:spPr>
           <a:xfrm>
-            <a:off x="471489" y="862525"/>
-            <a:ext cx="5915025" cy="3131335"/>
+            <a:off x="471491" y="1724970"/>
+            <a:ext cx="5915025" cy="6262365"/>
           </a:xfrm>
           <a:prstGeom prst="rect">
             <a:avLst/>
@@ -3051,21 +2718,16 @@
           <a:lstStyle/>
           <a:p>
             <a:r>
-              <a:rPr kumimoji="1" lang="ja-JP" altLang="en-US"/>
+              <a:rPr lang="ja-JP" altLang="en-US"/>
               <a:t>マスター タイトルの書式設定</a:t>
             </a:r>
-          </a:p>
-        </p:txBody>
-      </p:sp>
-      <p:sp>
-        <p:nvSpPr>
-          <p:cNvPr id="3" name="テキスト プレースホルダー 2">
-            <a:extLst>
-              <a:ext uri="{FF2B5EF4-FFF2-40B4-BE49-F238E27FC236}">
-                <a16:creationId xmlns:a16="http://schemas.microsoft.com/office/drawing/2014/main" id="{E0318150-026D-4367-BC1D-7FC5F2E437E9}"/>
-              </a:ext>
-            </a:extLst>
-          </p:cNvPr>
+            <a:endParaRPr lang="en-US" dirty="0"/>
+          </a:p>
+        </p:txBody>
+      </p:sp>
+      <p:sp>
+        <p:nvSpPr>
+          <p:cNvPr id="3" name="Text Placeholder 2"/>
           <p:cNvSpPr>
             <a:spLocks noGrp="1"/>
           </p:cNvSpPr>
@@ -3075,8 +2737,8 @@
         </p:nvSpPr>
         <p:spPr>
           <a:xfrm>
-            <a:off x="471489" y="4312617"/>
-            <a:ext cx="5915025" cy="10279029"/>
+            <a:off x="471491" y="8624811"/>
+            <a:ext cx="5915025" cy="20557050"/>
           </a:xfrm>
           <a:prstGeom prst="rect">
             <a:avLst/>
@@ -3090,81 +2752,76 @@
           <a:p>
             <a:pPr lvl="0"/>
             <a:r>
-              <a:rPr kumimoji="1" lang="ja-JP" altLang="en-US"/>
+              <a:rPr lang="ja-JP" altLang="en-US"/>
               <a:t>マスター テキストの書式設定</a:t>
             </a:r>
           </a:p>
           <a:p>
             <a:pPr lvl="1"/>
             <a:r>
-              <a:rPr kumimoji="1" lang="ja-JP" altLang="en-US"/>
+              <a:rPr lang="ja-JP" altLang="en-US"/>
               <a:t>第 </a:t>
             </a:r>
             <a:r>
-              <a:rPr kumimoji="1" lang="en-US" altLang="ja-JP"/>
+              <a:rPr lang="en-US" altLang="ja-JP"/>
               <a:t>2 </a:t>
             </a:r>
             <a:r>
-              <a:rPr kumimoji="1" lang="ja-JP" altLang="en-US"/>
+              <a:rPr lang="ja-JP" altLang="en-US"/>
               <a:t>レベル</a:t>
             </a:r>
           </a:p>
           <a:p>
             <a:pPr lvl="2"/>
             <a:r>
-              <a:rPr kumimoji="1" lang="ja-JP" altLang="en-US"/>
+              <a:rPr lang="ja-JP" altLang="en-US"/>
               <a:t>第 </a:t>
             </a:r>
             <a:r>
-              <a:rPr kumimoji="1" lang="en-US" altLang="ja-JP"/>
+              <a:rPr lang="en-US" altLang="ja-JP"/>
               <a:t>3 </a:t>
             </a:r>
             <a:r>
-              <a:rPr kumimoji="1" lang="ja-JP" altLang="en-US"/>
+              <a:rPr lang="ja-JP" altLang="en-US"/>
               <a:t>レベル</a:t>
             </a:r>
           </a:p>
           <a:p>
             <a:pPr lvl="3"/>
             <a:r>
-              <a:rPr kumimoji="1" lang="ja-JP" altLang="en-US"/>
+              <a:rPr lang="ja-JP" altLang="en-US"/>
               <a:t>第 </a:t>
             </a:r>
             <a:r>
-              <a:rPr kumimoji="1" lang="en-US" altLang="ja-JP"/>
+              <a:rPr lang="en-US" altLang="ja-JP"/>
               <a:t>4 </a:t>
             </a:r>
             <a:r>
-              <a:rPr kumimoji="1" lang="ja-JP" altLang="en-US"/>
+              <a:rPr lang="ja-JP" altLang="en-US"/>
               <a:t>レベル</a:t>
             </a:r>
           </a:p>
           <a:p>
             <a:pPr lvl="4"/>
             <a:r>
-              <a:rPr kumimoji="1" lang="ja-JP" altLang="en-US"/>
+              <a:rPr lang="ja-JP" altLang="en-US"/>
               <a:t>第 </a:t>
             </a:r>
             <a:r>
-              <a:rPr kumimoji="1" lang="en-US" altLang="ja-JP"/>
+              <a:rPr lang="en-US" altLang="ja-JP"/>
               <a:t>5 </a:t>
             </a:r>
             <a:r>
-              <a:rPr kumimoji="1" lang="ja-JP" altLang="en-US"/>
+              <a:rPr lang="ja-JP" altLang="en-US"/>
               <a:t>レベル</a:t>
             </a:r>
-          </a:p>
-        </p:txBody>
-      </p:sp>
-      <p:sp>
-        <p:nvSpPr>
-          <p:cNvPr id="4" name="日付プレースホルダー 3">
-            <a:extLst>
-              <a:ext uri="{FF2B5EF4-FFF2-40B4-BE49-F238E27FC236}">
-                <a16:creationId xmlns:a16="http://schemas.microsoft.com/office/drawing/2014/main" id="{EE65283C-F32D-4F3B-968E-2F75A5A8ED27}"/>
-              </a:ext>
-            </a:extLst>
-          </p:cNvPr>
+            <a:endParaRPr lang="en-US" dirty="0"/>
+          </a:p>
+        </p:txBody>
+      </p:sp>
+      <p:sp>
+        <p:nvSpPr>
+          <p:cNvPr id="4" name="Date Placeholder 3"/>
           <p:cNvSpPr>
             <a:spLocks noGrp="1"/>
           </p:cNvSpPr>
@@ -3174,8 +2831,8 @@
         </p:nvSpPr>
         <p:spPr>
           <a:xfrm>
-            <a:off x="471488" y="15015408"/>
-            <a:ext cx="1543050" cy="862523"/>
+            <a:off x="471488" y="30029348"/>
+            <a:ext cx="1543050" cy="1724963"/>
           </a:xfrm>
           <a:prstGeom prst="rect">
             <a:avLst/>
@@ -3185,7 +2842,7 @@
           <a:bodyPr vert="horz" lIns="91440" tIns="45720" rIns="91440" bIns="45720" rtlCol="0" anchor="ctr"/>
           <a:lstStyle>
             <a:lvl1pPr algn="l">
-              <a:defRPr sz="675">
+              <a:defRPr sz="900">
                 <a:solidFill>
                   <a:schemeClr val="tx1">
                     <a:tint val="75000"/>
@@ -3205,13 +2862,7 @@
       </p:sp>
       <p:sp>
         <p:nvSpPr>
-          <p:cNvPr id="5" name="フッター プレースホルダー 4">
-            <a:extLst>
-              <a:ext uri="{FF2B5EF4-FFF2-40B4-BE49-F238E27FC236}">
-                <a16:creationId xmlns:a16="http://schemas.microsoft.com/office/drawing/2014/main" id="{54D121A4-F0D2-43E2-8270-958BCFE2E301}"/>
-              </a:ext>
-            </a:extLst>
-          </p:cNvPr>
+          <p:cNvPr id="5" name="Footer Placeholder 4"/>
           <p:cNvSpPr>
             <a:spLocks noGrp="1"/>
           </p:cNvSpPr>
@@ -3221,8 +2872,8 @@
         </p:nvSpPr>
         <p:spPr>
           <a:xfrm>
-            <a:off x="2271714" y="15015408"/>
-            <a:ext cx="2314575" cy="862523"/>
+            <a:off x="2271716" y="30029348"/>
+            <a:ext cx="2314575" cy="1724963"/>
           </a:xfrm>
           <a:prstGeom prst="rect">
             <a:avLst/>
@@ -3232,7 +2883,7 @@
           <a:bodyPr vert="horz" lIns="91440" tIns="45720" rIns="91440" bIns="45720" rtlCol="0" anchor="ctr"/>
           <a:lstStyle>
             <a:lvl1pPr algn="ctr">
-              <a:defRPr sz="675">
+              <a:defRPr sz="900">
                 <a:solidFill>
                   <a:schemeClr val="tx1">
                     <a:tint val="75000"/>
@@ -3248,13 +2899,7 @@
       </p:sp>
       <p:sp>
         <p:nvSpPr>
-          <p:cNvPr id="6" name="スライド番号プレースホルダー 5">
-            <a:extLst>
-              <a:ext uri="{FF2B5EF4-FFF2-40B4-BE49-F238E27FC236}">
-                <a16:creationId xmlns:a16="http://schemas.microsoft.com/office/drawing/2014/main" id="{BD2F8483-042C-4193-A50F-58FCA79F4B84}"/>
-              </a:ext>
-            </a:extLst>
-          </p:cNvPr>
+          <p:cNvPr id="6" name="Slide Number Placeholder 5"/>
           <p:cNvSpPr>
             <a:spLocks noGrp="1"/>
           </p:cNvSpPr>
@@ -3264,8 +2909,8 @@
         </p:nvSpPr>
         <p:spPr>
           <a:xfrm>
-            <a:off x="4843463" y="15015408"/>
-            <a:ext cx="1543050" cy="862523"/>
+            <a:off x="4843463" y="30029348"/>
+            <a:ext cx="1543050" cy="1724963"/>
           </a:xfrm>
           <a:prstGeom prst="rect">
             <a:avLst/>
@@ -3275,7 +2920,7 @@
           <a:bodyPr vert="horz" lIns="91440" tIns="45720" rIns="91440" bIns="45720" rtlCol="0" anchor="ctr"/>
           <a:lstStyle>
             <a:lvl1pPr algn="r">
-              <a:defRPr sz="675">
+              <a:defRPr sz="900">
                 <a:solidFill>
                   <a:schemeClr val="tx1">
                     <a:tint val="75000"/>
@@ -3296,27 +2941,27 @@
     </p:spTree>
     <p:extLst>
       <p:ext uri="{BB962C8B-B14F-4D97-AF65-F5344CB8AC3E}">
-        <p14:creationId xmlns:p14="http://schemas.microsoft.com/office/powerpoint/2010/main" val="907000817"/>
+        <p14:creationId xmlns:p14="http://schemas.microsoft.com/office/powerpoint/2010/main" val="2925934285"/>
       </p:ext>
     </p:extLst>
   </p:cSld>
-  <p:clrMap bg1="lt1" tx1="dk1" bg2="lt2" tx2="dk2" accent1="accent1" accent2="accent2" accent3="accent3" accent4="accent4" accent5="accent5" accent6="accent6" hlink="hlink" folHlink="folHlink"/>
+  <p:clrMap bg1="dk1" tx1="lt1" bg2="dk2" tx2="lt2" accent1="accent1" accent2="accent2" accent3="accent3" accent4="accent4" accent5="accent5" accent6="accent6" hlink="hlink" folHlink="folHlink"/>
   <p:sldLayoutIdLst>
-    <p:sldLayoutId id="2147483649" r:id="rId1"/>
-    <p:sldLayoutId id="2147483650" r:id="rId2"/>
-    <p:sldLayoutId id="2147483651" r:id="rId3"/>
-    <p:sldLayoutId id="2147483652" r:id="rId4"/>
-    <p:sldLayoutId id="2147483653" r:id="rId5"/>
-    <p:sldLayoutId id="2147483654" r:id="rId6"/>
-    <p:sldLayoutId id="2147483655" r:id="rId7"/>
-    <p:sldLayoutId id="2147483656" r:id="rId8"/>
-    <p:sldLayoutId id="2147483657" r:id="rId9"/>
-    <p:sldLayoutId id="2147483658" r:id="rId10"/>
-    <p:sldLayoutId id="2147483659" r:id="rId11"/>
+    <p:sldLayoutId id="2147483673" r:id="rId1"/>
+    <p:sldLayoutId id="2147483674" r:id="rId2"/>
+    <p:sldLayoutId id="2147483675" r:id="rId3"/>
+    <p:sldLayoutId id="2147483676" r:id="rId4"/>
+    <p:sldLayoutId id="2147483677" r:id="rId5"/>
+    <p:sldLayoutId id="2147483678" r:id="rId6"/>
+    <p:sldLayoutId id="2147483679" r:id="rId7"/>
+    <p:sldLayoutId id="2147483680" r:id="rId8"/>
+    <p:sldLayoutId id="2147483681" r:id="rId9"/>
+    <p:sldLayoutId id="2147483682" r:id="rId10"/>
+    <p:sldLayoutId id="2147483683" r:id="rId11"/>
   </p:sldLayoutIdLst>
   <p:txStyles>
     <p:titleStyle>
-      <a:lvl1pPr algn="l" defTabSz="514350" rtl="0" eaLnBrk="1" latinLnBrk="0" hangingPunct="1">
+      <a:lvl1pPr algn="l" defTabSz="685835" rtl="0" eaLnBrk="1" latinLnBrk="0" hangingPunct="1">
         <a:lnSpc>
           <a:spcPct val="90000"/>
         </a:lnSpc>
@@ -3324,7 +2969,7 @@
           <a:spcPct val="0"/>
         </a:spcBef>
         <a:buNone/>
-        <a:defRPr kumimoji="1" sz="2475" kern="1200">
+        <a:defRPr kumimoji="1" sz="3300" kern="1200">
           <a:solidFill>
             <a:schemeClr val="tx1"/>
           </a:solidFill>
@@ -3335,16 +2980,16 @@
       </a:lvl1pPr>
     </p:titleStyle>
     <p:bodyStyle>
-      <a:lvl1pPr marL="128588" indent="-128588" algn="l" defTabSz="514350" rtl="0" eaLnBrk="1" latinLnBrk="0" hangingPunct="1">
+      <a:lvl1pPr marL="171459" indent="-171459" algn="l" defTabSz="685835" rtl="0" eaLnBrk="1" latinLnBrk="0" hangingPunct="1">
         <a:lnSpc>
           <a:spcPct val="90000"/>
         </a:lnSpc>
         <a:spcBef>
-          <a:spcPts val="563"/>
+          <a:spcPts val="750"/>
         </a:spcBef>
         <a:buFont typeface="Arial" panose="020B0604020202020204" pitchFamily="34" charset="0"/>
         <a:buChar char="•"/>
-        <a:defRPr kumimoji="1" sz="1575" kern="1200">
+        <a:defRPr kumimoji="1" sz="2100" kern="1200">
           <a:solidFill>
             <a:schemeClr val="tx1"/>
           </a:solidFill>
@@ -3353,12 +2998,48 @@
           <a:cs typeface="+mn-cs"/>
         </a:defRPr>
       </a:lvl1pPr>
-      <a:lvl2pPr marL="385763" indent="-128588" algn="l" defTabSz="514350" rtl="0" eaLnBrk="1" latinLnBrk="0" hangingPunct="1">
+      <a:lvl2pPr marL="514376" indent="-171459" algn="l" defTabSz="685835" rtl="0" eaLnBrk="1" latinLnBrk="0" hangingPunct="1">
         <a:lnSpc>
           <a:spcPct val="90000"/>
         </a:lnSpc>
         <a:spcBef>
-          <a:spcPts val="281"/>
+          <a:spcPts val="375"/>
+        </a:spcBef>
+        <a:buFont typeface="Arial" panose="020B0604020202020204" pitchFamily="34" charset="0"/>
+        <a:buChar char="•"/>
+        <a:defRPr kumimoji="1" sz="1800" kern="1200">
+          <a:solidFill>
+            <a:schemeClr val="tx1"/>
+          </a:solidFill>
+          <a:latin typeface="+mn-lt"/>
+          <a:ea typeface="+mn-ea"/>
+          <a:cs typeface="+mn-cs"/>
+        </a:defRPr>
+      </a:lvl2pPr>
+      <a:lvl3pPr marL="857294" indent="-171459" algn="l" defTabSz="685835" rtl="0" eaLnBrk="1" latinLnBrk="0" hangingPunct="1">
+        <a:lnSpc>
+          <a:spcPct val="90000"/>
+        </a:lnSpc>
+        <a:spcBef>
+          <a:spcPts val="375"/>
+        </a:spcBef>
+        <a:buFont typeface="Arial" panose="020B0604020202020204" pitchFamily="34" charset="0"/>
+        <a:buChar char="•"/>
+        <a:defRPr kumimoji="1" sz="1500" kern="1200">
+          <a:solidFill>
+            <a:schemeClr val="tx1"/>
+          </a:solidFill>
+          <a:latin typeface="+mn-lt"/>
+          <a:ea typeface="+mn-ea"/>
+          <a:cs typeface="+mn-cs"/>
+        </a:defRPr>
+      </a:lvl3pPr>
+      <a:lvl4pPr marL="1200210" indent="-171459" algn="l" defTabSz="685835" rtl="0" eaLnBrk="1" latinLnBrk="0" hangingPunct="1">
+        <a:lnSpc>
+          <a:spcPct val="90000"/>
+        </a:lnSpc>
+        <a:spcBef>
+          <a:spcPts val="375"/>
         </a:spcBef>
         <a:buFont typeface="Arial" panose="020B0604020202020204" pitchFamily="34" charset="0"/>
         <a:buChar char="•"/>
@@ -3370,53 +3051,17 @@
           <a:ea typeface="+mn-ea"/>
           <a:cs typeface="+mn-cs"/>
         </a:defRPr>
-      </a:lvl2pPr>
-      <a:lvl3pPr marL="642938" indent="-128588" algn="l" defTabSz="514350" rtl="0" eaLnBrk="1" latinLnBrk="0" hangingPunct="1">
+      </a:lvl4pPr>
+      <a:lvl5pPr marL="1543127" indent="-171459" algn="l" defTabSz="685835" rtl="0" eaLnBrk="1" latinLnBrk="0" hangingPunct="1">
         <a:lnSpc>
           <a:spcPct val="90000"/>
         </a:lnSpc>
         <a:spcBef>
-          <a:spcPts val="281"/>
+          <a:spcPts val="375"/>
         </a:spcBef>
         <a:buFont typeface="Arial" panose="020B0604020202020204" pitchFamily="34" charset="0"/>
         <a:buChar char="•"/>
-        <a:defRPr kumimoji="1" sz="1125" kern="1200">
-          <a:solidFill>
-            <a:schemeClr val="tx1"/>
-          </a:solidFill>
-          <a:latin typeface="+mn-lt"/>
-          <a:ea typeface="+mn-ea"/>
-          <a:cs typeface="+mn-cs"/>
-        </a:defRPr>
-      </a:lvl3pPr>
-      <a:lvl4pPr marL="900113" indent="-128588" algn="l" defTabSz="514350" rtl="0" eaLnBrk="1" latinLnBrk="0" hangingPunct="1">
-        <a:lnSpc>
-          <a:spcPct val="90000"/>
-        </a:lnSpc>
-        <a:spcBef>
-          <a:spcPts val="281"/>
-        </a:spcBef>
-        <a:buFont typeface="Arial" panose="020B0604020202020204" pitchFamily="34" charset="0"/>
-        <a:buChar char="•"/>
-        <a:defRPr kumimoji="1" sz="1013" kern="1200">
-          <a:solidFill>
-            <a:schemeClr val="tx1"/>
-          </a:solidFill>
-          <a:latin typeface="+mn-lt"/>
-          <a:ea typeface="+mn-ea"/>
-          <a:cs typeface="+mn-cs"/>
-        </a:defRPr>
-      </a:lvl4pPr>
-      <a:lvl5pPr marL="1157288" indent="-128588" algn="l" defTabSz="514350" rtl="0" eaLnBrk="1" latinLnBrk="0" hangingPunct="1">
-        <a:lnSpc>
-          <a:spcPct val="90000"/>
-        </a:lnSpc>
-        <a:spcBef>
-          <a:spcPts val="281"/>
-        </a:spcBef>
-        <a:buFont typeface="Arial" panose="020B0604020202020204" pitchFamily="34" charset="0"/>
-        <a:buChar char="•"/>
-        <a:defRPr kumimoji="1" sz="1013" kern="1200">
+        <a:defRPr kumimoji="1" sz="1350" kern="1200">
           <a:solidFill>
             <a:schemeClr val="tx1"/>
           </a:solidFill>
@@ -3425,16 +3070,16 @@
           <a:cs typeface="+mn-cs"/>
         </a:defRPr>
       </a:lvl5pPr>
-      <a:lvl6pPr marL="1414463" indent="-128588" algn="l" defTabSz="514350" rtl="0" eaLnBrk="1" latinLnBrk="0" hangingPunct="1">
+      <a:lvl6pPr marL="1886045" indent="-171459" algn="l" defTabSz="685835" rtl="0" eaLnBrk="1" latinLnBrk="0" hangingPunct="1">
         <a:lnSpc>
           <a:spcPct val="90000"/>
         </a:lnSpc>
         <a:spcBef>
-          <a:spcPts val="281"/>
+          <a:spcPts val="375"/>
         </a:spcBef>
         <a:buFont typeface="Arial" panose="020B0604020202020204" pitchFamily="34" charset="0"/>
         <a:buChar char="•"/>
-        <a:defRPr kumimoji="1" sz="1013" kern="1200">
+        <a:defRPr kumimoji="1" sz="1350" kern="1200">
           <a:solidFill>
             <a:schemeClr val="tx1"/>
           </a:solidFill>
@@ -3443,16 +3088,16 @@
           <a:cs typeface="+mn-cs"/>
         </a:defRPr>
       </a:lvl6pPr>
-      <a:lvl7pPr marL="1671638" indent="-128588" algn="l" defTabSz="514350" rtl="0" eaLnBrk="1" latinLnBrk="0" hangingPunct="1">
+      <a:lvl7pPr marL="2228961" indent="-171459" algn="l" defTabSz="685835" rtl="0" eaLnBrk="1" latinLnBrk="0" hangingPunct="1">
         <a:lnSpc>
           <a:spcPct val="90000"/>
         </a:lnSpc>
         <a:spcBef>
-          <a:spcPts val="281"/>
+          <a:spcPts val="375"/>
         </a:spcBef>
         <a:buFont typeface="Arial" panose="020B0604020202020204" pitchFamily="34" charset="0"/>
         <a:buChar char="•"/>
-        <a:defRPr kumimoji="1" sz="1013" kern="1200">
+        <a:defRPr kumimoji="1" sz="1350" kern="1200">
           <a:solidFill>
             <a:schemeClr val="tx1"/>
           </a:solidFill>
@@ -3461,16 +3106,16 @@
           <a:cs typeface="+mn-cs"/>
         </a:defRPr>
       </a:lvl7pPr>
-      <a:lvl8pPr marL="1928813" indent="-128588" algn="l" defTabSz="514350" rtl="0" eaLnBrk="1" latinLnBrk="0" hangingPunct="1">
+      <a:lvl8pPr marL="2571879" indent="-171459" algn="l" defTabSz="685835" rtl="0" eaLnBrk="1" latinLnBrk="0" hangingPunct="1">
         <a:lnSpc>
           <a:spcPct val="90000"/>
         </a:lnSpc>
         <a:spcBef>
-          <a:spcPts val="281"/>
+          <a:spcPts val="375"/>
         </a:spcBef>
         <a:buFont typeface="Arial" panose="020B0604020202020204" pitchFamily="34" charset="0"/>
         <a:buChar char="•"/>
-        <a:defRPr kumimoji="1" sz="1013" kern="1200">
+        <a:defRPr kumimoji="1" sz="1350" kern="1200">
           <a:solidFill>
             <a:schemeClr val="tx1"/>
           </a:solidFill>
@@ -3479,16 +3124,16 @@
           <a:cs typeface="+mn-cs"/>
         </a:defRPr>
       </a:lvl8pPr>
-      <a:lvl9pPr marL="2185988" indent="-128588" algn="l" defTabSz="514350" rtl="0" eaLnBrk="1" latinLnBrk="0" hangingPunct="1">
+      <a:lvl9pPr marL="2914796" indent="-171459" algn="l" defTabSz="685835" rtl="0" eaLnBrk="1" latinLnBrk="0" hangingPunct="1">
         <a:lnSpc>
           <a:spcPct val="90000"/>
         </a:lnSpc>
         <a:spcBef>
-          <a:spcPts val="281"/>
+          <a:spcPts val="375"/>
         </a:spcBef>
         <a:buFont typeface="Arial" panose="020B0604020202020204" pitchFamily="34" charset="0"/>
         <a:buChar char="•"/>
-        <a:defRPr kumimoji="1" sz="1013" kern="1200">
+        <a:defRPr kumimoji="1" sz="1350" kern="1200">
           <a:solidFill>
             <a:schemeClr val="tx1"/>
           </a:solidFill>
@@ -3500,10 +3145,10 @@
     </p:bodyStyle>
     <p:otherStyle>
       <a:defPPr>
-        <a:defRPr lang="ja-JP"/>
+        <a:defRPr lang="en-US"/>
       </a:defPPr>
-      <a:lvl1pPr marL="0" algn="l" defTabSz="514350" rtl="0" eaLnBrk="1" latinLnBrk="0" hangingPunct="1">
-        <a:defRPr kumimoji="1" sz="1013" kern="1200">
+      <a:lvl1pPr marL="0" algn="l" defTabSz="685835" rtl="0" eaLnBrk="1" latinLnBrk="0" hangingPunct="1">
+        <a:defRPr kumimoji="1" sz="1350" kern="1200">
           <a:solidFill>
             <a:schemeClr val="tx1"/>
           </a:solidFill>
@@ -3512,8 +3157,8 @@
           <a:cs typeface="+mn-cs"/>
         </a:defRPr>
       </a:lvl1pPr>
-      <a:lvl2pPr marL="257175" algn="l" defTabSz="514350" rtl="0" eaLnBrk="1" latinLnBrk="0" hangingPunct="1">
-        <a:defRPr kumimoji="1" sz="1013" kern="1200">
+      <a:lvl2pPr marL="342917" algn="l" defTabSz="685835" rtl="0" eaLnBrk="1" latinLnBrk="0" hangingPunct="1">
+        <a:defRPr kumimoji="1" sz="1350" kern="1200">
           <a:solidFill>
             <a:schemeClr val="tx1"/>
           </a:solidFill>
@@ -3522,8 +3167,8 @@
           <a:cs typeface="+mn-cs"/>
         </a:defRPr>
       </a:lvl2pPr>
-      <a:lvl3pPr marL="514350" algn="l" defTabSz="514350" rtl="0" eaLnBrk="1" latinLnBrk="0" hangingPunct="1">
-        <a:defRPr kumimoji="1" sz="1013" kern="1200">
+      <a:lvl3pPr marL="685835" algn="l" defTabSz="685835" rtl="0" eaLnBrk="1" latinLnBrk="0" hangingPunct="1">
+        <a:defRPr kumimoji="1" sz="1350" kern="1200">
           <a:solidFill>
             <a:schemeClr val="tx1"/>
           </a:solidFill>
@@ -3532,8 +3177,8 @@
           <a:cs typeface="+mn-cs"/>
         </a:defRPr>
       </a:lvl3pPr>
-      <a:lvl4pPr marL="771525" algn="l" defTabSz="514350" rtl="0" eaLnBrk="1" latinLnBrk="0" hangingPunct="1">
-        <a:defRPr kumimoji="1" sz="1013" kern="1200">
+      <a:lvl4pPr marL="1028751" algn="l" defTabSz="685835" rtl="0" eaLnBrk="1" latinLnBrk="0" hangingPunct="1">
+        <a:defRPr kumimoji="1" sz="1350" kern="1200">
           <a:solidFill>
             <a:schemeClr val="tx1"/>
           </a:solidFill>
@@ -3542,8 +3187,8 @@
           <a:cs typeface="+mn-cs"/>
         </a:defRPr>
       </a:lvl4pPr>
-      <a:lvl5pPr marL="1028700" algn="l" defTabSz="514350" rtl="0" eaLnBrk="1" latinLnBrk="0" hangingPunct="1">
-        <a:defRPr kumimoji="1" sz="1013" kern="1200">
+      <a:lvl5pPr marL="1371669" algn="l" defTabSz="685835" rtl="0" eaLnBrk="1" latinLnBrk="0" hangingPunct="1">
+        <a:defRPr kumimoji="1" sz="1350" kern="1200">
           <a:solidFill>
             <a:schemeClr val="tx1"/>
           </a:solidFill>
@@ -3552,8 +3197,8 @@
           <a:cs typeface="+mn-cs"/>
         </a:defRPr>
       </a:lvl5pPr>
-      <a:lvl6pPr marL="1285875" algn="l" defTabSz="514350" rtl="0" eaLnBrk="1" latinLnBrk="0" hangingPunct="1">
-        <a:defRPr kumimoji="1" sz="1013" kern="1200">
+      <a:lvl6pPr marL="1714586" algn="l" defTabSz="685835" rtl="0" eaLnBrk="1" latinLnBrk="0" hangingPunct="1">
+        <a:defRPr kumimoji="1" sz="1350" kern="1200">
           <a:solidFill>
             <a:schemeClr val="tx1"/>
           </a:solidFill>
@@ -3562,8 +3207,8 @@
           <a:cs typeface="+mn-cs"/>
         </a:defRPr>
       </a:lvl6pPr>
-      <a:lvl7pPr marL="1543050" algn="l" defTabSz="514350" rtl="0" eaLnBrk="1" latinLnBrk="0" hangingPunct="1">
-        <a:defRPr kumimoji="1" sz="1013" kern="1200">
+      <a:lvl7pPr marL="2057504" algn="l" defTabSz="685835" rtl="0" eaLnBrk="1" latinLnBrk="0" hangingPunct="1">
+        <a:defRPr kumimoji="1" sz="1350" kern="1200">
           <a:solidFill>
             <a:schemeClr val="tx1"/>
           </a:solidFill>
@@ -3572,8 +3217,8 @@
           <a:cs typeface="+mn-cs"/>
         </a:defRPr>
       </a:lvl7pPr>
-      <a:lvl8pPr marL="1800225" algn="l" defTabSz="514350" rtl="0" eaLnBrk="1" latinLnBrk="0" hangingPunct="1">
-        <a:defRPr kumimoji="1" sz="1013" kern="1200">
+      <a:lvl8pPr marL="2400420" algn="l" defTabSz="685835" rtl="0" eaLnBrk="1" latinLnBrk="0" hangingPunct="1">
+        <a:defRPr kumimoji="1" sz="1350" kern="1200">
           <a:solidFill>
             <a:schemeClr val="tx1"/>
           </a:solidFill>
@@ -3582,8 +3227,8 @@
           <a:cs typeface="+mn-cs"/>
         </a:defRPr>
       </a:lvl8pPr>
-      <a:lvl9pPr marL="2057400" algn="l" defTabSz="514350" rtl="0" eaLnBrk="1" latinLnBrk="0" hangingPunct="1">
-        <a:defRPr kumimoji="1" sz="1013" kern="1200">
+      <a:lvl9pPr marL="2743337" algn="l" defTabSz="685835" rtl="0" eaLnBrk="1" latinLnBrk="0" hangingPunct="1">
+        <a:defRPr kumimoji="1" sz="1350" kern="1200">
           <a:solidFill>
             <a:schemeClr val="tx1"/>
           </a:solidFill>
@@ -3616,10 +3261,10 @@
       </p:grpSpPr>
       <p:pic>
         <p:nvPicPr>
-          <p:cNvPr id="26" name="図 25" descr="髪の長い女性&#10;&#10;自動的に生成された説明">
+          <p:cNvPr id="53" name="図 52" descr="夜空の星&#10;&#10;自動的に生成された説明">
             <a:extLst>
               <a:ext uri="{FF2B5EF4-FFF2-40B4-BE49-F238E27FC236}">
-                <a16:creationId xmlns:a16="http://schemas.microsoft.com/office/drawing/2014/main" id="{2D0FB118-654E-406E-847D-EAE4AF50DC80}"/>
+                <a16:creationId xmlns:a16="http://schemas.microsoft.com/office/drawing/2014/main" id="{5AE359D0-934C-4755-8BE2-9B6291B4BC2E}"/>
               </a:ext>
             </a:extLst>
           </p:cNvPr>
@@ -3642,20 +3287,25 @@
         </p:blipFill>
         <p:spPr>
           <a:xfrm>
-            <a:off x="0" y="540000"/>
-            <a:ext cx="6858000" cy="4573429"/>
+            <a:off x="0" y="14772068"/>
+            <a:ext cx="6858000" cy="3668337"/>
           </a:xfrm>
           <a:prstGeom prst="rect">
             <a:avLst/>
           </a:prstGeom>
+          <a:ln>
+            <a:solidFill>
+              <a:schemeClr val="tx1"/>
+            </a:solidFill>
+          </a:ln>
         </p:spPr>
       </p:pic>
       <p:pic>
         <p:nvPicPr>
-          <p:cNvPr id="44" name="図 43" descr="夜空の星&#10;&#10;自動的に生成された説明">
+          <p:cNvPr id="26" name="図 25" descr="髪の長い女性&#10;&#10;自動的に生成された説明">
             <a:extLst>
               <a:ext uri="{FF2B5EF4-FFF2-40B4-BE49-F238E27FC236}">
-                <a16:creationId xmlns:a16="http://schemas.microsoft.com/office/drawing/2014/main" id="{82F86699-7A0B-4C0B-8A99-A3D99677062F}"/>
+                <a16:creationId xmlns:a16="http://schemas.microsoft.com/office/drawing/2014/main" id="{2D0FB118-654E-406E-847D-EAE4AF50DC80}"/>
               </a:ext>
             </a:extLst>
           </p:cNvPr>
@@ -3678,20 +3328,25 @@
         </p:blipFill>
         <p:spPr>
           <a:xfrm>
-            <a:off x="0" y="4226552"/>
-            <a:ext cx="6863238" cy="5730247"/>
+            <a:off x="0" y="543177"/>
+            <a:ext cx="6858000" cy="4573430"/>
           </a:xfrm>
           <a:prstGeom prst="rect">
             <a:avLst/>
           </a:prstGeom>
+          <a:ln>
+            <a:solidFill>
+              <a:schemeClr val="tx1"/>
+            </a:solidFill>
+          </a:ln>
         </p:spPr>
       </p:pic>
       <p:pic>
         <p:nvPicPr>
-          <p:cNvPr id="48" name="図 47">
+          <p:cNvPr id="44" name="図 43" descr="夜空の星&#10;&#10;自動的に生成された説明">
             <a:extLst>
               <a:ext uri="{FF2B5EF4-FFF2-40B4-BE49-F238E27FC236}">
-                <a16:creationId xmlns:a16="http://schemas.microsoft.com/office/drawing/2014/main" id="{714D457A-43E7-40C6-9E45-DA5A0BA94A2D}"/>
+                <a16:creationId xmlns:a16="http://schemas.microsoft.com/office/drawing/2014/main" id="{82F86699-7A0B-4C0B-8A99-A3D99677062F}"/>
               </a:ext>
             </a:extLst>
           </p:cNvPr>
@@ -3701,7 +3356,7 @@
           <p:nvPr/>
         </p:nvPicPr>
         <p:blipFill>
-          <a:blip r:embed="rId4">
+          <a:blip r:embed="rId2">
             <a:extLst>
               <a:ext uri="{28A0092B-C50C-407E-A947-70E740481C1C}">
                 <a14:useLocalDpi xmlns:a14="http://schemas.microsoft.com/office/drawing/2010/main" val="0"/>
@@ -3714,12 +3369,17 @@
         </p:blipFill>
         <p:spPr>
           <a:xfrm>
-            <a:off x="0" y="9956806"/>
-            <a:ext cx="6863238" cy="4029808"/>
+            <a:off x="0" y="6925304"/>
+            <a:ext cx="6863238" cy="5730248"/>
           </a:xfrm>
           <a:prstGeom prst="rect">
             <a:avLst/>
           </a:prstGeom>
+          <a:ln>
+            <a:solidFill>
+              <a:schemeClr val="tx1"/>
+            </a:solidFill>
+          </a:ln>
         </p:spPr>
       </p:pic>
       <p:sp>
@@ -3736,8 +3396,8 @@
         </p:nvSpPr>
         <p:spPr>
           <a:xfrm>
-            <a:off x="-7462" y="6"/>
-            <a:ext cx="6858000" cy="540000"/>
+            <a:off x="1" y="3181"/>
+            <a:ext cx="6850538" cy="540000"/>
           </a:xfrm>
           <a:prstGeom prst="rect">
             <a:avLst/>
@@ -3788,7 +3448,7 @@
         </p:nvSpPr>
         <p:spPr>
           <a:xfrm>
-            <a:off x="2063" y="6"/>
+            <a:off x="2063" y="3181"/>
             <a:ext cx="1390650" cy="540000"/>
           </a:xfrm>
           <a:prstGeom prst="rect">
@@ -3826,7 +3486,7 @@
                   <a:schemeClr val="tx1"/>
                 </a:solidFill>
               </a:rPr>
-              <a:t>会社名</a:t>
+              <a:t>店名</a:t>
             </a:r>
           </a:p>
         </p:txBody>
@@ -3845,7 +3505,7 @@
         </p:nvSpPr>
         <p:spPr>
           <a:xfrm>
-            <a:off x="7326788" y="7"/>
+            <a:off x="7326788" y="3183"/>
             <a:ext cx="5915025" cy="5305425"/>
           </a:xfrm>
           <a:prstGeom prst="rect">
@@ -4020,7 +3680,7 @@
         </p:nvSpPr>
         <p:spPr>
           <a:xfrm>
-            <a:off x="7326788" y="5534031"/>
+            <a:off x="7326788" y="5537206"/>
             <a:ext cx="5915025" cy="7219950"/>
           </a:xfrm>
           <a:prstGeom prst="rect">
@@ -4436,7 +4096,7 @@
         </p:nvSpPr>
         <p:spPr>
           <a:xfrm>
-            <a:off x="1992364" y="6"/>
+            <a:off x="3719564" y="3181"/>
             <a:ext cx="810000" cy="540000"/>
           </a:xfrm>
           <a:prstGeom prst="rect">
@@ -4504,7 +4164,7 @@
         </p:nvSpPr>
         <p:spPr>
           <a:xfrm>
-            <a:off x="2806730" y="6"/>
+            <a:off x="4533930" y="3181"/>
             <a:ext cx="810000" cy="540000"/>
           </a:xfrm>
           <a:prstGeom prst="rect">
@@ -4572,7 +4232,7 @@
         </p:nvSpPr>
         <p:spPr>
           <a:xfrm>
-            <a:off x="3612999" y="0"/>
+            <a:off x="5340200" y="3175"/>
             <a:ext cx="810000" cy="540000"/>
           </a:xfrm>
           <a:prstGeom prst="rect">
@@ -4628,10 +4288,10 @@
       </p:sp>
       <p:sp>
         <p:nvSpPr>
-          <p:cNvPr id="15" name="正方形/長方形 14">
+          <p:cNvPr id="16" name="正方形/長方形 15">
             <a:extLst>
               <a:ext uri="{FF2B5EF4-FFF2-40B4-BE49-F238E27FC236}">
-                <a16:creationId xmlns:a16="http://schemas.microsoft.com/office/drawing/2014/main" id="{87B903EF-31EF-473F-AEEC-8055A982BCE8}"/>
+                <a16:creationId xmlns:a16="http://schemas.microsoft.com/office/drawing/2014/main" id="{B9F6F21A-B658-44FE-BED2-8890F6FE2CF4}"/>
               </a:ext>
             </a:extLst>
           </p:cNvPr>
@@ -4640,7 +4300,7 @@
         </p:nvSpPr>
         <p:spPr>
           <a:xfrm>
-            <a:off x="4423634" y="6"/>
+            <a:off x="6045937" y="-724"/>
             <a:ext cx="810000" cy="540000"/>
           </a:xfrm>
           <a:prstGeom prst="rect">
@@ -4673,22 +4333,33 @@
           <a:p>
             <a:pPr algn="ctr"/>
             <a:r>
+              <a:rPr lang="en-US" altLang="ja-JP" sz="800" dirty="0">
+                <a:solidFill>
+                  <a:schemeClr val="tx1"/>
+                </a:solidFill>
+              </a:rPr>
+              <a:t>ACCESS</a:t>
+            </a:r>
+          </a:p>
+          <a:p>
+            <a:pPr algn="ctr"/>
+            <a:r>
               <a:rPr lang="ja-JP" altLang="en-US" sz="800" dirty="0">
                 <a:solidFill>
                   <a:schemeClr val="tx1"/>
                 </a:solidFill>
               </a:rPr>
-              <a:t>ご予約</a:t>
-            </a:r>
-          </a:p>
-        </p:txBody>
-      </p:sp>
-      <p:sp>
-        <p:nvSpPr>
-          <p:cNvPr id="16" name="正方形/長方形 15">
+              <a:t>アクセス</a:t>
+            </a:r>
+          </a:p>
+        </p:txBody>
+      </p:sp>
+      <p:sp>
+        <p:nvSpPr>
+          <p:cNvPr id="21" name="正方形/長方形 20">
             <a:extLst>
               <a:ext uri="{FF2B5EF4-FFF2-40B4-BE49-F238E27FC236}">
-                <a16:creationId xmlns:a16="http://schemas.microsoft.com/office/drawing/2014/main" id="{B9F6F21A-B658-44FE-BED2-8890F6FE2CF4}"/>
+                <a16:creationId xmlns:a16="http://schemas.microsoft.com/office/drawing/2014/main" id="{9350FFC2-ABCD-4A43-9CAC-9F18289F6061}"/>
               </a:ext>
             </a:extLst>
           </p:cNvPr>
@@ -4697,8 +4368,8 @@
         </p:nvSpPr>
         <p:spPr>
           <a:xfrm>
-            <a:off x="5230538" y="0"/>
-            <a:ext cx="810000" cy="540000"/>
+            <a:off x="2015013" y="6986983"/>
+            <a:ext cx="2813051" cy="628650"/>
           </a:xfrm>
           <a:prstGeom prst="rect">
             <a:avLst/>
@@ -4730,145 +4401,9 @@
           <a:p>
             <a:pPr algn="ctr"/>
             <a:r>
-              <a:rPr lang="en-US" altLang="ja-JP" sz="800" dirty="0">
+              <a:rPr lang="ja-JP" altLang="en-US" dirty="0">
                 <a:solidFill>
                   <a:schemeClr val="tx1"/>
-                </a:solidFill>
-              </a:rPr>
-              <a:t>ACCESS</a:t>
-            </a:r>
-          </a:p>
-          <a:p>
-            <a:pPr algn="ctr"/>
-            <a:r>
-              <a:rPr lang="ja-JP" altLang="en-US" sz="800" dirty="0">
-                <a:solidFill>
-                  <a:schemeClr val="tx1"/>
-                </a:solidFill>
-              </a:rPr>
-              <a:t>アクセス</a:t>
-            </a:r>
-          </a:p>
-        </p:txBody>
-      </p:sp>
-      <p:sp>
-        <p:nvSpPr>
-          <p:cNvPr id="17" name="正方形/長方形 16">
-            <a:extLst>
-              <a:ext uri="{FF2B5EF4-FFF2-40B4-BE49-F238E27FC236}">
-                <a16:creationId xmlns:a16="http://schemas.microsoft.com/office/drawing/2014/main" id="{510BA4BE-5E11-472A-BA8D-A4FC3CBC29E4}"/>
-              </a:ext>
-            </a:extLst>
-          </p:cNvPr>
-          <p:cNvSpPr/>
-          <p:nvPr/>
-        </p:nvSpPr>
-        <p:spPr>
-          <a:xfrm>
-            <a:off x="6044269" y="6"/>
-            <a:ext cx="810000" cy="540000"/>
-          </a:xfrm>
-          <a:prstGeom prst="rect">
-            <a:avLst/>
-          </a:prstGeom>
-          <a:noFill/>
-          <a:ln>
-            <a:noFill/>
-          </a:ln>
-        </p:spPr>
-        <p:style>
-          <a:lnRef idx="2">
-            <a:schemeClr val="accent1">
-              <a:shade val="50000"/>
-            </a:schemeClr>
-          </a:lnRef>
-          <a:fillRef idx="1">
-            <a:schemeClr val="accent1"/>
-          </a:fillRef>
-          <a:effectRef idx="0">
-            <a:schemeClr val="accent1"/>
-          </a:effectRef>
-          <a:fontRef idx="minor">
-            <a:schemeClr val="lt1"/>
-          </a:fontRef>
-        </p:style>
-        <p:txBody>
-          <a:bodyPr rtlCol="0" anchor="ctr"/>
-          <a:lstStyle/>
-          <a:p>
-            <a:pPr algn="ctr"/>
-            <a:r>
-              <a:rPr lang="en-US" altLang="ja-JP" sz="800" dirty="0">
-                <a:solidFill>
-                  <a:schemeClr val="tx1"/>
-                </a:solidFill>
-              </a:rPr>
-              <a:t>RECRUIT</a:t>
-            </a:r>
-          </a:p>
-          <a:p>
-            <a:pPr algn="ctr"/>
-            <a:r>
-              <a:rPr lang="ja-JP" altLang="en-US" sz="800" dirty="0">
-                <a:solidFill>
-                  <a:schemeClr val="tx1"/>
-                </a:solidFill>
-              </a:rPr>
-              <a:t>リクルート</a:t>
-            </a:r>
-          </a:p>
-        </p:txBody>
-      </p:sp>
-      <p:sp>
-        <p:nvSpPr>
-          <p:cNvPr id="21" name="正方形/長方形 20">
-            <a:extLst>
-              <a:ext uri="{FF2B5EF4-FFF2-40B4-BE49-F238E27FC236}">
-                <a16:creationId xmlns:a16="http://schemas.microsoft.com/office/drawing/2014/main" id="{9350FFC2-ABCD-4A43-9CAC-9F18289F6061}"/>
-              </a:ext>
-            </a:extLst>
-          </p:cNvPr>
-          <p:cNvSpPr/>
-          <p:nvPr/>
-        </p:nvSpPr>
-        <p:spPr>
-          <a:xfrm>
-            <a:off x="2206474" y="4254500"/>
-            <a:ext cx="2813050" cy="628650"/>
-          </a:xfrm>
-          <a:prstGeom prst="rect">
-            <a:avLst/>
-          </a:prstGeom>
-          <a:noFill/>
-          <a:ln>
-            <a:noFill/>
-          </a:ln>
-        </p:spPr>
-        <p:style>
-          <a:lnRef idx="2">
-            <a:schemeClr val="accent1">
-              <a:shade val="50000"/>
-            </a:schemeClr>
-          </a:lnRef>
-          <a:fillRef idx="1">
-            <a:schemeClr val="accent1"/>
-          </a:fillRef>
-          <a:effectRef idx="0">
-            <a:schemeClr val="accent1"/>
-          </a:effectRef>
-          <a:fontRef idx="minor">
-            <a:schemeClr val="lt1"/>
-          </a:fontRef>
-        </p:style>
-        <p:txBody>
-          <a:bodyPr rtlCol="0" anchor="ctr"/>
-          <a:lstStyle/>
-          <a:p>
-            <a:pPr algn="ctr"/>
-            <a:r>
-              <a:rPr lang="ja-JP" altLang="en-US" dirty="0">
-                <a:solidFill>
-                  <a:schemeClr val="bg1"/>
                 </a:solidFill>
               </a:rPr>
               <a:t>セラピスト</a:t>
@@ -4890,7 +4425,7 @@
         </p:nvGrpSpPr>
         <p:grpSpPr>
           <a:xfrm>
-            <a:off x="1091088" y="5185509"/>
+            <a:off x="893732" y="7892167"/>
             <a:ext cx="1440000" cy="1800000"/>
             <a:chOff x="1098550" y="4042503"/>
             <a:chExt cx="1440000" cy="1800000"/>
@@ -5038,7 +4573,7 @@
         </p:nvGrpSpPr>
         <p:grpSpPr>
           <a:xfrm>
-            <a:off x="2889590" y="5185509"/>
+            <a:off x="2709000" y="7892167"/>
             <a:ext cx="1440000" cy="1800000"/>
             <a:chOff x="1098550" y="4042503"/>
             <a:chExt cx="1440000" cy="1800000"/>
@@ -5186,7 +4721,7 @@
         </p:nvGrpSpPr>
         <p:grpSpPr>
           <a:xfrm>
-            <a:off x="4692404" y="5185509"/>
+            <a:off x="4524269" y="7892167"/>
             <a:ext cx="1440000" cy="1800000"/>
             <a:chOff x="1098550" y="4042503"/>
             <a:chExt cx="1440000" cy="1800000"/>
@@ -5334,7 +4869,7 @@
         </p:nvGrpSpPr>
         <p:grpSpPr>
           <a:xfrm>
-            <a:off x="1091088" y="7239006"/>
+            <a:off x="917270" y="9941722"/>
             <a:ext cx="1440000" cy="1800000"/>
             <a:chOff x="1098550" y="4042503"/>
             <a:chExt cx="1440000" cy="1800000"/>
@@ -5482,7 +5017,7 @@
         </p:nvGrpSpPr>
         <p:grpSpPr>
           <a:xfrm>
-            <a:off x="2889590" y="7239006"/>
+            <a:off x="2715773" y="9941722"/>
             <a:ext cx="1440000" cy="1800000"/>
             <a:chOff x="1098550" y="4042503"/>
             <a:chExt cx="1440000" cy="1800000"/>
@@ -5630,7 +5165,7 @@
         </p:nvGrpSpPr>
         <p:grpSpPr>
           <a:xfrm>
-            <a:off x="4692404" y="7239006"/>
+            <a:off x="4518587" y="9941722"/>
             <a:ext cx="1440000" cy="1800000"/>
             <a:chOff x="1098550" y="4042503"/>
             <a:chExt cx="1440000" cy="1800000"/>
@@ -5778,8 +5313,8 @@
         </p:nvSpPr>
         <p:spPr>
           <a:xfrm>
-            <a:off x="2889590" y="9392036"/>
-            <a:ext cx="1440000" cy="329947"/>
+            <a:off x="2715773" y="12098484"/>
+            <a:ext cx="1440000" cy="329948"/>
           </a:xfrm>
           <a:prstGeom prst="rect">
             <a:avLst/>
@@ -5838,52 +5373,6 @@
       </p:sp>
       <p:sp>
         <p:nvSpPr>
-          <p:cNvPr id="46" name="正方形/長方形 45">
-            <a:extLst>
-              <a:ext uri="{FF2B5EF4-FFF2-40B4-BE49-F238E27FC236}">
-                <a16:creationId xmlns:a16="http://schemas.microsoft.com/office/drawing/2014/main" id="{F912FE3E-8ADD-418D-A82D-65F4B4C7FA0A}"/>
-              </a:ext>
-            </a:extLst>
-          </p:cNvPr>
-          <p:cNvSpPr/>
-          <p:nvPr/>
-        </p:nvSpPr>
-        <p:spPr>
-          <a:xfrm>
-            <a:off x="1636438" y="10387388"/>
-            <a:ext cx="3594100" cy="3168644"/>
-          </a:xfrm>
-          <a:prstGeom prst="rect">
-            <a:avLst/>
-          </a:prstGeom>
-        </p:spPr>
-        <p:style>
-          <a:lnRef idx="2">
-            <a:schemeClr val="dk1">
-              <a:shade val="50000"/>
-            </a:schemeClr>
-          </a:lnRef>
-          <a:fillRef idx="1">
-            <a:schemeClr val="dk1"/>
-          </a:fillRef>
-          <a:effectRef idx="0">
-            <a:schemeClr val="dk1"/>
-          </a:effectRef>
-          <a:fontRef idx="minor">
-            <a:schemeClr val="lt1"/>
-          </a:fontRef>
-        </p:style>
-        <p:txBody>
-          <a:bodyPr rtlCol="0" anchor="ctr"/>
-          <a:lstStyle/>
-          <a:p>
-            <a:pPr algn="ctr"/>
-            <a:endParaRPr kumimoji="1" lang="ja-JP" altLang="en-US" dirty="0"/>
-          </a:p>
-        </p:txBody>
-      </p:sp>
-      <p:sp>
-        <p:nvSpPr>
           <p:cNvPr id="49" name="正方形/長方形 48">
             <a:extLst>
               <a:ext uri="{FF2B5EF4-FFF2-40B4-BE49-F238E27FC236}">
@@ -5896,8 +5385,8 @@
         </p:nvSpPr>
         <p:spPr>
           <a:xfrm>
-            <a:off x="2015013" y="10387388"/>
-            <a:ext cx="2813050" cy="628650"/>
+            <a:off x="2015018" y="14857788"/>
+            <a:ext cx="2813051" cy="628650"/>
           </a:xfrm>
           <a:prstGeom prst="rect">
             <a:avLst/>
@@ -5931,14 +5420,14 @@
             <a:r>
               <a:rPr lang="ja-JP" altLang="en-US" dirty="0">
                 <a:solidFill>
-                  <a:schemeClr val="bg1"/>
+                  <a:schemeClr val="tx1"/>
                 </a:solidFill>
               </a:rPr>
               <a:t>メニュー</a:t>
             </a:r>
             <a:endParaRPr lang="en-US" altLang="ja-JP" dirty="0">
               <a:solidFill>
-                <a:schemeClr val="bg1"/>
+                <a:schemeClr val="tx1"/>
               </a:solidFill>
             </a:endParaRPr>
           </a:p>
@@ -5958,12 +5447,18 @@
         </p:nvSpPr>
         <p:spPr>
           <a:xfrm>
-            <a:off x="4017999" y="1164751"/>
-            <a:ext cx="2528310" cy="744904"/>
+            <a:off x="4017999" y="1167927"/>
+            <a:ext cx="2528310" cy="744905"/>
           </a:xfrm>
           <a:prstGeom prst="rect">
             <a:avLst/>
           </a:prstGeom>
+          <a:solidFill>
+            <a:schemeClr val="bg1"/>
+          </a:solidFill>
+          <a:ln>
+            <a:noFill/>
+          </a:ln>
         </p:spPr>
         <p:style>
           <a:lnRef idx="2">
@@ -5987,9 +5482,1199 @@
           <a:p>
             <a:pPr algn="ctr"/>
             <a:r>
-              <a:rPr kumimoji="1" lang="ja-JP" altLang="en-US" sz="2400" dirty="0"/>
+              <a:rPr lang="ja-JP" altLang="en-US" sz="2400" dirty="0"/>
               <a:t>キャッチコピー</a:t>
             </a:r>
+          </a:p>
+        </p:txBody>
+      </p:sp>
+      <p:sp>
+        <p:nvSpPr>
+          <p:cNvPr id="45" name="正方形/長方形 44">
+            <a:extLst>
+              <a:ext uri="{FF2B5EF4-FFF2-40B4-BE49-F238E27FC236}">
+                <a16:creationId xmlns:a16="http://schemas.microsoft.com/office/drawing/2014/main" id="{01F46906-67CE-4457-90FF-EA4AE214C358}"/>
+              </a:ext>
+            </a:extLst>
+          </p:cNvPr>
+          <p:cNvSpPr/>
+          <p:nvPr/>
+        </p:nvSpPr>
+        <p:spPr>
+          <a:xfrm>
+            <a:off x="2015014" y="5110884"/>
+            <a:ext cx="2813051" cy="628650"/>
+          </a:xfrm>
+          <a:prstGeom prst="rect">
+            <a:avLst/>
+          </a:prstGeom>
+          <a:noFill/>
+          <a:ln>
+            <a:noFill/>
+          </a:ln>
+        </p:spPr>
+        <p:style>
+          <a:lnRef idx="2">
+            <a:schemeClr val="accent1">
+              <a:shade val="50000"/>
+            </a:schemeClr>
+          </a:lnRef>
+          <a:fillRef idx="1">
+            <a:schemeClr val="accent1"/>
+          </a:fillRef>
+          <a:effectRef idx="0">
+            <a:schemeClr val="accent1"/>
+          </a:effectRef>
+          <a:fontRef idx="minor">
+            <a:schemeClr val="lt1"/>
+          </a:fontRef>
+        </p:style>
+        <p:txBody>
+          <a:bodyPr rtlCol="0" anchor="ctr"/>
+          <a:lstStyle/>
+          <a:p>
+            <a:pPr algn="ctr"/>
+            <a:r>
+              <a:rPr lang="ja-JP" altLang="en-US" dirty="0">
+                <a:solidFill>
+                  <a:schemeClr val="tx1"/>
+                </a:solidFill>
+              </a:rPr>
+              <a:t>インフォメーション</a:t>
+            </a:r>
+          </a:p>
+        </p:txBody>
+      </p:sp>
+      <p:sp>
+        <p:nvSpPr>
+          <p:cNvPr id="6" name="正方形/長方形 5">
+            <a:extLst>
+              <a:ext uri="{FF2B5EF4-FFF2-40B4-BE49-F238E27FC236}">
+                <a16:creationId xmlns:a16="http://schemas.microsoft.com/office/drawing/2014/main" id="{52F7D212-6248-4C11-9F35-A3C7FCA71E22}"/>
+              </a:ext>
+            </a:extLst>
+          </p:cNvPr>
+          <p:cNvSpPr/>
+          <p:nvPr/>
+        </p:nvSpPr>
+        <p:spPr>
+          <a:xfrm>
+            <a:off x="2715773" y="12848308"/>
+            <a:ext cx="1440000" cy="1440000"/>
+          </a:xfrm>
+          <a:prstGeom prst="rect">
+            <a:avLst/>
+          </a:prstGeom>
+          <a:solidFill>
+            <a:schemeClr val="bg1"/>
+          </a:solidFill>
+          <a:ln>
+            <a:solidFill>
+              <a:schemeClr val="tx1"/>
+            </a:solidFill>
+          </a:ln>
+        </p:spPr>
+        <p:style>
+          <a:lnRef idx="2">
+            <a:schemeClr val="accent1">
+              <a:shade val="50000"/>
+            </a:schemeClr>
+          </a:lnRef>
+          <a:fillRef idx="1">
+            <a:schemeClr val="accent1"/>
+          </a:fillRef>
+          <a:effectRef idx="0">
+            <a:schemeClr val="accent1"/>
+          </a:effectRef>
+          <a:fontRef idx="minor">
+            <a:schemeClr val="lt1"/>
+          </a:fontRef>
+        </p:style>
+        <p:txBody>
+          <a:bodyPr rtlCol="0" anchor="ctr"/>
+          <a:lstStyle/>
+          <a:p>
+            <a:pPr algn="ctr"/>
+            <a:r>
+              <a:rPr lang="ja-JP" altLang="en-US" dirty="0"/>
+              <a:t>テキスト</a:t>
+            </a:r>
+          </a:p>
+        </p:txBody>
+      </p:sp>
+      <p:sp>
+        <p:nvSpPr>
+          <p:cNvPr id="47" name="正方形/長方形 46">
+            <a:extLst>
+              <a:ext uri="{FF2B5EF4-FFF2-40B4-BE49-F238E27FC236}">
+                <a16:creationId xmlns:a16="http://schemas.microsoft.com/office/drawing/2014/main" id="{A5C21D51-AB31-4B43-9E3E-379728D0A4DA}"/>
+              </a:ext>
+            </a:extLst>
+          </p:cNvPr>
+          <p:cNvSpPr/>
+          <p:nvPr/>
+        </p:nvSpPr>
+        <p:spPr>
+          <a:xfrm>
+            <a:off x="4518587" y="13074799"/>
+            <a:ext cx="1440000" cy="1440000"/>
+          </a:xfrm>
+          <a:prstGeom prst="rect">
+            <a:avLst/>
+          </a:prstGeom>
+          <a:ln>
+            <a:solidFill>
+              <a:schemeClr val="tx1"/>
+            </a:solidFill>
+          </a:ln>
+        </p:spPr>
+        <p:style>
+          <a:lnRef idx="2">
+            <a:schemeClr val="dk1">
+              <a:shade val="50000"/>
+            </a:schemeClr>
+          </a:lnRef>
+          <a:fillRef idx="1">
+            <a:schemeClr val="dk1"/>
+          </a:fillRef>
+          <a:effectRef idx="0">
+            <a:schemeClr val="dk1"/>
+          </a:effectRef>
+          <a:fontRef idx="minor">
+            <a:schemeClr val="lt1"/>
+          </a:fontRef>
+        </p:style>
+        <p:txBody>
+          <a:bodyPr rtlCol="0" anchor="ctr"/>
+          <a:lstStyle/>
+          <a:p>
+            <a:pPr algn="ctr"/>
+            <a:r>
+              <a:rPr lang="ja-JP" altLang="en-US" dirty="0"/>
+              <a:t>テキスト</a:t>
+            </a:r>
+          </a:p>
+        </p:txBody>
+      </p:sp>
+      <p:sp>
+        <p:nvSpPr>
+          <p:cNvPr id="50" name="正方形/長方形 49">
+            <a:extLst>
+              <a:ext uri="{FF2B5EF4-FFF2-40B4-BE49-F238E27FC236}">
+                <a16:creationId xmlns:a16="http://schemas.microsoft.com/office/drawing/2014/main" id="{08CF05BC-9C37-43CF-8052-FCA135C1FC51}"/>
+              </a:ext>
+            </a:extLst>
+          </p:cNvPr>
+          <p:cNvSpPr/>
+          <p:nvPr/>
+        </p:nvSpPr>
+        <p:spPr>
+          <a:xfrm>
+            <a:off x="9564300" y="13587125"/>
+            <a:ext cx="1440000" cy="1440000"/>
+          </a:xfrm>
+          <a:prstGeom prst="rect">
+            <a:avLst/>
+          </a:prstGeom>
+          <a:solidFill>
+            <a:srgbClr val="002060"/>
+          </a:solidFill>
+          <a:ln>
+            <a:solidFill>
+              <a:schemeClr val="tx1"/>
+            </a:solidFill>
+          </a:ln>
+        </p:spPr>
+        <p:style>
+          <a:lnRef idx="2">
+            <a:schemeClr val="accent1">
+              <a:shade val="50000"/>
+            </a:schemeClr>
+          </a:lnRef>
+          <a:fillRef idx="1">
+            <a:schemeClr val="accent1"/>
+          </a:fillRef>
+          <a:effectRef idx="0">
+            <a:schemeClr val="accent1"/>
+          </a:effectRef>
+          <a:fontRef idx="minor">
+            <a:schemeClr val="lt1"/>
+          </a:fontRef>
+        </p:style>
+        <p:txBody>
+          <a:bodyPr rtlCol="0" anchor="ctr"/>
+          <a:lstStyle/>
+          <a:p>
+            <a:pPr algn="ctr"/>
+            <a:r>
+              <a:rPr lang="ja-JP" altLang="en-US" dirty="0"/>
+              <a:t>テキスト</a:t>
+            </a:r>
+          </a:p>
+        </p:txBody>
+      </p:sp>
+      <p:sp>
+        <p:nvSpPr>
+          <p:cNvPr id="51" name="正方形/長方形 50">
+            <a:extLst>
+              <a:ext uri="{FF2B5EF4-FFF2-40B4-BE49-F238E27FC236}">
+                <a16:creationId xmlns:a16="http://schemas.microsoft.com/office/drawing/2014/main" id="{AAE6C78D-D7C6-4E32-85F6-93EFF845CD3C}"/>
+              </a:ext>
+            </a:extLst>
+          </p:cNvPr>
+          <p:cNvSpPr/>
+          <p:nvPr/>
+        </p:nvSpPr>
+        <p:spPr>
+          <a:xfrm>
+            <a:off x="917270" y="13074799"/>
+            <a:ext cx="1440000" cy="1440000"/>
+          </a:xfrm>
+          <a:prstGeom prst="rect">
+            <a:avLst/>
+          </a:prstGeom>
+          <a:ln>
+            <a:solidFill>
+              <a:schemeClr val="tx1"/>
+            </a:solidFill>
+          </a:ln>
+        </p:spPr>
+        <p:style>
+          <a:lnRef idx="2">
+            <a:schemeClr val="dk1">
+              <a:shade val="50000"/>
+            </a:schemeClr>
+          </a:lnRef>
+          <a:fillRef idx="1">
+            <a:schemeClr val="dk1"/>
+          </a:fillRef>
+          <a:effectRef idx="0">
+            <a:schemeClr val="dk1"/>
+          </a:effectRef>
+          <a:fontRef idx="minor">
+            <a:schemeClr val="lt1"/>
+          </a:fontRef>
+        </p:style>
+        <p:txBody>
+          <a:bodyPr rtlCol="0" anchor="ctr"/>
+          <a:lstStyle/>
+          <a:p>
+            <a:pPr algn="ctr"/>
+            <a:r>
+              <a:rPr lang="ja-JP" altLang="en-US" dirty="0"/>
+              <a:t>テキスト</a:t>
+            </a:r>
+          </a:p>
+        </p:txBody>
+      </p:sp>
+      <p:sp>
+        <p:nvSpPr>
+          <p:cNvPr id="54" name="正方形/長方形 53">
+            <a:extLst>
+              <a:ext uri="{FF2B5EF4-FFF2-40B4-BE49-F238E27FC236}">
+                <a16:creationId xmlns:a16="http://schemas.microsoft.com/office/drawing/2014/main" id="{7D6B9940-1F93-464A-9A8A-F868F0A38AF7}"/>
+              </a:ext>
+            </a:extLst>
+          </p:cNvPr>
+          <p:cNvSpPr/>
+          <p:nvPr/>
+        </p:nvSpPr>
+        <p:spPr>
+          <a:xfrm>
+            <a:off x="917272" y="15053778"/>
+            <a:ext cx="5041316" cy="3168644"/>
+          </a:xfrm>
+          <a:prstGeom prst="rect">
+            <a:avLst/>
+          </a:prstGeom>
+          <a:ln>
+            <a:solidFill>
+              <a:schemeClr val="tx1"/>
+            </a:solidFill>
+          </a:ln>
+        </p:spPr>
+        <p:style>
+          <a:lnRef idx="2">
+            <a:schemeClr val="dk1">
+              <a:shade val="50000"/>
+            </a:schemeClr>
+          </a:lnRef>
+          <a:fillRef idx="1">
+            <a:schemeClr val="dk1"/>
+          </a:fillRef>
+          <a:effectRef idx="0">
+            <a:schemeClr val="dk1"/>
+          </a:effectRef>
+          <a:fontRef idx="minor">
+            <a:schemeClr val="lt1"/>
+          </a:fontRef>
+        </p:style>
+        <p:txBody>
+          <a:bodyPr rtlCol="0" anchor="ctr"/>
+          <a:lstStyle/>
+          <a:p>
+            <a:pPr algn="ctr"/>
+            <a:endParaRPr lang="ja-JP" altLang="en-US" dirty="0"/>
+          </a:p>
+        </p:txBody>
+      </p:sp>
+      <p:sp>
+        <p:nvSpPr>
+          <p:cNvPr id="55" name="正方形/長方形 54">
+            <a:extLst>
+              <a:ext uri="{FF2B5EF4-FFF2-40B4-BE49-F238E27FC236}">
+                <a16:creationId xmlns:a16="http://schemas.microsoft.com/office/drawing/2014/main" id="{633B3866-C8C7-4C43-885F-4D1AF6569B4F}"/>
+              </a:ext>
+            </a:extLst>
+          </p:cNvPr>
+          <p:cNvSpPr/>
+          <p:nvPr/>
+        </p:nvSpPr>
+        <p:spPr>
+          <a:xfrm>
+            <a:off x="2029251" y="15060660"/>
+            <a:ext cx="2813051" cy="628650"/>
+          </a:xfrm>
+          <a:prstGeom prst="rect">
+            <a:avLst/>
+          </a:prstGeom>
+          <a:noFill/>
+          <a:ln>
+            <a:noFill/>
+          </a:ln>
+        </p:spPr>
+        <p:style>
+          <a:lnRef idx="2">
+            <a:schemeClr val="accent1">
+              <a:shade val="50000"/>
+            </a:schemeClr>
+          </a:lnRef>
+          <a:fillRef idx="1">
+            <a:schemeClr val="accent1"/>
+          </a:fillRef>
+          <a:effectRef idx="0">
+            <a:schemeClr val="accent1"/>
+          </a:effectRef>
+          <a:fontRef idx="minor">
+            <a:schemeClr val="lt1"/>
+          </a:fontRef>
+        </p:style>
+        <p:txBody>
+          <a:bodyPr rtlCol="0" anchor="ctr"/>
+          <a:lstStyle/>
+          <a:p>
+            <a:pPr algn="ctr"/>
+            <a:r>
+              <a:rPr lang="ja-JP" altLang="en-US" dirty="0">
+                <a:solidFill>
+                  <a:schemeClr val="tx1"/>
+                </a:solidFill>
+              </a:rPr>
+              <a:t>メニュー</a:t>
+            </a:r>
+            <a:endParaRPr lang="en-US" altLang="ja-JP" dirty="0">
+              <a:solidFill>
+                <a:schemeClr val="tx1"/>
+              </a:solidFill>
+            </a:endParaRPr>
+          </a:p>
+        </p:txBody>
+      </p:sp>
+      <p:sp>
+        <p:nvSpPr>
+          <p:cNvPr id="56" name="正方形/長方形 55">
+            <a:extLst>
+              <a:ext uri="{FF2B5EF4-FFF2-40B4-BE49-F238E27FC236}">
+                <a16:creationId xmlns:a16="http://schemas.microsoft.com/office/drawing/2014/main" id="{4EB22D8F-D56D-4304-9255-BE0E767FCE61}"/>
+              </a:ext>
+            </a:extLst>
+          </p:cNvPr>
+          <p:cNvSpPr/>
+          <p:nvPr/>
+        </p:nvSpPr>
+        <p:spPr>
+          <a:xfrm>
+            <a:off x="2015018" y="18440400"/>
+            <a:ext cx="2813051" cy="628650"/>
+          </a:xfrm>
+          <a:prstGeom prst="rect">
+            <a:avLst/>
+          </a:prstGeom>
+          <a:noFill/>
+          <a:ln>
+            <a:noFill/>
+          </a:ln>
+        </p:spPr>
+        <p:style>
+          <a:lnRef idx="2">
+            <a:schemeClr val="accent1">
+              <a:shade val="50000"/>
+            </a:schemeClr>
+          </a:lnRef>
+          <a:fillRef idx="1">
+            <a:schemeClr val="accent1"/>
+          </a:fillRef>
+          <a:effectRef idx="0">
+            <a:schemeClr val="accent1"/>
+          </a:effectRef>
+          <a:fontRef idx="minor">
+            <a:schemeClr val="lt1"/>
+          </a:fontRef>
+        </p:style>
+        <p:txBody>
+          <a:bodyPr rtlCol="0" anchor="ctr"/>
+          <a:lstStyle/>
+          <a:p>
+            <a:pPr algn="ctr"/>
+            <a:r>
+              <a:rPr lang="ja-JP" altLang="en-US" dirty="0">
+                <a:solidFill>
+                  <a:schemeClr val="tx1"/>
+                </a:solidFill>
+              </a:rPr>
+              <a:t>アクセス</a:t>
+            </a:r>
+            <a:endParaRPr lang="en-US" altLang="ja-JP" dirty="0">
+              <a:solidFill>
+                <a:schemeClr val="tx1"/>
+              </a:solidFill>
+            </a:endParaRPr>
+          </a:p>
+        </p:txBody>
+      </p:sp>
+      <p:sp>
+        <p:nvSpPr>
+          <p:cNvPr id="57" name="正方形/長方形 56">
+            <a:extLst>
+              <a:ext uri="{FF2B5EF4-FFF2-40B4-BE49-F238E27FC236}">
+                <a16:creationId xmlns:a16="http://schemas.microsoft.com/office/drawing/2014/main" id="{50B6848D-59B3-40CE-9552-EE9D3B46FCD8}"/>
+              </a:ext>
+            </a:extLst>
+          </p:cNvPr>
+          <p:cNvSpPr/>
+          <p:nvPr/>
+        </p:nvSpPr>
+        <p:spPr>
+          <a:xfrm>
+            <a:off x="917276" y="19069054"/>
+            <a:ext cx="1125995" cy="357683"/>
+          </a:xfrm>
+          <a:prstGeom prst="rect">
+            <a:avLst/>
+          </a:prstGeom>
+          <a:noFill/>
+          <a:ln>
+            <a:noFill/>
+          </a:ln>
+        </p:spPr>
+        <p:style>
+          <a:lnRef idx="2">
+            <a:schemeClr val="accent1">
+              <a:shade val="50000"/>
+            </a:schemeClr>
+          </a:lnRef>
+          <a:fillRef idx="1">
+            <a:schemeClr val="accent1"/>
+          </a:fillRef>
+          <a:effectRef idx="0">
+            <a:schemeClr val="accent1"/>
+          </a:effectRef>
+          <a:fontRef idx="minor">
+            <a:schemeClr val="lt1"/>
+          </a:fontRef>
+        </p:style>
+        <p:txBody>
+          <a:bodyPr rtlCol="0" anchor="ctr"/>
+          <a:lstStyle/>
+          <a:p>
+            <a:r>
+              <a:rPr lang="ja-JP" altLang="en-US" sz="1200" dirty="0">
+                <a:solidFill>
+                  <a:schemeClr val="tx1"/>
+                </a:solidFill>
+              </a:rPr>
+              <a:t>住所</a:t>
+            </a:r>
+            <a:endParaRPr lang="en-US" altLang="ja-JP" sz="1200" dirty="0">
+              <a:solidFill>
+                <a:schemeClr val="tx1"/>
+              </a:solidFill>
+            </a:endParaRPr>
+          </a:p>
+        </p:txBody>
+      </p:sp>
+      <p:cxnSp>
+        <p:nvCxnSpPr>
+          <p:cNvPr id="8" name="直線コネクタ 7">
+            <a:extLst>
+              <a:ext uri="{FF2B5EF4-FFF2-40B4-BE49-F238E27FC236}">
+                <a16:creationId xmlns:a16="http://schemas.microsoft.com/office/drawing/2014/main" id="{CFC634A3-56AD-45CC-90DB-AB39A7AAA8C2}"/>
+              </a:ext>
+            </a:extLst>
+          </p:cNvPr>
+          <p:cNvCxnSpPr>
+            <a:cxnSpLocks/>
+          </p:cNvCxnSpPr>
+          <p:nvPr/>
+        </p:nvCxnSpPr>
+        <p:spPr>
+          <a:xfrm>
+            <a:off x="893732" y="19426732"/>
+            <a:ext cx="5040000" cy="0"/>
+          </a:xfrm>
+          <a:prstGeom prst="line">
+            <a:avLst/>
+          </a:prstGeom>
+          <a:ln>
+            <a:solidFill>
+              <a:schemeClr val="tx1"/>
+            </a:solidFill>
+          </a:ln>
+        </p:spPr>
+        <p:style>
+          <a:lnRef idx="1">
+            <a:schemeClr val="accent1"/>
+          </a:lnRef>
+          <a:fillRef idx="0">
+            <a:schemeClr val="accent1"/>
+          </a:fillRef>
+          <a:effectRef idx="0">
+            <a:schemeClr val="accent1"/>
+          </a:effectRef>
+          <a:fontRef idx="minor">
+            <a:schemeClr val="tx1"/>
+          </a:fontRef>
+        </p:style>
+      </p:cxnSp>
+      <p:sp>
+        <p:nvSpPr>
+          <p:cNvPr id="58" name="正方形/長方形 57">
+            <a:extLst>
+              <a:ext uri="{FF2B5EF4-FFF2-40B4-BE49-F238E27FC236}">
+                <a16:creationId xmlns:a16="http://schemas.microsoft.com/office/drawing/2014/main" id="{FCDB14BC-FD84-486F-9D85-BE2ABEB188DB}"/>
+              </a:ext>
+            </a:extLst>
+          </p:cNvPr>
+          <p:cNvSpPr/>
+          <p:nvPr/>
+        </p:nvSpPr>
+        <p:spPr>
+          <a:xfrm>
+            <a:off x="917276" y="19507204"/>
+            <a:ext cx="1125995" cy="357683"/>
+          </a:xfrm>
+          <a:prstGeom prst="rect">
+            <a:avLst/>
+          </a:prstGeom>
+          <a:noFill/>
+          <a:ln>
+            <a:noFill/>
+          </a:ln>
+        </p:spPr>
+        <p:style>
+          <a:lnRef idx="2">
+            <a:schemeClr val="accent1">
+              <a:shade val="50000"/>
+            </a:schemeClr>
+          </a:lnRef>
+          <a:fillRef idx="1">
+            <a:schemeClr val="accent1"/>
+          </a:fillRef>
+          <a:effectRef idx="0">
+            <a:schemeClr val="accent1"/>
+          </a:effectRef>
+          <a:fontRef idx="minor">
+            <a:schemeClr val="lt1"/>
+          </a:fontRef>
+        </p:style>
+        <p:txBody>
+          <a:bodyPr rtlCol="0" anchor="ctr"/>
+          <a:lstStyle/>
+          <a:p>
+            <a:r>
+              <a:rPr lang="en-US" altLang="ja-JP" sz="1200" dirty="0">
+                <a:solidFill>
+                  <a:schemeClr val="tx1"/>
+                </a:solidFill>
+              </a:rPr>
+              <a:t>TEL</a:t>
+            </a:r>
+          </a:p>
+        </p:txBody>
+      </p:sp>
+      <p:cxnSp>
+        <p:nvCxnSpPr>
+          <p:cNvPr id="59" name="直線コネクタ 58">
+            <a:extLst>
+              <a:ext uri="{FF2B5EF4-FFF2-40B4-BE49-F238E27FC236}">
+                <a16:creationId xmlns:a16="http://schemas.microsoft.com/office/drawing/2014/main" id="{493A00D8-D28B-473E-AA2E-77E724B58CFF}"/>
+              </a:ext>
+            </a:extLst>
+          </p:cNvPr>
+          <p:cNvCxnSpPr>
+            <a:cxnSpLocks/>
+          </p:cNvCxnSpPr>
+          <p:nvPr/>
+        </p:nvCxnSpPr>
+        <p:spPr>
+          <a:xfrm>
+            <a:off x="893732" y="19864881"/>
+            <a:ext cx="5040000" cy="0"/>
+          </a:xfrm>
+          <a:prstGeom prst="line">
+            <a:avLst/>
+          </a:prstGeom>
+          <a:ln>
+            <a:solidFill>
+              <a:schemeClr val="tx1"/>
+            </a:solidFill>
+          </a:ln>
+        </p:spPr>
+        <p:style>
+          <a:lnRef idx="1">
+            <a:schemeClr val="accent1"/>
+          </a:lnRef>
+          <a:fillRef idx="0">
+            <a:schemeClr val="accent1"/>
+          </a:fillRef>
+          <a:effectRef idx="0">
+            <a:schemeClr val="accent1"/>
+          </a:effectRef>
+          <a:fontRef idx="minor">
+            <a:schemeClr val="tx1"/>
+          </a:fontRef>
+        </p:style>
+      </p:cxnSp>
+      <p:sp>
+        <p:nvSpPr>
+          <p:cNvPr id="60" name="正方形/長方形 59">
+            <a:extLst>
+              <a:ext uri="{FF2B5EF4-FFF2-40B4-BE49-F238E27FC236}">
+                <a16:creationId xmlns:a16="http://schemas.microsoft.com/office/drawing/2014/main" id="{1417D723-EB17-4274-9F4E-A7737F16E99E}"/>
+              </a:ext>
+            </a:extLst>
+          </p:cNvPr>
+          <p:cNvSpPr/>
+          <p:nvPr/>
+        </p:nvSpPr>
+        <p:spPr>
+          <a:xfrm>
+            <a:off x="917276" y="19945351"/>
+            <a:ext cx="1125995" cy="357683"/>
+          </a:xfrm>
+          <a:prstGeom prst="rect">
+            <a:avLst/>
+          </a:prstGeom>
+          <a:noFill/>
+          <a:ln>
+            <a:noFill/>
+          </a:ln>
+        </p:spPr>
+        <p:style>
+          <a:lnRef idx="2">
+            <a:schemeClr val="accent1">
+              <a:shade val="50000"/>
+            </a:schemeClr>
+          </a:lnRef>
+          <a:fillRef idx="1">
+            <a:schemeClr val="accent1"/>
+          </a:fillRef>
+          <a:effectRef idx="0">
+            <a:schemeClr val="accent1"/>
+          </a:effectRef>
+          <a:fontRef idx="minor">
+            <a:schemeClr val="lt1"/>
+          </a:fontRef>
+        </p:style>
+        <p:txBody>
+          <a:bodyPr rtlCol="0" anchor="ctr"/>
+          <a:lstStyle/>
+          <a:p>
+            <a:r>
+              <a:rPr lang="ja-JP" altLang="en-US" sz="1200" dirty="0">
+                <a:solidFill>
+                  <a:schemeClr val="tx1"/>
+                </a:solidFill>
+              </a:rPr>
+              <a:t>営業時間</a:t>
+            </a:r>
+            <a:endParaRPr lang="en-US" altLang="ja-JP" sz="1200" dirty="0">
+              <a:solidFill>
+                <a:schemeClr val="tx1"/>
+              </a:solidFill>
+            </a:endParaRPr>
+          </a:p>
+        </p:txBody>
+      </p:sp>
+      <p:cxnSp>
+        <p:nvCxnSpPr>
+          <p:cNvPr id="61" name="直線コネクタ 60">
+            <a:extLst>
+              <a:ext uri="{FF2B5EF4-FFF2-40B4-BE49-F238E27FC236}">
+                <a16:creationId xmlns:a16="http://schemas.microsoft.com/office/drawing/2014/main" id="{269E5520-8251-4BF0-A33E-A90BF8C296C6}"/>
+              </a:ext>
+            </a:extLst>
+          </p:cNvPr>
+          <p:cNvCxnSpPr>
+            <a:cxnSpLocks/>
+          </p:cNvCxnSpPr>
+          <p:nvPr/>
+        </p:nvCxnSpPr>
+        <p:spPr>
+          <a:xfrm>
+            <a:off x="893732" y="20303029"/>
+            <a:ext cx="5040000" cy="0"/>
+          </a:xfrm>
+          <a:prstGeom prst="line">
+            <a:avLst/>
+          </a:prstGeom>
+          <a:ln>
+            <a:solidFill>
+              <a:schemeClr val="tx1"/>
+            </a:solidFill>
+          </a:ln>
+        </p:spPr>
+        <p:style>
+          <a:lnRef idx="1">
+            <a:schemeClr val="accent1"/>
+          </a:lnRef>
+          <a:fillRef idx="0">
+            <a:schemeClr val="accent1"/>
+          </a:fillRef>
+          <a:effectRef idx="0">
+            <a:schemeClr val="accent1"/>
+          </a:effectRef>
+          <a:fontRef idx="minor">
+            <a:schemeClr val="tx1"/>
+          </a:fontRef>
+        </p:style>
+      </p:cxnSp>
+      <p:sp>
+        <p:nvSpPr>
+          <p:cNvPr id="62" name="正方形/長方形 61">
+            <a:extLst>
+              <a:ext uri="{FF2B5EF4-FFF2-40B4-BE49-F238E27FC236}">
+                <a16:creationId xmlns:a16="http://schemas.microsoft.com/office/drawing/2014/main" id="{FE737A5D-A48F-4E32-B879-CC0523978D40}"/>
+              </a:ext>
+            </a:extLst>
+          </p:cNvPr>
+          <p:cNvSpPr/>
+          <p:nvPr/>
+        </p:nvSpPr>
+        <p:spPr>
+          <a:xfrm>
+            <a:off x="917276" y="20383498"/>
+            <a:ext cx="1125995" cy="357683"/>
+          </a:xfrm>
+          <a:prstGeom prst="rect">
+            <a:avLst/>
+          </a:prstGeom>
+          <a:noFill/>
+          <a:ln>
+            <a:noFill/>
+          </a:ln>
+        </p:spPr>
+        <p:style>
+          <a:lnRef idx="2">
+            <a:schemeClr val="accent1">
+              <a:shade val="50000"/>
+            </a:schemeClr>
+          </a:lnRef>
+          <a:fillRef idx="1">
+            <a:schemeClr val="accent1"/>
+          </a:fillRef>
+          <a:effectRef idx="0">
+            <a:schemeClr val="accent1"/>
+          </a:effectRef>
+          <a:fontRef idx="minor">
+            <a:schemeClr val="lt1"/>
+          </a:fontRef>
+        </p:style>
+        <p:txBody>
+          <a:bodyPr rtlCol="0" anchor="ctr"/>
+          <a:lstStyle/>
+          <a:p>
+            <a:r>
+              <a:rPr lang="ja-JP" altLang="en-US" sz="1200" dirty="0">
+                <a:solidFill>
+                  <a:schemeClr val="tx1"/>
+                </a:solidFill>
+              </a:rPr>
+              <a:t>定休日</a:t>
+            </a:r>
+            <a:endParaRPr lang="en-US" altLang="ja-JP" sz="1200" dirty="0">
+              <a:solidFill>
+                <a:schemeClr val="tx1"/>
+              </a:solidFill>
+            </a:endParaRPr>
+          </a:p>
+        </p:txBody>
+      </p:sp>
+      <p:cxnSp>
+        <p:nvCxnSpPr>
+          <p:cNvPr id="63" name="直線コネクタ 62">
+            <a:extLst>
+              <a:ext uri="{FF2B5EF4-FFF2-40B4-BE49-F238E27FC236}">
+                <a16:creationId xmlns:a16="http://schemas.microsoft.com/office/drawing/2014/main" id="{DDF09E94-7AF6-4BCA-8DF3-B87A0AFE320A}"/>
+              </a:ext>
+            </a:extLst>
+          </p:cNvPr>
+          <p:cNvCxnSpPr>
+            <a:cxnSpLocks/>
+          </p:cNvCxnSpPr>
+          <p:nvPr/>
+        </p:nvCxnSpPr>
+        <p:spPr>
+          <a:xfrm>
+            <a:off x="893732" y="20741176"/>
+            <a:ext cx="5040000" cy="0"/>
+          </a:xfrm>
+          <a:prstGeom prst="line">
+            <a:avLst/>
+          </a:prstGeom>
+          <a:ln>
+            <a:solidFill>
+              <a:schemeClr val="tx1"/>
+            </a:solidFill>
+          </a:ln>
+        </p:spPr>
+        <p:style>
+          <a:lnRef idx="1">
+            <a:schemeClr val="accent1"/>
+          </a:lnRef>
+          <a:fillRef idx="0">
+            <a:schemeClr val="accent1"/>
+          </a:fillRef>
+          <a:effectRef idx="0">
+            <a:schemeClr val="accent1"/>
+          </a:effectRef>
+          <a:fontRef idx="minor">
+            <a:schemeClr val="tx1"/>
+          </a:fontRef>
+        </p:style>
+      </p:cxnSp>
+      <p:sp>
+        <p:nvSpPr>
+          <p:cNvPr id="7" name="正方形/長方形 6">
+            <a:extLst>
+              <a:ext uri="{FF2B5EF4-FFF2-40B4-BE49-F238E27FC236}">
+                <a16:creationId xmlns:a16="http://schemas.microsoft.com/office/drawing/2014/main" id="{60FF7DE3-0F62-4D05-9539-ADC52C976F74}"/>
+              </a:ext>
+            </a:extLst>
+          </p:cNvPr>
+          <p:cNvSpPr/>
+          <p:nvPr/>
+        </p:nvSpPr>
+        <p:spPr>
+          <a:xfrm>
+            <a:off x="0" y="21232316"/>
+            <a:ext cx="6858000" cy="2993591"/>
+          </a:xfrm>
+          <a:prstGeom prst="rect">
+            <a:avLst/>
+          </a:prstGeom>
+        </p:spPr>
+        <p:style>
+          <a:lnRef idx="2">
+            <a:schemeClr val="dk1">
+              <a:shade val="50000"/>
+            </a:schemeClr>
+          </a:lnRef>
+          <a:fillRef idx="1">
+            <a:schemeClr val="dk1"/>
+          </a:fillRef>
+          <a:effectRef idx="0">
+            <a:schemeClr val="dk1"/>
+          </a:effectRef>
+          <a:fontRef idx="minor">
+            <a:schemeClr val="lt1"/>
+          </a:fontRef>
+        </p:style>
+        <p:txBody>
+          <a:bodyPr rtlCol="0" anchor="ctr"/>
+          <a:lstStyle/>
+          <a:p>
+            <a:r>
+              <a:rPr lang="ja-JP" altLang="en-US" sz="800" b="0" i="0" dirty="0">
+                <a:solidFill>
+                  <a:srgbClr val="FFFFFF"/>
+                </a:solidFill>
+                <a:effectLst/>
+                <a:latin typeface="Helvetica Neue"/>
+              </a:rPr>
+              <a:t>▼△▼注意事項▼△▼</a:t>
+            </a:r>
+            <a:br>
+              <a:rPr lang="ja-JP" altLang="en-US" sz="800" dirty="0"/>
+            </a:br>
+            <a:r>
+              <a:rPr lang="ja-JP" altLang="en-US" sz="800" b="0" i="0" dirty="0">
+                <a:solidFill>
+                  <a:srgbClr val="FFFFFF"/>
+                </a:solidFill>
+                <a:effectLst/>
+                <a:latin typeface="Helvetica Neue"/>
+              </a:rPr>
+              <a:t>セラピストの引き抜き行為、スカウトは罰金</a:t>
+            </a:r>
+            <a:r>
+              <a:rPr lang="en-US" altLang="ja-JP" sz="800" b="0" i="0" dirty="0">
+                <a:solidFill>
+                  <a:srgbClr val="FFFFFF"/>
+                </a:solidFill>
+                <a:effectLst/>
+                <a:latin typeface="Helvetica Neue"/>
+              </a:rPr>
+              <a:t>50</a:t>
+            </a:r>
+            <a:r>
+              <a:rPr lang="ja-JP" altLang="en-US" sz="800" b="0" i="0" dirty="0">
+                <a:solidFill>
+                  <a:srgbClr val="FFFFFF"/>
+                </a:solidFill>
+                <a:effectLst/>
+                <a:latin typeface="Helvetica Neue"/>
+              </a:rPr>
+              <a:t>万円とします。</a:t>
+            </a:r>
+            <a:br>
+              <a:rPr lang="ja-JP" altLang="en-US" sz="800" dirty="0"/>
+            </a:br>
+            <a:r>
+              <a:rPr lang="ja-JP" altLang="en-US" sz="800" b="0" i="0" dirty="0">
+                <a:solidFill>
+                  <a:srgbClr val="FFFFFF"/>
+                </a:solidFill>
+                <a:effectLst/>
+                <a:latin typeface="Helvetica Neue"/>
+              </a:rPr>
+              <a:t>当店は本格的なアロマセラピーをご提供するサロンであり、風俗的サービスは一切行っておりません。</a:t>
+            </a:r>
+            <a:br>
+              <a:rPr lang="ja-JP" altLang="en-US" sz="800" dirty="0"/>
+            </a:br>
+            <a:r>
+              <a:rPr lang="ja-JP" altLang="en-US" sz="800" b="0" i="0" dirty="0">
+                <a:solidFill>
+                  <a:srgbClr val="FFFFFF"/>
+                </a:solidFill>
+                <a:effectLst/>
+                <a:latin typeface="Helvetica Neue"/>
+              </a:rPr>
+              <a:t>施術中にそのようなサービスの要求、品性の無い発言・行動をされた場合またはセラピストが施術続行不可能と判断した場合には、直ちに施術を中止し、ご退店をしていただく事が御座います。</a:t>
+            </a:r>
+            <a:br>
+              <a:rPr lang="ja-JP" altLang="en-US" sz="800" dirty="0"/>
+            </a:br>
+            <a:r>
+              <a:rPr lang="ja-JP" altLang="en-US" sz="800" b="0" i="0" dirty="0">
+                <a:solidFill>
+                  <a:srgbClr val="FFFFFF"/>
+                </a:solidFill>
+                <a:effectLst/>
+                <a:latin typeface="Helvetica Neue"/>
+              </a:rPr>
+              <a:t>その際の料金の返金は一切いたしませんので予めご了承ください。</a:t>
+            </a:r>
+            <a:br>
+              <a:rPr lang="ja-JP" altLang="en-US" sz="800" dirty="0"/>
+            </a:br>
+            <a:br>
+              <a:rPr lang="ja-JP" altLang="en-US" sz="800" dirty="0"/>
+            </a:br>
+            <a:r>
+              <a:rPr lang="ja-JP" altLang="en-US" sz="800" b="0" i="0" dirty="0">
+                <a:solidFill>
+                  <a:srgbClr val="FFFFFF"/>
+                </a:solidFill>
+                <a:effectLst/>
+                <a:latin typeface="Helvetica Neue"/>
+              </a:rPr>
+              <a:t>また、下記項目に該当する方の、当店のご利用は控えさせていただいております。</a:t>
+            </a:r>
+            <a:br>
+              <a:rPr lang="ja-JP" altLang="en-US" sz="800" dirty="0"/>
+            </a:br>
+            <a:r>
+              <a:rPr lang="ja-JP" altLang="en-US" sz="800" b="0" i="0" dirty="0">
+                <a:solidFill>
+                  <a:srgbClr val="FFFFFF"/>
+                </a:solidFill>
+                <a:effectLst/>
+                <a:latin typeface="Helvetica Neue"/>
+              </a:rPr>
+              <a:t>予めご了承いただきますようお願い申し上げます。</a:t>
+            </a:r>
+            <a:br>
+              <a:rPr lang="ja-JP" altLang="en-US" sz="800" dirty="0"/>
+            </a:br>
+            <a:r>
+              <a:rPr lang="ja-JP" altLang="en-US" sz="800" b="0" i="0" dirty="0">
+                <a:solidFill>
+                  <a:srgbClr val="FFFFFF"/>
+                </a:solidFill>
+                <a:effectLst/>
+                <a:latin typeface="Helvetica Neue"/>
+              </a:rPr>
+              <a:t>・風邪などで発熱のある方</a:t>
+            </a:r>
+            <a:br>
+              <a:rPr lang="ja-JP" altLang="en-US" sz="800" dirty="0"/>
+            </a:br>
+            <a:r>
+              <a:rPr lang="ja-JP" altLang="en-US" sz="800" b="0" i="0" dirty="0">
+                <a:solidFill>
+                  <a:srgbClr val="FFFFFF"/>
+                </a:solidFill>
+                <a:effectLst/>
+                <a:latin typeface="Helvetica Neue"/>
+              </a:rPr>
+              <a:t>・泥酔状態の方</a:t>
+            </a:r>
+            <a:br>
+              <a:rPr lang="ja-JP" altLang="en-US" sz="800" dirty="0"/>
+            </a:br>
+            <a:r>
+              <a:rPr lang="ja-JP" altLang="en-US" sz="800" b="0" i="0" dirty="0">
+                <a:solidFill>
+                  <a:srgbClr val="FFFFFF"/>
+                </a:solidFill>
+                <a:effectLst/>
+                <a:latin typeface="Helvetica Neue"/>
+              </a:rPr>
+              <a:t>・重度の皮膚疾患がある方（皮膚炎・水虫など）</a:t>
+            </a:r>
+            <a:br>
+              <a:rPr lang="ja-JP" altLang="en-US" sz="800" dirty="0"/>
+            </a:br>
+            <a:r>
+              <a:rPr lang="ja-JP" altLang="en-US" sz="800" b="0" i="0" dirty="0">
+                <a:solidFill>
+                  <a:srgbClr val="FFFFFF"/>
+                </a:solidFill>
+                <a:effectLst/>
+                <a:latin typeface="Helvetica Neue"/>
+              </a:rPr>
+              <a:t>・セラピストの体に触るなど性的なサービスの要求、暴言</a:t>
+            </a:r>
+            <a:br>
+              <a:rPr lang="ja-JP" altLang="en-US" sz="800" dirty="0"/>
+            </a:br>
+            <a:r>
+              <a:rPr lang="ja-JP" altLang="en-US" sz="800" b="0" i="0" dirty="0">
+                <a:solidFill>
+                  <a:srgbClr val="FFFFFF"/>
+                </a:solidFill>
+                <a:effectLst/>
+                <a:latin typeface="Helvetica Neue"/>
+              </a:rPr>
+              <a:t>・セラピストの嫌がる行為をされる方</a:t>
+            </a:r>
+            <a:br>
+              <a:rPr lang="ja-JP" altLang="en-US" sz="800" dirty="0"/>
+            </a:br>
+            <a:r>
+              <a:rPr lang="ja-JP" altLang="en-US" sz="800" b="0" i="0" dirty="0">
+                <a:solidFill>
+                  <a:srgbClr val="FFFFFF"/>
+                </a:solidFill>
+                <a:effectLst/>
+                <a:latin typeface="Helvetica Neue"/>
+              </a:rPr>
+              <a:t>・スカウトや引き抜き行為をされる方</a:t>
+            </a:r>
+            <a:br>
+              <a:rPr lang="ja-JP" altLang="en-US" sz="800" dirty="0"/>
+            </a:br>
+            <a:r>
+              <a:rPr lang="ja-JP" altLang="en-US" sz="800" b="0" i="0" dirty="0">
+                <a:solidFill>
+                  <a:srgbClr val="FFFFFF"/>
+                </a:solidFill>
+                <a:effectLst/>
+                <a:latin typeface="Helvetica Neue"/>
+              </a:rPr>
+              <a:t>・盗撮、盗聴などの行為をする方</a:t>
+            </a:r>
+            <a:br>
+              <a:rPr lang="ja-JP" altLang="en-US" sz="800" dirty="0"/>
+            </a:br>
+            <a:r>
+              <a:rPr lang="ja-JP" altLang="en-US" sz="800" b="0" i="0" dirty="0">
+                <a:solidFill>
+                  <a:srgbClr val="FFFFFF"/>
+                </a:solidFill>
+                <a:effectLst/>
+                <a:latin typeface="Helvetica Neue"/>
+              </a:rPr>
+              <a:t>・暴力団関係者又はそれに準ずる方、刺青・タトゥーのある方</a:t>
+            </a:r>
+            <a:br>
+              <a:rPr lang="ja-JP" altLang="en-US" sz="800" dirty="0"/>
+            </a:br>
+            <a:r>
+              <a:rPr lang="ja-JP" altLang="en-US" sz="800" b="0" i="0" dirty="0">
+                <a:solidFill>
+                  <a:srgbClr val="FFFFFF"/>
+                </a:solidFill>
+                <a:effectLst/>
+                <a:latin typeface="Helvetica Neue"/>
+              </a:rPr>
+              <a:t>・当店運営、営業に支障をきたす方</a:t>
+            </a:r>
+            <a:br>
+              <a:rPr lang="ja-JP" altLang="en-US" sz="800" dirty="0"/>
+            </a:br>
+            <a:r>
+              <a:rPr lang="ja-JP" altLang="en-US" sz="800" b="0" i="0" dirty="0">
+                <a:solidFill>
+                  <a:srgbClr val="FFFFFF"/>
+                </a:solidFill>
+                <a:effectLst/>
+                <a:latin typeface="Helvetica Neue"/>
+              </a:rPr>
+              <a:t>・当店の趣旨をご理解頂けない方、当店がふさわしくないと判断した方</a:t>
+            </a:r>
+            <a:br>
+              <a:rPr lang="ja-JP" altLang="en-US" sz="800" dirty="0"/>
+            </a:br>
+            <a:r>
+              <a:rPr lang="ja-JP" altLang="en-US" sz="800" b="0" i="0" dirty="0">
+                <a:solidFill>
+                  <a:srgbClr val="FFFFFF"/>
+                </a:solidFill>
+                <a:effectLst/>
+                <a:latin typeface="Helvetica Neue"/>
+              </a:rPr>
+              <a:t>・これらの事は、当サロンを快適・安全にご利用いただくために必要な事ですので、何卒ご理解の程をお願い申し上げます。また、施術中に発覚した場合は施術中でもサービス終了、即退店して頂きます。</a:t>
+            </a:r>
+            <a:br>
+              <a:rPr lang="ja-JP" altLang="en-US" sz="800" dirty="0"/>
+            </a:br>
+            <a:r>
+              <a:rPr lang="ja-JP" altLang="en-US" sz="800" b="0" i="0" dirty="0">
+                <a:solidFill>
+                  <a:srgbClr val="FFFFFF"/>
+                </a:solidFill>
+                <a:effectLst/>
+                <a:latin typeface="Helvetica Neue"/>
+              </a:rPr>
+              <a:t>・その場合、料金の返金は一切いたしませんので、予めご了承いただけますようお願い申し上げます。</a:t>
+            </a:r>
+            <a:br>
+              <a:rPr lang="ja-JP" altLang="en-US" sz="800" dirty="0"/>
+            </a:br>
+            <a:r>
+              <a:rPr lang="ja-JP" altLang="en-US" sz="800" b="0" i="0" dirty="0">
+                <a:solidFill>
+                  <a:srgbClr val="FFFFFF"/>
+                </a:solidFill>
+                <a:effectLst/>
+                <a:latin typeface="Helvetica Neue"/>
+              </a:rPr>
+              <a:t>・当店は「医療法」が定める「病院、診療所、治療院」や、あん摩、マッサージ指圧師、鍼灸師等が定める施術所では御座いません。</a:t>
+            </a:r>
+            <a:endParaRPr kumimoji="1" lang="ja-JP" altLang="en-US" sz="800" dirty="0"/>
           </a:p>
         </p:txBody>
       </p:sp>
@@ -6007,9 +6692,9 @@
 </file>
 
 <file path=ppt/theme/theme1.xml><?xml version="1.0" encoding="utf-8"?>
-<a:theme xmlns:a="http://schemas.openxmlformats.org/drawingml/2006/main" name="Office テーマ">
+<a:theme xmlns:a="http://schemas.openxmlformats.org/drawingml/2006/main" name="Office Theme">
   <a:themeElements>
-    <a:clrScheme name="Office">
+    <a:clrScheme name="Office テーマ">
       <a:dk1>
         <a:sysClr val="windowText" lastClr="000000"/>
       </a:dk1>
@@ -6047,9 +6732,9 @@
         <a:srgbClr val="954F72"/>
       </a:folHlink>
     </a:clrScheme>
-    <a:fontScheme name="Office">
+    <a:fontScheme name="Office テーマ">
       <a:majorFont>
-        <a:latin typeface="游ゴシック Light" panose="020F0302020204030204"/>
+        <a:latin typeface="Calibri Light" panose="020F0302020204030204"/>
         <a:ea typeface=""/>
         <a:cs typeface=""/>
         <a:font script="Jpan" typeface="游ゴシック Light"/>
@@ -6082,26 +6767,9 @@
         <a:font script="Viet" typeface="Times New Roman"/>
         <a:font script="Uigh" typeface="Microsoft Uighur"/>
         <a:font script="Geor" typeface="Sylfaen"/>
-        <a:font script="Armn" typeface="Arial"/>
-        <a:font script="Bugi" typeface="Leelawadee UI"/>
-        <a:font script="Bopo" typeface="Microsoft JhengHei"/>
-        <a:font script="Java" typeface="Javanese Text"/>
-        <a:font script="Lisu" typeface="Segoe UI"/>
-        <a:font script="Mymr" typeface="Myanmar Text"/>
-        <a:font script="Nkoo" typeface="Ebrima"/>
-        <a:font script="Olck" typeface="Nirmala UI"/>
-        <a:font script="Osma" typeface="Ebrima"/>
-        <a:font script="Phag" typeface="Phagspa"/>
-        <a:font script="Syrn" typeface="Estrangelo Edessa"/>
-        <a:font script="Syrj" typeface="Estrangelo Edessa"/>
-        <a:font script="Syre" typeface="Estrangelo Edessa"/>
-        <a:font script="Sora" typeface="Nirmala UI"/>
-        <a:font script="Tale" typeface="Microsoft Tai Le"/>
-        <a:font script="Talu" typeface="Microsoft New Tai Lue"/>
-        <a:font script="Tfng" typeface="Ebrima"/>
       </a:majorFont>
       <a:minorFont>
-        <a:latin typeface="游ゴシック" panose="020F0502020204030204"/>
+        <a:latin typeface="Calibri" panose="020F0502020204030204"/>
         <a:ea typeface=""/>
         <a:cs typeface=""/>
         <a:font script="Jpan" typeface="游ゴシック"/>
@@ -6134,26 +6802,9 @@
         <a:font script="Viet" typeface="Arial"/>
         <a:font script="Uigh" typeface="Microsoft Uighur"/>
         <a:font script="Geor" typeface="Sylfaen"/>
-        <a:font script="Armn" typeface="Arial"/>
-        <a:font script="Bugi" typeface="Leelawadee UI"/>
-        <a:font script="Bopo" typeface="Microsoft JhengHei"/>
-        <a:font script="Java" typeface="Javanese Text"/>
-        <a:font script="Lisu" typeface="Segoe UI"/>
-        <a:font script="Mymr" typeface="Myanmar Text"/>
-        <a:font script="Nkoo" typeface="Ebrima"/>
-        <a:font script="Olck" typeface="Nirmala UI"/>
-        <a:font script="Osma" typeface="Ebrima"/>
-        <a:font script="Phag" typeface="Phagspa"/>
-        <a:font script="Syrn" typeface="Estrangelo Edessa"/>
-        <a:font script="Syrj" typeface="Estrangelo Edessa"/>
-        <a:font script="Syre" typeface="Estrangelo Edessa"/>
-        <a:font script="Sora" typeface="Nirmala UI"/>
-        <a:font script="Tale" typeface="Microsoft Tai Le"/>
-        <a:font script="Talu" typeface="Microsoft New Tai Lue"/>
-        <a:font script="Tfng" typeface="Ebrima"/>
       </a:minorFont>
     </a:fontScheme>
-    <a:fmtScheme name="Office">
+    <a:fmtScheme name="Office テーマ">
       <a:fillStyleLst>
         <a:solidFill>
           <a:schemeClr val="phClr"/>
@@ -6295,7 +6946,7 @@
   <a:extraClrSchemeLst/>
   <a:extLst>
     <a:ext uri="{05A4C25C-085E-4340-85A3-A5531E510DB2}">
-      <thm15:themeFamily xmlns:thm15="http://schemas.microsoft.com/office/thememl/2012/main" name="Office Theme" id="{62F939B6-93AF-4DB8-9C6B-D6C7DFDC589F}" vid="{4A3C46E8-61CC-4603-A589-7422A47A8E4A}"/>
+      <thm15:themeFamily xmlns:thm15="http://schemas.microsoft.com/office/thememl/2012/main" name="Office Theme" id="{62F939B6-93AF-4DB8-9C6B-D6C7DFDC589F}" vid="{4F46216B-77A9-411A-B9D3-5023FCB70208}"/>
     </a:ext>
   </a:extLst>
 </a:theme>

--- a/ワイヤーフレーム.pptx
+++ b/ワイヤーフレーム.pptx
@@ -243,7 +243,7 @@
           <a:p>
             <a:fld id="{D7BC8180-1F71-423A-9A5E-C36E61378C10}" type="datetimeFigureOut">
               <a:rPr kumimoji="1" lang="ja-JP" altLang="en-US" smtClean="0"/>
-              <a:t>2021/6/11</a:t>
+              <a:t>2021/6/14</a:t>
             </a:fld>
             <a:endParaRPr kumimoji="1" lang="ja-JP" altLang="en-US"/>
           </a:p>
@@ -445,7 +445,7 @@
           <a:p>
             <a:fld id="{D7BC8180-1F71-423A-9A5E-C36E61378C10}" type="datetimeFigureOut">
               <a:rPr kumimoji="1" lang="ja-JP" altLang="en-US" smtClean="0"/>
-              <a:t>2021/6/11</a:t>
+              <a:t>2021/6/14</a:t>
             </a:fld>
             <a:endParaRPr kumimoji="1" lang="ja-JP" altLang="en-US"/>
           </a:p>
@@ -657,7 +657,7 @@
           <a:p>
             <a:fld id="{D7BC8180-1F71-423A-9A5E-C36E61378C10}" type="datetimeFigureOut">
               <a:rPr kumimoji="1" lang="ja-JP" altLang="en-US" smtClean="0"/>
-              <a:t>2021/6/11</a:t>
+              <a:t>2021/6/14</a:t>
             </a:fld>
             <a:endParaRPr kumimoji="1" lang="ja-JP" altLang="en-US"/>
           </a:p>
@@ -859,7 +859,7 @@
           <a:p>
             <a:fld id="{D7BC8180-1F71-423A-9A5E-C36E61378C10}" type="datetimeFigureOut">
               <a:rPr kumimoji="1" lang="ja-JP" altLang="en-US" smtClean="0"/>
-              <a:t>2021/6/11</a:t>
+              <a:t>2021/6/14</a:t>
             </a:fld>
             <a:endParaRPr kumimoji="1" lang="ja-JP" altLang="en-US"/>
           </a:p>
@@ -1103,7 +1103,7 @@
           <a:p>
             <a:fld id="{D7BC8180-1F71-423A-9A5E-C36E61378C10}" type="datetimeFigureOut">
               <a:rPr kumimoji="1" lang="ja-JP" altLang="en-US" smtClean="0"/>
-              <a:t>2021/6/11</a:t>
+              <a:t>2021/6/14</a:t>
             </a:fld>
             <a:endParaRPr kumimoji="1" lang="ja-JP" altLang="en-US"/>
           </a:p>
@@ -1399,7 +1399,7 @@
           <a:p>
             <a:fld id="{D7BC8180-1F71-423A-9A5E-C36E61378C10}" type="datetimeFigureOut">
               <a:rPr kumimoji="1" lang="ja-JP" altLang="en-US" smtClean="0"/>
-              <a:t>2021/6/11</a:t>
+              <a:t>2021/6/14</a:t>
             </a:fld>
             <a:endParaRPr kumimoji="1" lang="ja-JP" altLang="en-US"/>
           </a:p>
@@ -1830,7 +1830,7 @@
           <a:p>
             <a:fld id="{D7BC8180-1F71-423A-9A5E-C36E61378C10}" type="datetimeFigureOut">
               <a:rPr kumimoji="1" lang="ja-JP" altLang="en-US" smtClean="0"/>
-              <a:t>2021/6/11</a:t>
+              <a:t>2021/6/14</a:t>
             </a:fld>
             <a:endParaRPr kumimoji="1" lang="ja-JP" altLang="en-US"/>
           </a:p>
@@ -1948,7 +1948,7 @@
           <a:p>
             <a:fld id="{D7BC8180-1F71-423A-9A5E-C36E61378C10}" type="datetimeFigureOut">
               <a:rPr kumimoji="1" lang="ja-JP" altLang="en-US" smtClean="0"/>
-              <a:t>2021/6/11</a:t>
+              <a:t>2021/6/14</a:t>
             </a:fld>
             <a:endParaRPr kumimoji="1" lang="ja-JP" altLang="en-US"/>
           </a:p>
@@ -2043,7 +2043,7 @@
           <a:p>
             <a:fld id="{D7BC8180-1F71-423A-9A5E-C36E61378C10}" type="datetimeFigureOut">
               <a:rPr kumimoji="1" lang="ja-JP" altLang="en-US" smtClean="0"/>
-              <a:t>2021/6/11</a:t>
+              <a:t>2021/6/14</a:t>
             </a:fld>
             <a:endParaRPr kumimoji="1" lang="ja-JP" altLang="en-US"/>
           </a:p>
@@ -2352,7 +2352,7 @@
           <a:p>
             <a:fld id="{D7BC8180-1F71-423A-9A5E-C36E61378C10}" type="datetimeFigureOut">
               <a:rPr kumimoji="1" lang="ja-JP" altLang="en-US" smtClean="0"/>
-              <a:t>2021/6/11</a:t>
+              <a:t>2021/6/14</a:t>
             </a:fld>
             <a:endParaRPr kumimoji="1" lang="ja-JP" altLang="en-US"/>
           </a:p>
@@ -2609,7 +2609,7 @@
           <a:p>
             <a:fld id="{D7BC8180-1F71-423A-9A5E-C36E61378C10}" type="datetimeFigureOut">
               <a:rPr kumimoji="1" lang="ja-JP" altLang="en-US" smtClean="0"/>
-              <a:t>2021/6/11</a:t>
+              <a:t>2021/6/14</a:t>
             </a:fld>
             <a:endParaRPr kumimoji="1" lang="ja-JP" altLang="en-US"/>
           </a:p>
@@ -2854,7 +2854,7 @@
           <a:p>
             <a:fld id="{D7BC8180-1F71-423A-9A5E-C36E61378C10}" type="datetimeFigureOut">
               <a:rPr kumimoji="1" lang="ja-JP" altLang="en-US" smtClean="0"/>
-              <a:t>2021/6/11</a:t>
+              <a:t>2021/6/14</a:t>
             </a:fld>
             <a:endParaRPr kumimoji="1" lang="ja-JP" altLang="en-US"/>
           </a:p>
@@ -3599,65 +3599,13 @@
           </a:p>
           <a:p>
             <a:r>
-              <a:rPr lang="ja-JP" altLang="en-US" dirty="0">
+              <a:rPr lang="ja-JP" altLang="en-US">
                 <a:solidFill>
                   <a:schemeClr val="tx1"/>
                 </a:solidFill>
               </a:rPr>
               <a:t>メニュー</a:t>
             </a:r>
-            <a:endParaRPr lang="en-US" altLang="ja-JP" dirty="0">
-              <a:solidFill>
-                <a:schemeClr val="tx1"/>
-              </a:solidFill>
-            </a:endParaRPr>
-          </a:p>
-          <a:p>
-            <a:r>
-              <a:rPr lang="ja-JP" altLang="en-US" dirty="0">
-                <a:solidFill>
-                  <a:schemeClr val="tx1"/>
-                </a:solidFill>
-              </a:rPr>
-              <a:t>ご予約</a:t>
-            </a:r>
-            <a:endParaRPr lang="en-US" altLang="ja-JP" dirty="0">
-              <a:solidFill>
-                <a:schemeClr val="tx1"/>
-              </a:solidFill>
-            </a:endParaRPr>
-          </a:p>
-          <a:p>
-            <a:r>
-              <a:rPr lang="ja-JP" altLang="en-US" dirty="0">
-                <a:solidFill>
-                  <a:schemeClr val="tx1"/>
-                </a:solidFill>
-              </a:rPr>
-              <a:t>アクセス</a:t>
-            </a:r>
-            <a:endParaRPr lang="en-US" altLang="ja-JP" dirty="0">
-              <a:solidFill>
-                <a:schemeClr val="tx1"/>
-              </a:solidFill>
-            </a:endParaRPr>
-          </a:p>
-          <a:p>
-            <a:r>
-              <a:rPr lang="ja-JP" altLang="en-US" dirty="0">
-                <a:solidFill>
-                  <a:schemeClr val="tx1"/>
-                </a:solidFill>
-              </a:rPr>
-              <a:t>リクルート</a:t>
-            </a:r>
-            <a:endParaRPr lang="en-US" altLang="ja-JP" dirty="0">
-              <a:solidFill>
-                <a:schemeClr val="tx1"/>
-              </a:solidFill>
-            </a:endParaRPr>
-          </a:p>
-          <a:p>
             <a:endParaRPr lang="ja-JP" altLang="en-US" dirty="0">
               <a:solidFill>
                 <a:schemeClr val="tx1"/>
